--- a/_Doc/DesignPattern.P2.Creational(Builder).pptx
+++ b/_Doc/DesignPattern.P2.Creational(Builder).pptx
@@ -14271,7 +14271,19 @@
               <a:rPr lang="zh-CN" altLang="en-US" sz="1900" dirty="0" smtClean="0">
                 <a:effectLst/>
               </a:rPr>
-              <a:t>电脑本身之间存在个体差异，如有的因促销而降价，有的则有打印机赠品、</a:t>
+              <a:t>电脑本身之间存在个体差异，如有的因</a:t>
+            </a:r>
+            <a:r>
+              <a:rPr lang="zh-CN" altLang="en-US" sz="1900" dirty="0" smtClean="0">
+                <a:effectLst/>
+              </a:rPr>
+              <a:t>促销价格打折，</a:t>
+            </a:r>
+            <a:r>
+              <a:rPr lang="zh-CN" altLang="en-US" sz="1900" dirty="0" smtClean="0">
+                <a:effectLst/>
+              </a:rPr>
+              <a:t>有的则有打印机赠品、</a:t>
             </a:r>
             <a:r>
               <a:rPr lang="en-US" altLang="zh-CN" sz="1900" dirty="0" smtClean="0">
@@ -15639,7 +15651,7 @@
       </p:grpSp>
       <p:grpSp>
         <p:nvGrpSpPr>
-          <p:cNvPr id="136" name="组合 135"/>
+          <p:cNvPr id="42" name="组合 41"/>
           <p:cNvGrpSpPr/>
           <p:nvPr/>
         </p:nvGrpSpPr>
@@ -15653,7 +15665,7 @@
         </p:grpSpPr>
         <p:grpSp>
           <p:nvGrpSpPr>
-            <p:cNvPr id="33" name="组合 32"/>
+            <p:cNvPr id="136" name="组合 135"/>
             <p:cNvGrpSpPr/>
             <p:nvPr/>
           </p:nvGrpSpPr>
@@ -15661,20 +15673,797 @@
             <a:xfrm>
               <a:off x="4932040" y="3933056"/>
               <a:ext cx="3312368" cy="2664296"/>
-              <a:chOff x="5652120" y="2348880"/>
+              <a:chOff x="4932040" y="3933056"/>
               <a:chExt cx="3312368" cy="2664296"/>
             </a:xfrm>
           </p:grpSpPr>
+          <p:grpSp>
+            <p:nvGrpSpPr>
+              <p:cNvPr id="33" name="组合 32"/>
+              <p:cNvGrpSpPr/>
+              <p:nvPr/>
+            </p:nvGrpSpPr>
+            <p:grpSpPr>
+              <a:xfrm>
+                <a:off x="4932040" y="3933056"/>
+                <a:ext cx="3312368" cy="2664296"/>
+                <a:chOff x="5652120" y="2348880"/>
+                <a:chExt cx="3312368" cy="2664296"/>
+              </a:xfrm>
+            </p:grpSpPr>
+            <p:sp>
+              <p:nvSpPr>
+                <p:cNvPr id="34" name="矩形 33"/>
+                <p:cNvSpPr/>
+                <p:nvPr/>
+              </p:nvSpPr>
+              <p:spPr>
+                <a:xfrm>
+                  <a:off x="5652120" y="2348880"/>
+                  <a:ext cx="3312368" cy="2664296"/>
+                </a:xfrm>
+                <a:prstGeom prst="rect">
+                  <a:avLst/>
+                </a:prstGeom>
+                <a:noFill/>
+                <a:ln w="12700"/>
+              </p:spPr>
+              <p:style>
+                <a:lnRef idx="2">
+                  <a:schemeClr val="accent1">
+                    <a:shade val="50000"/>
+                  </a:schemeClr>
+                </a:lnRef>
+                <a:fillRef idx="1">
+                  <a:schemeClr val="accent1"/>
+                </a:fillRef>
+                <a:effectRef idx="0">
+                  <a:schemeClr val="accent1"/>
+                </a:effectRef>
+                <a:fontRef idx="minor">
+                  <a:schemeClr val="lt1"/>
+                </a:fontRef>
+              </p:style>
+              <p:txBody>
+                <a:bodyPr rtlCol="0" anchor="ctr"/>
+                <a:lstStyle/>
+                <a:p>
+                  <a:pPr algn="ctr"/>
+                  <a:endParaRPr lang="en-US"/>
+                </a:p>
+              </p:txBody>
+            </p:sp>
+            <p:sp>
+              <p:nvSpPr>
+                <p:cNvPr id="35" name="椭圆 34"/>
+                <p:cNvSpPr/>
+                <p:nvPr/>
+              </p:nvSpPr>
+              <p:spPr>
+                <a:xfrm>
+                  <a:off x="5868144" y="2672916"/>
+                  <a:ext cx="648072" cy="206309"/>
+                </a:xfrm>
+                <a:prstGeom prst="ellipse">
+                  <a:avLst/>
+                </a:prstGeom>
+                <a:solidFill>
+                  <a:schemeClr val="tx2">
+                    <a:lumMod val="20000"/>
+                    <a:lumOff val="80000"/>
+                  </a:schemeClr>
+                </a:solidFill>
+                <a:ln w="12700"/>
+              </p:spPr>
+              <p:style>
+                <a:lnRef idx="2">
+                  <a:schemeClr val="accent1">
+                    <a:shade val="50000"/>
+                  </a:schemeClr>
+                </a:lnRef>
+                <a:fillRef idx="1">
+                  <a:schemeClr val="accent1"/>
+                </a:fillRef>
+                <a:effectRef idx="0">
+                  <a:schemeClr val="accent1"/>
+                </a:effectRef>
+                <a:fontRef idx="minor">
+                  <a:schemeClr val="lt1"/>
+                </a:fontRef>
+              </p:style>
+              <p:txBody>
+                <a:bodyPr rtlCol="0" anchor="ctr"/>
+                <a:lstStyle/>
+                <a:p>
+                  <a:pPr algn="ctr"/>
+                  <a:r>
+                    <a:rPr lang="zh-CN" altLang="en-US" sz="1000" dirty="0">
+                      <a:solidFill>
+                        <a:srgbClr val="00B0F0"/>
+                      </a:solidFill>
+                    </a:rPr>
+                    <a:t>好评</a:t>
+                  </a:r>
+                  <a:endParaRPr lang="en-US" sz="1000" dirty="0">
+                    <a:solidFill>
+                      <a:srgbClr val="00B0F0"/>
+                    </a:solidFill>
+                  </a:endParaRPr>
+                </a:p>
+              </p:txBody>
+            </p:sp>
+            <p:sp>
+              <p:nvSpPr>
+                <p:cNvPr id="36" name="TextBox 35"/>
+                <p:cNvSpPr txBox="1"/>
+                <p:nvPr/>
+              </p:nvSpPr>
+              <p:spPr>
+                <a:xfrm>
+                  <a:off x="6588224" y="2636912"/>
+                  <a:ext cx="504056" cy="261610"/>
+                </a:xfrm>
+                <a:prstGeom prst="rect">
+                  <a:avLst/>
+                </a:prstGeom>
+                <a:noFill/>
+              </p:spPr>
+              <p:txBody>
+                <a:bodyPr wrap="square" rtlCol="0">
+                  <a:spAutoFit/>
+                </a:bodyPr>
+                <a:lstStyle/>
+                <a:p>
+                  <a:r>
+                    <a:rPr lang="en-US" sz="1100" dirty="0" smtClean="0"/>
+                    <a:t>98</a:t>
+                  </a:r>
+                  <a:r>
+                    <a:rPr lang="en-US" altLang="zh-CN" sz="1100" dirty="0" smtClean="0"/>
+                    <a:t>%</a:t>
+                  </a:r>
+                  <a:endParaRPr lang="en-US" sz="1100" dirty="0"/>
+                </a:p>
+              </p:txBody>
+            </p:sp>
+            <p:sp>
+              <p:nvSpPr>
+                <p:cNvPr id="37" name="椭圆 36"/>
+                <p:cNvSpPr/>
+                <p:nvPr/>
+              </p:nvSpPr>
+              <p:spPr>
+                <a:xfrm>
+                  <a:off x="5868144" y="2987370"/>
+                  <a:ext cx="648072" cy="206309"/>
+                </a:xfrm>
+                <a:prstGeom prst="ellipse">
+                  <a:avLst/>
+                </a:prstGeom>
+                <a:solidFill>
+                  <a:schemeClr val="tx2">
+                    <a:lumMod val="20000"/>
+                    <a:lumOff val="80000"/>
+                  </a:schemeClr>
+                </a:solidFill>
+                <a:ln w="12700"/>
+              </p:spPr>
+              <p:style>
+                <a:lnRef idx="2">
+                  <a:schemeClr val="accent1">
+                    <a:shade val="50000"/>
+                  </a:schemeClr>
+                </a:lnRef>
+                <a:fillRef idx="1">
+                  <a:schemeClr val="accent1"/>
+                </a:fillRef>
+                <a:effectRef idx="0">
+                  <a:schemeClr val="accent1"/>
+                </a:effectRef>
+                <a:fontRef idx="minor">
+                  <a:schemeClr val="lt1"/>
+                </a:fontRef>
+              </p:style>
+              <p:txBody>
+                <a:bodyPr rtlCol="0" anchor="ctr"/>
+                <a:lstStyle/>
+                <a:p>
+                  <a:pPr algn="ctr"/>
+                  <a:r>
+                    <a:rPr lang="zh-CN" altLang="en-US" sz="1000" dirty="0" smtClean="0">
+                      <a:solidFill>
+                        <a:srgbClr val="00B0F0"/>
+                      </a:solidFill>
+                    </a:rPr>
+                    <a:t>价格</a:t>
+                  </a:r>
+                  <a:endParaRPr lang="en-US" sz="1000" dirty="0">
+                    <a:solidFill>
+                      <a:srgbClr val="00B0F0"/>
+                    </a:solidFill>
+                  </a:endParaRPr>
+                </a:p>
+              </p:txBody>
+            </p:sp>
+            <p:sp>
+              <p:nvSpPr>
+                <p:cNvPr id="38" name="TextBox 37"/>
+                <p:cNvSpPr txBox="1"/>
+                <p:nvPr/>
+              </p:nvSpPr>
+              <p:spPr>
+                <a:xfrm>
+                  <a:off x="6588224" y="2951366"/>
+                  <a:ext cx="504056" cy="261610"/>
+                </a:xfrm>
+                <a:prstGeom prst="rect">
+                  <a:avLst/>
+                </a:prstGeom>
+                <a:noFill/>
+              </p:spPr>
+              <p:txBody>
+                <a:bodyPr wrap="square" rtlCol="0">
+                  <a:spAutoFit/>
+                </a:bodyPr>
+                <a:lstStyle/>
+                <a:p>
+                  <a:r>
+                    <a:rPr lang="en-US" sz="1100" dirty="0" smtClean="0"/>
+                    <a:t>9999</a:t>
+                  </a:r>
+                  <a:endParaRPr lang="en-US" sz="1100" dirty="0"/>
+                </a:p>
+              </p:txBody>
+            </p:sp>
+            <p:sp>
+              <p:nvSpPr>
+                <p:cNvPr id="39" name="椭圆 38"/>
+                <p:cNvSpPr/>
+                <p:nvPr/>
+              </p:nvSpPr>
+              <p:spPr>
+                <a:xfrm>
+                  <a:off x="5868144" y="3294699"/>
+                  <a:ext cx="648072" cy="206309"/>
+                </a:xfrm>
+                <a:prstGeom prst="ellipse">
+                  <a:avLst/>
+                </a:prstGeom>
+                <a:solidFill>
+                  <a:schemeClr val="tx2">
+                    <a:lumMod val="20000"/>
+                    <a:lumOff val="80000"/>
+                  </a:schemeClr>
+                </a:solidFill>
+                <a:ln w="12700"/>
+              </p:spPr>
+              <p:style>
+                <a:lnRef idx="2">
+                  <a:schemeClr val="accent1">
+                    <a:shade val="50000"/>
+                  </a:schemeClr>
+                </a:lnRef>
+                <a:fillRef idx="1">
+                  <a:schemeClr val="accent1"/>
+                </a:fillRef>
+                <a:effectRef idx="0">
+                  <a:schemeClr val="accent1"/>
+                </a:effectRef>
+                <a:fontRef idx="minor">
+                  <a:schemeClr val="lt1"/>
+                </a:fontRef>
+              </p:style>
+              <p:txBody>
+                <a:bodyPr rtlCol="0" anchor="ctr"/>
+                <a:lstStyle/>
+                <a:p>
+                  <a:pPr algn="ctr"/>
+                  <a:r>
+                    <a:rPr lang="zh-CN" altLang="en-US" sz="1000" dirty="0" smtClean="0">
+                      <a:solidFill>
+                        <a:srgbClr val="00B0F0"/>
+                      </a:solidFill>
+                    </a:rPr>
+                    <a:t>配置</a:t>
+                  </a:r>
+                  <a:endParaRPr lang="en-US" sz="1000" dirty="0">
+                    <a:solidFill>
+                      <a:srgbClr val="00B0F0"/>
+                    </a:solidFill>
+                  </a:endParaRPr>
+                </a:p>
+              </p:txBody>
+            </p:sp>
+            <p:grpSp>
+              <p:nvGrpSpPr>
+                <p:cNvPr id="40" name="组合 39"/>
+                <p:cNvGrpSpPr/>
+                <p:nvPr/>
+              </p:nvGrpSpPr>
+              <p:grpSpPr>
+                <a:xfrm>
+                  <a:off x="6660217" y="3320988"/>
+                  <a:ext cx="2160256" cy="1548172"/>
+                  <a:chOff x="6709682" y="3275269"/>
+                  <a:chExt cx="1418329" cy="1548172"/>
+                </a:xfrm>
+              </p:grpSpPr>
+              <p:sp>
+                <p:nvSpPr>
+                  <p:cNvPr id="55" name="矩形 54"/>
+                  <p:cNvSpPr/>
+                  <p:nvPr/>
+                </p:nvSpPr>
+                <p:spPr>
+                  <a:xfrm>
+                    <a:off x="6709682" y="3275269"/>
+                    <a:ext cx="1418329" cy="1548172"/>
+                  </a:xfrm>
+                  <a:prstGeom prst="rect">
+                    <a:avLst/>
+                  </a:prstGeom>
+                  <a:noFill/>
+                  <a:ln w="12700"/>
+                </p:spPr>
+                <p:style>
+                  <a:lnRef idx="2">
+                    <a:schemeClr val="accent1">
+                      <a:shade val="50000"/>
+                    </a:schemeClr>
+                  </a:lnRef>
+                  <a:fillRef idx="1">
+                    <a:schemeClr val="accent1"/>
+                  </a:fillRef>
+                  <a:effectRef idx="0">
+                    <a:schemeClr val="accent1"/>
+                  </a:effectRef>
+                  <a:fontRef idx="minor">
+                    <a:schemeClr val="lt1"/>
+                  </a:fontRef>
+                </p:style>
+                <p:txBody>
+                  <a:bodyPr rtlCol="0" anchor="ctr"/>
+                  <a:lstStyle/>
+                  <a:p>
+                    <a:pPr algn="ctr"/>
+                    <a:endParaRPr lang="en-US"/>
+                  </a:p>
+                </p:txBody>
+              </p:sp>
+              <p:cxnSp>
+                <p:nvCxnSpPr>
+                  <p:cNvPr id="56" name="直接连接符 55"/>
+                  <p:cNvCxnSpPr/>
+                  <p:nvPr/>
+                </p:nvCxnSpPr>
+                <p:spPr>
+                  <a:xfrm>
+                    <a:off x="7182464" y="3275269"/>
+                    <a:ext cx="0" cy="1548172"/>
+                  </a:xfrm>
+                  <a:prstGeom prst="line">
+                    <a:avLst/>
+                  </a:prstGeom>
+                </p:spPr>
+                <p:style>
+                  <a:lnRef idx="1">
+                    <a:schemeClr val="accent1"/>
+                  </a:lnRef>
+                  <a:fillRef idx="0">
+                    <a:schemeClr val="accent1"/>
+                  </a:fillRef>
+                  <a:effectRef idx="0">
+                    <a:schemeClr val="accent1"/>
+                  </a:effectRef>
+                  <a:fontRef idx="minor">
+                    <a:schemeClr val="tx1"/>
+                  </a:fontRef>
+                </p:style>
+              </p:cxnSp>
+              <p:cxnSp>
+                <p:nvCxnSpPr>
+                  <p:cNvPr id="59" name="直接连接符 58"/>
+                  <p:cNvCxnSpPr/>
+                  <p:nvPr/>
+                </p:nvCxnSpPr>
+                <p:spPr>
+                  <a:xfrm>
+                    <a:off x="6709688" y="3959345"/>
+                    <a:ext cx="472776" cy="0"/>
+                  </a:xfrm>
+                  <a:prstGeom prst="line">
+                    <a:avLst/>
+                  </a:prstGeom>
+                </p:spPr>
+                <p:style>
+                  <a:lnRef idx="1">
+                    <a:schemeClr val="accent1"/>
+                  </a:lnRef>
+                  <a:fillRef idx="0">
+                    <a:schemeClr val="accent1"/>
+                  </a:fillRef>
+                  <a:effectRef idx="0">
+                    <a:schemeClr val="accent1"/>
+                  </a:effectRef>
+                  <a:fontRef idx="minor">
+                    <a:schemeClr val="tx1"/>
+                  </a:fontRef>
+                </p:style>
+              </p:cxnSp>
+            </p:grpSp>
+            <p:sp>
+              <p:nvSpPr>
+                <p:cNvPr id="41" name="TextBox 40"/>
+                <p:cNvSpPr txBox="1"/>
+                <p:nvPr/>
+              </p:nvSpPr>
+              <p:spPr>
+                <a:xfrm>
+                  <a:off x="6732232" y="3356992"/>
+                  <a:ext cx="229834" cy="153888"/>
+                </a:xfrm>
+                <a:prstGeom prst="rect">
+                  <a:avLst/>
+                </a:prstGeom>
+                <a:noFill/>
+              </p:spPr>
+              <p:txBody>
+                <a:bodyPr wrap="square" lIns="0" tIns="0" rIns="0" bIns="0" rtlCol="0">
+                  <a:spAutoFit/>
+                </a:bodyPr>
+                <a:lstStyle/>
+                <a:p>
+                  <a:r>
+                    <a:rPr lang="en-US" altLang="zh-CN" sz="1000" dirty="0" smtClean="0"/>
+                    <a:t>CPU</a:t>
+                  </a:r>
+                  <a:endParaRPr lang="en-US" sz="1000" dirty="0"/>
+                </a:p>
+              </p:txBody>
+            </p:sp>
+            <p:sp>
+              <p:nvSpPr>
+                <p:cNvPr id="45" name="TextBox 44"/>
+                <p:cNvSpPr txBox="1"/>
+                <p:nvPr/>
+              </p:nvSpPr>
+              <p:spPr>
+                <a:xfrm>
+                  <a:off x="6742784" y="4077072"/>
+                  <a:ext cx="637528" cy="153888"/>
+                </a:xfrm>
+                <a:prstGeom prst="rect">
+                  <a:avLst/>
+                </a:prstGeom>
+                <a:noFill/>
+              </p:spPr>
+              <p:txBody>
+                <a:bodyPr wrap="square" lIns="0" tIns="0" rIns="0" bIns="0" rtlCol="0">
+                  <a:spAutoFit/>
+                </a:bodyPr>
+                <a:lstStyle/>
+                <a:p>
+                  <a:r>
+                    <a:rPr lang="en-US" altLang="zh-CN" sz="1000" dirty="0" smtClean="0"/>
+                    <a:t>Mainboard</a:t>
+                  </a:r>
+                  <a:endParaRPr lang="en-US" sz="1000" dirty="0"/>
+                </a:p>
+              </p:txBody>
+            </p:sp>
+            <p:sp>
+              <p:nvSpPr>
+                <p:cNvPr id="48" name="TextBox 47"/>
+                <p:cNvSpPr txBox="1"/>
+                <p:nvPr/>
+              </p:nvSpPr>
+              <p:spPr>
+                <a:xfrm>
+                  <a:off x="7606879" y="3356992"/>
+                  <a:ext cx="1069569" cy="153888"/>
+                </a:xfrm>
+                <a:prstGeom prst="rect">
+                  <a:avLst/>
+                </a:prstGeom>
+                <a:noFill/>
+              </p:spPr>
+              <p:txBody>
+                <a:bodyPr wrap="square" lIns="0" tIns="0" rIns="0" bIns="0" rtlCol="0">
+                  <a:spAutoFit/>
+                </a:bodyPr>
+                <a:lstStyle/>
+                <a:p>
+                  <a:r>
+                    <a:rPr lang="en-US" altLang="zh-CN" sz="1000" dirty="0"/>
+                    <a:t>Intel Core i3-4160</a:t>
+                  </a:r>
+                  <a:endParaRPr lang="en-US" sz="1000" dirty="0"/>
+                </a:p>
+              </p:txBody>
+            </p:sp>
+          </p:grpSp>
+          <p:grpSp>
+            <p:nvGrpSpPr>
+              <p:cNvPr id="109" name="组合 108"/>
+              <p:cNvGrpSpPr/>
+              <p:nvPr/>
+            </p:nvGrpSpPr>
+            <p:grpSpPr>
+              <a:xfrm>
+                <a:off x="6660232" y="5157192"/>
+                <a:ext cx="1440161" cy="437896"/>
+                <a:chOff x="6660232" y="5157192"/>
+                <a:chExt cx="1440161" cy="437896"/>
+              </a:xfrm>
+            </p:grpSpPr>
+            <p:grpSp>
+              <p:nvGrpSpPr>
+                <p:cNvPr id="76" name="组合 75"/>
+                <p:cNvGrpSpPr/>
+                <p:nvPr/>
+              </p:nvGrpSpPr>
+              <p:grpSpPr>
+                <a:xfrm>
+                  <a:off x="6660232" y="5157192"/>
+                  <a:ext cx="1440161" cy="437896"/>
+                  <a:chOff x="5984540" y="2780928"/>
+                  <a:chExt cx="2520282" cy="437896"/>
+                </a:xfrm>
+              </p:grpSpPr>
+              <p:grpSp>
+                <p:nvGrpSpPr>
+                  <p:cNvPr id="73" name="组合 72"/>
+                  <p:cNvGrpSpPr/>
+                  <p:nvPr/>
+                </p:nvGrpSpPr>
+                <p:grpSpPr>
+                  <a:xfrm>
+                    <a:off x="5984540" y="2780928"/>
+                    <a:ext cx="2520282" cy="437896"/>
+                    <a:chOff x="5984540" y="2780928"/>
+                    <a:chExt cx="2520282" cy="437896"/>
+                  </a:xfrm>
+                </p:grpSpPr>
+                <p:sp>
+                  <p:nvSpPr>
+                    <p:cNvPr id="67" name="矩形 66"/>
+                    <p:cNvSpPr/>
+                    <p:nvPr/>
+                  </p:nvSpPr>
+                  <p:spPr>
+                    <a:xfrm>
+                      <a:off x="5984540" y="2780928"/>
+                      <a:ext cx="2520282" cy="437896"/>
+                    </a:xfrm>
+                    <a:prstGeom prst="rect">
+                      <a:avLst/>
+                    </a:prstGeom>
+                    <a:noFill/>
+                    <a:ln w="12700"/>
+                  </p:spPr>
+                  <p:style>
+                    <a:lnRef idx="2">
+                      <a:schemeClr val="accent1">
+                        <a:shade val="50000"/>
+                      </a:schemeClr>
+                    </a:lnRef>
+                    <a:fillRef idx="1">
+                      <a:schemeClr val="accent1"/>
+                    </a:fillRef>
+                    <a:effectRef idx="0">
+                      <a:schemeClr val="accent1"/>
+                    </a:effectRef>
+                    <a:fontRef idx="minor">
+                      <a:schemeClr val="lt1"/>
+                    </a:fontRef>
+                  </p:style>
+                  <p:txBody>
+                    <a:bodyPr rtlCol="0" anchor="ctr"/>
+                    <a:lstStyle/>
+                    <a:p>
+                      <a:pPr algn="ctr"/>
+                      <a:endParaRPr lang="en-US"/>
+                    </a:p>
+                  </p:txBody>
+                </p:sp>
+                <p:cxnSp>
+                  <p:nvCxnSpPr>
+                    <p:cNvPr id="68" name="直接连接符 67"/>
+                    <p:cNvCxnSpPr/>
+                    <p:nvPr/>
+                  </p:nvCxnSpPr>
+                  <p:spPr>
+                    <a:xfrm>
+                      <a:off x="7244680" y="2780928"/>
+                      <a:ext cx="0" cy="432048"/>
+                    </a:xfrm>
+                    <a:prstGeom prst="line">
+                      <a:avLst/>
+                    </a:prstGeom>
+                  </p:spPr>
+                  <p:style>
+                    <a:lnRef idx="1">
+                      <a:schemeClr val="accent1"/>
+                    </a:lnRef>
+                    <a:fillRef idx="0">
+                      <a:schemeClr val="accent1"/>
+                    </a:fillRef>
+                    <a:effectRef idx="0">
+                      <a:schemeClr val="accent1"/>
+                    </a:effectRef>
+                    <a:fontRef idx="minor">
+                      <a:schemeClr val="tx1"/>
+                    </a:fontRef>
+                  </p:style>
+                </p:cxnSp>
+                <p:cxnSp>
+                  <p:nvCxnSpPr>
+                    <p:cNvPr id="69" name="直接连接符 68"/>
+                    <p:cNvCxnSpPr/>
+                    <p:nvPr/>
+                  </p:nvCxnSpPr>
+                  <p:spPr>
+                    <a:xfrm>
+                      <a:off x="5984540" y="3010844"/>
+                      <a:ext cx="2520282" cy="2924"/>
+                    </a:xfrm>
+                    <a:prstGeom prst="line">
+                      <a:avLst/>
+                    </a:prstGeom>
+                  </p:spPr>
+                  <p:style>
+                    <a:lnRef idx="1">
+                      <a:schemeClr val="accent1"/>
+                    </a:lnRef>
+                    <a:fillRef idx="0">
+                      <a:schemeClr val="accent1"/>
+                    </a:fillRef>
+                    <a:effectRef idx="0">
+                      <a:schemeClr val="accent1"/>
+                    </a:effectRef>
+                    <a:fontRef idx="minor">
+                      <a:schemeClr val="tx1"/>
+                    </a:fontRef>
+                  </p:style>
+                </p:cxnSp>
+              </p:grpSp>
+              <p:sp>
+                <p:nvSpPr>
+                  <p:cNvPr id="74" name="TextBox 73"/>
+                  <p:cNvSpPr txBox="1"/>
+                  <p:nvPr/>
+                </p:nvSpPr>
+                <p:spPr>
+                  <a:xfrm>
+                    <a:off x="6110554" y="2852936"/>
+                    <a:ext cx="954322" cy="123111"/>
+                  </a:xfrm>
+                  <a:prstGeom prst="rect">
+                    <a:avLst/>
+                  </a:prstGeom>
+                  <a:noFill/>
+                </p:spPr>
+                <p:txBody>
+                  <a:bodyPr wrap="square" lIns="0" tIns="0" rIns="0" bIns="0" rtlCol="0">
+                    <a:spAutoFit/>
+                  </a:bodyPr>
+                  <a:lstStyle/>
+                  <a:p>
+                    <a:r>
+                      <a:rPr lang="en-US" altLang="zh-CN" sz="800" dirty="0" smtClean="0"/>
+                      <a:t>Graphic Core </a:t>
+                    </a:r>
+                  </a:p>
+                </p:txBody>
+              </p:sp>
+              <p:sp>
+                <p:nvSpPr>
+                  <p:cNvPr id="75" name="TextBox 74"/>
+                  <p:cNvSpPr txBox="1"/>
+                  <p:nvPr/>
+                </p:nvSpPr>
+                <p:spPr>
+                  <a:xfrm>
+                    <a:off x="6110554" y="3068960"/>
+                    <a:ext cx="882098" cy="123111"/>
+                  </a:xfrm>
+                  <a:prstGeom prst="rect">
+                    <a:avLst/>
+                  </a:prstGeom>
+                  <a:noFill/>
+                </p:spPr>
+                <p:txBody>
+                  <a:bodyPr wrap="square" lIns="0" tIns="0" rIns="0" bIns="0" rtlCol="0">
+                    <a:spAutoFit/>
+                  </a:bodyPr>
+                  <a:lstStyle/>
+                  <a:p>
+                    <a:r>
+                      <a:rPr lang="en-US" altLang="zh-CN" sz="800" dirty="0" smtClean="0"/>
+                      <a:t>L3 Cache</a:t>
+                    </a:r>
+                    <a:endParaRPr lang="en-US" sz="800" dirty="0"/>
+                  </a:p>
+                </p:txBody>
+              </p:sp>
+            </p:grpSp>
+            <p:sp>
+              <p:nvSpPr>
+                <p:cNvPr id="107" name="TextBox 106"/>
+                <p:cNvSpPr txBox="1"/>
+                <p:nvPr/>
+              </p:nvSpPr>
+              <p:spPr>
+                <a:xfrm>
+                  <a:off x="7452321" y="5229200"/>
+                  <a:ext cx="576063" cy="123111"/>
+                </a:xfrm>
+                <a:prstGeom prst="rect">
+                  <a:avLst/>
+                </a:prstGeom>
+                <a:noFill/>
+              </p:spPr>
+              <p:txBody>
+                <a:bodyPr wrap="square" lIns="0" tIns="0" rIns="0" bIns="0" rtlCol="0">
+                  <a:spAutoFit/>
+                </a:bodyPr>
+                <a:lstStyle/>
+                <a:p>
+                  <a:r>
+                    <a:rPr lang="en-US" altLang="zh-CN" sz="800" dirty="0"/>
+                    <a:t>Intel HD </a:t>
+                  </a:r>
+                  <a:r>
+                    <a:rPr lang="en-US" altLang="zh-CN" sz="800" dirty="0" smtClean="0"/>
+                    <a:t>4400</a:t>
+                  </a:r>
+                </a:p>
+              </p:txBody>
+            </p:sp>
+          </p:grpSp>
           <p:sp>
             <p:nvSpPr>
-              <p:cNvPr id="34" name="矩形 33"/>
+              <p:cNvPr id="111" name="TextBox 110"/>
+              <p:cNvSpPr txBox="1"/>
+              <p:nvPr/>
+            </p:nvSpPr>
+            <p:spPr>
+              <a:xfrm>
+                <a:off x="7452321" y="5445224"/>
+                <a:ext cx="432047" cy="123111"/>
+              </a:xfrm>
+              <a:prstGeom prst="rect">
+                <a:avLst/>
+              </a:prstGeom>
+              <a:noFill/>
+            </p:spPr>
+            <p:txBody>
+              <a:bodyPr wrap="square" lIns="0" tIns="0" rIns="0" bIns="0" rtlCol="0">
+                <a:spAutoFit/>
+              </a:bodyPr>
+              <a:lstStyle/>
+              <a:p>
+                <a:r>
+                  <a:rPr lang="en-US" altLang="zh-CN" sz="800" dirty="0"/>
+                  <a:t>3</a:t>
+                </a:r>
+                <a:r>
+                  <a:rPr lang="en-US" altLang="zh-CN" sz="800" dirty="0" smtClean="0"/>
+                  <a:t>M</a:t>
+                </a:r>
+              </a:p>
+            </p:txBody>
+          </p:sp>
+          <p:sp>
+            <p:nvSpPr>
+              <p:cNvPr id="124" name="矩形 123"/>
               <p:cNvSpPr/>
               <p:nvPr/>
             </p:nvSpPr>
             <p:spPr>
               <a:xfrm>
-                <a:off x="5652120" y="2348880"/>
-                <a:ext cx="3312368" cy="2664296"/>
+                <a:off x="6660232" y="5799416"/>
+                <a:ext cx="1440161" cy="653920"/>
               </a:xfrm>
               <a:prstGeom prst="rect">
                 <a:avLst/>
@@ -15707,374 +16496,78 @@
               </a:p>
             </p:txBody>
           </p:sp>
-          <p:sp>
-            <p:nvSpPr>
-              <p:cNvPr id="35" name="椭圆 34"/>
-              <p:cNvSpPr/>
+          <p:cxnSp>
+            <p:nvCxnSpPr>
+              <p:cNvPr id="125" name="直接连接符 124"/>
+              <p:cNvCxnSpPr>
+                <a:endCxn id="124" idx="2"/>
+              </p:cNvCxnSpPr>
               <p:nvPr/>
-            </p:nvSpPr>
+            </p:nvCxnSpPr>
             <p:spPr>
               <a:xfrm>
-                <a:off x="5868144" y="2672916"/>
-                <a:ext cx="648072" cy="206309"/>
+                <a:off x="7380312" y="5799416"/>
+                <a:ext cx="1" cy="653920"/>
               </a:xfrm>
-              <a:prstGeom prst="ellipse">
+              <a:prstGeom prst="line">
                 <a:avLst/>
               </a:prstGeom>
-              <a:solidFill>
-                <a:schemeClr val="tx2">
-                  <a:lumMod val="20000"/>
-                  <a:lumOff val="80000"/>
-                </a:schemeClr>
-              </a:solidFill>
-              <a:ln w="12700"/>
             </p:spPr>
             <p:style>
-              <a:lnRef idx="2">
-                <a:schemeClr val="accent1">
-                  <a:shade val="50000"/>
-                </a:schemeClr>
+              <a:lnRef idx="1">
+                <a:schemeClr val="accent1"/>
               </a:lnRef>
-              <a:fillRef idx="1">
+              <a:fillRef idx="0">
                 <a:schemeClr val="accent1"/>
               </a:fillRef>
               <a:effectRef idx="0">
                 <a:schemeClr val="accent1"/>
               </a:effectRef>
               <a:fontRef idx="minor">
-                <a:schemeClr val="lt1"/>
+                <a:schemeClr val="tx1"/>
               </a:fontRef>
             </p:style>
-            <p:txBody>
-              <a:bodyPr rtlCol="0" anchor="ctr"/>
-              <a:lstStyle/>
-              <a:p>
-                <a:pPr algn="ctr"/>
-                <a:r>
-                  <a:rPr lang="zh-CN" altLang="en-US" sz="1000" dirty="0">
-                    <a:solidFill>
-                      <a:srgbClr val="00B0F0"/>
-                    </a:solidFill>
-                  </a:rPr>
-                  <a:t>好评</a:t>
-                </a:r>
-                <a:endParaRPr lang="en-US" sz="1000" dirty="0">
-                  <a:solidFill>
-                    <a:srgbClr val="00B0F0"/>
-                  </a:solidFill>
-                </a:endParaRPr>
-              </a:p>
-            </p:txBody>
-          </p:sp>
-          <p:sp>
-            <p:nvSpPr>
-              <p:cNvPr id="36" name="TextBox 35"/>
-              <p:cNvSpPr txBox="1"/>
+          </p:cxnSp>
+          <p:cxnSp>
+            <p:nvCxnSpPr>
+              <p:cNvPr id="126" name="直接连接符 125"/>
+              <p:cNvCxnSpPr/>
               <p:nvPr/>
-            </p:nvSpPr>
+            </p:nvCxnSpPr>
             <p:spPr>
               <a:xfrm>
-                <a:off x="6588224" y="2636912"/>
-                <a:ext cx="504056" cy="261610"/>
+                <a:off x="6660232" y="6029332"/>
+                <a:ext cx="1440161" cy="2924"/>
               </a:xfrm>
-              <a:prstGeom prst="rect">
+              <a:prstGeom prst="line">
                 <a:avLst/>
               </a:prstGeom>
-              <a:noFill/>
-            </p:spPr>
-            <p:txBody>
-              <a:bodyPr wrap="square" rtlCol="0">
-                <a:spAutoFit/>
-              </a:bodyPr>
-              <a:lstStyle/>
-              <a:p>
-                <a:r>
-                  <a:rPr lang="en-US" sz="1100" dirty="0" smtClean="0"/>
-                  <a:t>98</a:t>
-                </a:r>
-                <a:r>
-                  <a:rPr lang="en-US" altLang="zh-CN" sz="1100" dirty="0" smtClean="0"/>
-                  <a:t>%</a:t>
-                </a:r>
-                <a:endParaRPr lang="en-US" sz="1100" dirty="0"/>
-              </a:p>
-            </p:txBody>
-          </p:sp>
-          <p:sp>
-            <p:nvSpPr>
-              <p:cNvPr id="37" name="椭圆 36"/>
-              <p:cNvSpPr/>
-              <p:nvPr/>
-            </p:nvSpPr>
-            <p:spPr>
-              <a:xfrm>
-                <a:off x="5868144" y="2987370"/>
-                <a:ext cx="648072" cy="206309"/>
-              </a:xfrm>
-              <a:prstGeom prst="ellipse">
-                <a:avLst/>
-              </a:prstGeom>
-              <a:solidFill>
-                <a:schemeClr val="tx2">
-                  <a:lumMod val="20000"/>
-                  <a:lumOff val="80000"/>
-                </a:schemeClr>
-              </a:solidFill>
-              <a:ln w="12700"/>
             </p:spPr>
             <p:style>
-              <a:lnRef idx="2">
-                <a:schemeClr val="accent1">
-                  <a:shade val="50000"/>
-                </a:schemeClr>
+              <a:lnRef idx="1">
+                <a:schemeClr val="accent1"/>
               </a:lnRef>
-              <a:fillRef idx="1">
+              <a:fillRef idx="0">
                 <a:schemeClr val="accent1"/>
               </a:fillRef>
               <a:effectRef idx="0">
                 <a:schemeClr val="accent1"/>
               </a:effectRef>
               <a:fontRef idx="minor">
-                <a:schemeClr val="lt1"/>
+                <a:schemeClr val="tx1"/>
               </a:fontRef>
             </p:style>
-            <p:txBody>
-              <a:bodyPr rtlCol="0" anchor="ctr"/>
-              <a:lstStyle/>
-              <a:p>
-                <a:pPr algn="ctr"/>
-                <a:r>
-                  <a:rPr lang="zh-CN" altLang="en-US" sz="1000" dirty="0" smtClean="0">
-                    <a:solidFill>
-                      <a:srgbClr val="00B0F0"/>
-                    </a:solidFill>
-                  </a:rPr>
-                  <a:t>价格</a:t>
-                </a:r>
-                <a:endParaRPr lang="en-US" sz="1000" dirty="0">
-                  <a:solidFill>
-                    <a:srgbClr val="00B0F0"/>
-                  </a:solidFill>
-                </a:endParaRPr>
-              </a:p>
-            </p:txBody>
-          </p:sp>
+          </p:cxnSp>
           <p:sp>
             <p:nvSpPr>
-              <p:cNvPr id="38" name="TextBox 37"/>
+              <p:cNvPr id="122" name="TextBox 121"/>
               <p:cNvSpPr txBox="1"/>
               <p:nvPr/>
             </p:nvSpPr>
             <p:spPr>
               <a:xfrm>
-                <a:off x="6588224" y="2951366"/>
-                <a:ext cx="504056" cy="261610"/>
-              </a:xfrm>
-              <a:prstGeom prst="rect">
-                <a:avLst/>
-              </a:prstGeom>
-              <a:noFill/>
-            </p:spPr>
-            <p:txBody>
-              <a:bodyPr wrap="square" rtlCol="0">
-                <a:spAutoFit/>
-              </a:bodyPr>
-              <a:lstStyle/>
-              <a:p>
-                <a:r>
-                  <a:rPr lang="en-US" sz="1100" dirty="0" smtClean="0"/>
-                  <a:t>9999</a:t>
-                </a:r>
-                <a:endParaRPr lang="en-US" sz="1100" dirty="0"/>
-              </a:p>
-            </p:txBody>
-          </p:sp>
-          <p:sp>
-            <p:nvSpPr>
-              <p:cNvPr id="39" name="椭圆 38"/>
-              <p:cNvSpPr/>
-              <p:nvPr/>
-            </p:nvSpPr>
-            <p:spPr>
-              <a:xfrm>
-                <a:off x="5868144" y="3294699"/>
-                <a:ext cx="648072" cy="206309"/>
-              </a:xfrm>
-              <a:prstGeom prst="ellipse">
-                <a:avLst/>
-              </a:prstGeom>
-              <a:solidFill>
-                <a:schemeClr val="tx2">
-                  <a:lumMod val="20000"/>
-                  <a:lumOff val="80000"/>
-                </a:schemeClr>
-              </a:solidFill>
-              <a:ln w="12700"/>
-            </p:spPr>
-            <p:style>
-              <a:lnRef idx="2">
-                <a:schemeClr val="accent1">
-                  <a:shade val="50000"/>
-                </a:schemeClr>
-              </a:lnRef>
-              <a:fillRef idx="1">
-                <a:schemeClr val="accent1"/>
-              </a:fillRef>
-              <a:effectRef idx="0">
-                <a:schemeClr val="accent1"/>
-              </a:effectRef>
-              <a:fontRef idx="minor">
-                <a:schemeClr val="lt1"/>
-              </a:fontRef>
-            </p:style>
-            <p:txBody>
-              <a:bodyPr rtlCol="0" anchor="ctr"/>
-              <a:lstStyle/>
-              <a:p>
-                <a:pPr algn="ctr"/>
-                <a:r>
-                  <a:rPr lang="zh-CN" altLang="en-US" sz="1000" dirty="0" smtClean="0">
-                    <a:solidFill>
-                      <a:srgbClr val="00B0F0"/>
-                    </a:solidFill>
-                  </a:rPr>
-                  <a:t>配置</a:t>
-                </a:r>
-                <a:endParaRPr lang="en-US" sz="1000" dirty="0">
-                  <a:solidFill>
-                    <a:srgbClr val="00B0F0"/>
-                  </a:solidFill>
-                </a:endParaRPr>
-              </a:p>
-            </p:txBody>
-          </p:sp>
-          <p:grpSp>
-            <p:nvGrpSpPr>
-              <p:cNvPr id="40" name="组合 39"/>
-              <p:cNvGrpSpPr/>
-              <p:nvPr/>
-            </p:nvGrpSpPr>
-            <p:grpSpPr>
-              <a:xfrm>
-                <a:off x="6660217" y="3320988"/>
-                <a:ext cx="2160256" cy="1548172"/>
-                <a:chOff x="6709682" y="3275269"/>
-                <a:chExt cx="1418329" cy="1548172"/>
-              </a:xfrm>
-            </p:grpSpPr>
-            <p:sp>
-              <p:nvSpPr>
-                <p:cNvPr id="55" name="矩形 54"/>
-                <p:cNvSpPr/>
-                <p:nvPr/>
-              </p:nvSpPr>
-              <p:spPr>
-                <a:xfrm>
-                  <a:off x="6709682" y="3275269"/>
-                  <a:ext cx="1418329" cy="1548172"/>
-                </a:xfrm>
-                <a:prstGeom prst="rect">
-                  <a:avLst/>
-                </a:prstGeom>
-                <a:noFill/>
-                <a:ln w="12700"/>
-              </p:spPr>
-              <p:style>
-                <a:lnRef idx="2">
-                  <a:schemeClr val="accent1">
-                    <a:shade val="50000"/>
-                  </a:schemeClr>
-                </a:lnRef>
-                <a:fillRef idx="1">
-                  <a:schemeClr val="accent1"/>
-                </a:fillRef>
-                <a:effectRef idx="0">
-                  <a:schemeClr val="accent1"/>
-                </a:effectRef>
-                <a:fontRef idx="minor">
-                  <a:schemeClr val="lt1"/>
-                </a:fontRef>
-              </p:style>
-              <p:txBody>
-                <a:bodyPr rtlCol="0" anchor="ctr"/>
-                <a:lstStyle/>
-                <a:p>
-                  <a:pPr algn="ctr"/>
-                  <a:endParaRPr lang="en-US"/>
-                </a:p>
-              </p:txBody>
-            </p:sp>
-            <p:cxnSp>
-              <p:nvCxnSpPr>
-                <p:cNvPr id="56" name="直接连接符 55"/>
-                <p:cNvCxnSpPr/>
-                <p:nvPr/>
-              </p:nvCxnSpPr>
-              <p:spPr>
-                <a:xfrm>
-                  <a:off x="7182464" y="3275269"/>
-                  <a:ext cx="0" cy="1548172"/>
-                </a:xfrm>
-                <a:prstGeom prst="line">
-                  <a:avLst/>
-                </a:prstGeom>
-              </p:spPr>
-              <p:style>
-                <a:lnRef idx="1">
-                  <a:schemeClr val="accent1"/>
-                </a:lnRef>
-                <a:fillRef idx="0">
-                  <a:schemeClr val="accent1"/>
-                </a:fillRef>
-                <a:effectRef idx="0">
-                  <a:schemeClr val="accent1"/>
-                </a:effectRef>
-                <a:fontRef idx="minor">
-                  <a:schemeClr val="tx1"/>
-                </a:fontRef>
-              </p:style>
-            </p:cxnSp>
-            <p:cxnSp>
-              <p:nvCxnSpPr>
-                <p:cNvPr id="59" name="直接连接符 58"/>
-                <p:cNvCxnSpPr/>
-                <p:nvPr/>
-              </p:nvCxnSpPr>
-              <p:spPr>
-                <a:xfrm>
-                  <a:off x="6709688" y="3959345"/>
-                  <a:ext cx="472776" cy="0"/>
-                </a:xfrm>
-                <a:prstGeom prst="line">
-                  <a:avLst/>
-                </a:prstGeom>
-              </p:spPr>
-              <p:style>
-                <a:lnRef idx="1">
-                  <a:schemeClr val="accent1"/>
-                </a:lnRef>
-                <a:fillRef idx="0">
-                  <a:schemeClr val="accent1"/>
-                </a:fillRef>
-                <a:effectRef idx="0">
-                  <a:schemeClr val="accent1"/>
-                </a:effectRef>
-                <a:fontRef idx="minor">
-                  <a:schemeClr val="tx1"/>
-                </a:fontRef>
-              </p:style>
-            </p:cxnSp>
-          </p:grpSp>
-          <p:sp>
-            <p:nvSpPr>
-              <p:cNvPr id="41" name="TextBox 40"/>
-              <p:cNvSpPr txBox="1"/>
-              <p:nvPr/>
-            </p:nvSpPr>
-            <p:spPr>
-              <a:xfrm>
-                <a:off x="6732232" y="3356992"/>
-                <a:ext cx="229834" cy="153888"/>
+                <a:off x="6732240" y="5871424"/>
+                <a:ext cx="545327" cy="123111"/>
               </a:xfrm>
               <a:prstGeom prst="rect">
                 <a:avLst/>
@@ -16088,23 +16581,23 @@
               <a:lstStyle/>
               <a:p>
                 <a:r>
-                  <a:rPr lang="en-US" altLang="zh-CN" sz="1000" dirty="0" smtClean="0"/>
-                  <a:t>CPU</a:t>
+                  <a:rPr lang="zh-CN" altLang="en-US" sz="800" dirty="0" smtClean="0"/>
+                  <a:t>。。。</a:t>
                 </a:r>
-                <a:endParaRPr lang="en-US" sz="1000" dirty="0"/>
+                <a:endParaRPr lang="en-US" altLang="zh-CN" sz="800" dirty="0" smtClean="0"/>
               </a:p>
             </p:txBody>
           </p:sp>
           <p:sp>
             <p:nvSpPr>
-              <p:cNvPr id="45" name="TextBox 44"/>
+              <p:cNvPr id="123" name="TextBox 122"/>
               <p:cNvSpPr txBox="1"/>
               <p:nvPr/>
             </p:nvSpPr>
             <p:spPr>
               <a:xfrm>
-                <a:off x="6742784" y="4077072"/>
-                <a:ext cx="637528" cy="153888"/>
+                <a:off x="6732240" y="6087448"/>
+                <a:ext cx="504056" cy="123111"/>
               </a:xfrm>
               <a:prstGeom prst="rect">
                 <a:avLst/>
@@ -16118,22 +16611,82 @@
               <a:lstStyle/>
               <a:p>
                 <a:r>
-                  <a:rPr lang="en-US" altLang="zh-CN" sz="1000" dirty="0" smtClean="0"/>
-                  <a:t>Mainboard</a:t>
+                  <a:rPr lang="zh-CN" altLang="en-US" sz="800" dirty="0"/>
+                  <a:t>。。。</a:t>
                 </a:r>
-                <a:endParaRPr lang="en-US" sz="1000" dirty="0"/>
+                <a:endParaRPr lang="en-US" altLang="zh-CN" sz="800" dirty="0"/>
               </a:p>
             </p:txBody>
           </p:sp>
           <p:sp>
             <p:nvSpPr>
-              <p:cNvPr id="48" name="TextBox 47"/>
+              <p:cNvPr id="120" name="TextBox 119"/>
               <p:cNvSpPr txBox="1"/>
               <p:nvPr/>
             </p:nvSpPr>
             <p:spPr>
               <a:xfrm>
-                <a:off x="7606879" y="3356992"/>
+                <a:off x="7452321" y="5871424"/>
+                <a:ext cx="576063" cy="123111"/>
+              </a:xfrm>
+              <a:prstGeom prst="rect">
+                <a:avLst/>
+              </a:prstGeom>
+              <a:noFill/>
+            </p:spPr>
+            <p:txBody>
+              <a:bodyPr wrap="square" lIns="0" tIns="0" rIns="0" bIns="0" rtlCol="0">
+                <a:spAutoFit/>
+              </a:bodyPr>
+              <a:lstStyle/>
+              <a:p>
+                <a:r>
+                  <a:rPr lang="zh-CN" altLang="en-US" sz="800" dirty="0"/>
+                  <a:t>。。。</a:t>
+                </a:r>
+                <a:endParaRPr lang="en-US" altLang="zh-CN" sz="800" dirty="0"/>
+              </a:p>
+            </p:txBody>
+          </p:sp>
+          <p:sp>
+            <p:nvSpPr>
+              <p:cNvPr id="127" name="TextBox 126"/>
+              <p:cNvSpPr txBox="1"/>
+              <p:nvPr/>
+            </p:nvSpPr>
+            <p:spPr>
+              <a:xfrm>
+                <a:off x="7452321" y="6087448"/>
+                <a:ext cx="432047" cy="123111"/>
+              </a:xfrm>
+              <a:prstGeom prst="rect">
+                <a:avLst/>
+              </a:prstGeom>
+              <a:noFill/>
+            </p:spPr>
+            <p:txBody>
+              <a:bodyPr wrap="square" lIns="0" tIns="0" rIns="0" bIns="0" rtlCol="0">
+                <a:spAutoFit/>
+              </a:bodyPr>
+              <a:lstStyle/>
+              <a:p>
+                <a:r>
+                  <a:rPr lang="zh-CN" altLang="en-US" sz="800" dirty="0"/>
+                  <a:t>。。。</a:t>
+                </a:r>
+                <a:endParaRPr lang="en-US" altLang="zh-CN" sz="800" dirty="0"/>
+              </a:p>
+            </p:txBody>
+          </p:sp>
+          <p:sp>
+            <p:nvSpPr>
+              <p:cNvPr id="129" name="TextBox 128"/>
+              <p:cNvSpPr txBox="1"/>
+              <p:nvPr/>
+            </p:nvSpPr>
+            <p:spPr>
+              <a:xfrm>
+                <a:off x="6876256" y="5589240"/>
                 <a:ext cx="1069569" cy="153888"/>
               </a:xfrm>
               <a:prstGeom prst="rect">
@@ -16148,229 +16701,53 @@
               <a:lstStyle/>
               <a:p>
                 <a:r>
-                  <a:rPr lang="en-US" altLang="zh-CN" sz="1000" dirty="0"/>
-                  <a:t>Intel Core i3-4160</a:t>
+                  <a:rPr lang="zh-CN" altLang="en-US" sz="1000" dirty="0" smtClean="0"/>
+                  <a:t>。。。。。。。。</a:t>
                 </a:r>
                 <a:endParaRPr lang="en-US" sz="1000" dirty="0"/>
               </a:p>
             </p:txBody>
           </p:sp>
-        </p:grpSp>
-        <p:grpSp>
-          <p:nvGrpSpPr>
-            <p:cNvPr id="109" name="组合 108"/>
-            <p:cNvGrpSpPr/>
-            <p:nvPr/>
-          </p:nvGrpSpPr>
-          <p:grpSpPr>
-            <a:xfrm>
-              <a:off x="6660232" y="5157192"/>
-              <a:ext cx="1440161" cy="437896"/>
-              <a:chOff x="6660232" y="5157192"/>
-              <a:chExt cx="1440161" cy="437896"/>
-            </a:xfrm>
-          </p:grpSpPr>
-          <p:grpSp>
-            <p:nvGrpSpPr>
-              <p:cNvPr id="76" name="组合 75"/>
-              <p:cNvGrpSpPr/>
+          <p:cxnSp>
+            <p:nvCxnSpPr>
+              <p:cNvPr id="132" name="直接连接符 131"/>
+              <p:cNvCxnSpPr/>
               <p:nvPr/>
-            </p:nvGrpSpPr>
-            <p:grpSpPr>
+            </p:nvCxnSpPr>
+            <p:spPr>
               <a:xfrm>
-                <a:off x="6660232" y="5157192"/>
-                <a:ext cx="1440161" cy="437896"/>
-                <a:chOff x="5984540" y="2780928"/>
-                <a:chExt cx="2520282" cy="437896"/>
+                <a:off x="6660699" y="6231464"/>
+                <a:ext cx="1440161" cy="2924"/>
               </a:xfrm>
-            </p:grpSpPr>
-            <p:grpSp>
-              <p:nvGrpSpPr>
-                <p:cNvPr id="73" name="组合 72"/>
-                <p:cNvGrpSpPr/>
-                <p:nvPr/>
-              </p:nvGrpSpPr>
-              <p:grpSpPr>
-                <a:xfrm>
-                  <a:off x="5984540" y="2780928"/>
-                  <a:ext cx="2520282" cy="437896"/>
-                  <a:chOff x="5984540" y="2780928"/>
-                  <a:chExt cx="2520282" cy="437896"/>
-                </a:xfrm>
-              </p:grpSpPr>
-              <p:sp>
-                <p:nvSpPr>
-                  <p:cNvPr id="67" name="矩形 66"/>
-                  <p:cNvSpPr/>
-                  <p:nvPr/>
-                </p:nvSpPr>
-                <p:spPr>
-                  <a:xfrm>
-                    <a:off x="5984540" y="2780928"/>
-                    <a:ext cx="2520282" cy="437896"/>
-                  </a:xfrm>
-                  <a:prstGeom prst="rect">
-                    <a:avLst/>
-                  </a:prstGeom>
-                  <a:noFill/>
-                  <a:ln w="12700"/>
-                </p:spPr>
-                <p:style>
-                  <a:lnRef idx="2">
-                    <a:schemeClr val="accent1">
-                      <a:shade val="50000"/>
-                    </a:schemeClr>
-                  </a:lnRef>
-                  <a:fillRef idx="1">
-                    <a:schemeClr val="accent1"/>
-                  </a:fillRef>
-                  <a:effectRef idx="0">
-                    <a:schemeClr val="accent1"/>
-                  </a:effectRef>
-                  <a:fontRef idx="minor">
-                    <a:schemeClr val="lt1"/>
-                  </a:fontRef>
-                </p:style>
-                <p:txBody>
-                  <a:bodyPr rtlCol="0" anchor="ctr"/>
-                  <a:lstStyle/>
-                  <a:p>
-                    <a:pPr algn="ctr"/>
-                    <a:endParaRPr lang="en-US"/>
-                  </a:p>
-                </p:txBody>
-              </p:sp>
-              <p:cxnSp>
-                <p:nvCxnSpPr>
-                  <p:cNvPr id="68" name="直接连接符 67"/>
-                  <p:cNvCxnSpPr/>
-                  <p:nvPr/>
-                </p:nvCxnSpPr>
-                <p:spPr>
-                  <a:xfrm>
-                    <a:off x="7244680" y="2780928"/>
-                    <a:ext cx="0" cy="432048"/>
-                  </a:xfrm>
-                  <a:prstGeom prst="line">
-                    <a:avLst/>
-                  </a:prstGeom>
-                </p:spPr>
-                <p:style>
-                  <a:lnRef idx="1">
-                    <a:schemeClr val="accent1"/>
-                  </a:lnRef>
-                  <a:fillRef idx="0">
-                    <a:schemeClr val="accent1"/>
-                  </a:fillRef>
-                  <a:effectRef idx="0">
-                    <a:schemeClr val="accent1"/>
-                  </a:effectRef>
-                  <a:fontRef idx="minor">
-                    <a:schemeClr val="tx1"/>
-                  </a:fontRef>
-                </p:style>
-              </p:cxnSp>
-              <p:cxnSp>
-                <p:nvCxnSpPr>
-                  <p:cNvPr id="69" name="直接连接符 68"/>
-                  <p:cNvCxnSpPr/>
-                  <p:nvPr/>
-                </p:nvCxnSpPr>
-                <p:spPr>
-                  <a:xfrm>
-                    <a:off x="5984540" y="3010844"/>
-                    <a:ext cx="2520282" cy="2924"/>
-                  </a:xfrm>
-                  <a:prstGeom prst="line">
-                    <a:avLst/>
-                  </a:prstGeom>
-                </p:spPr>
-                <p:style>
-                  <a:lnRef idx="1">
-                    <a:schemeClr val="accent1"/>
-                  </a:lnRef>
-                  <a:fillRef idx="0">
-                    <a:schemeClr val="accent1"/>
-                  </a:fillRef>
-                  <a:effectRef idx="0">
-                    <a:schemeClr val="accent1"/>
-                  </a:effectRef>
-                  <a:fontRef idx="minor">
-                    <a:schemeClr val="tx1"/>
-                  </a:fontRef>
-                </p:style>
-              </p:cxnSp>
-            </p:grpSp>
-            <p:sp>
-              <p:nvSpPr>
-                <p:cNvPr id="74" name="TextBox 73"/>
-                <p:cNvSpPr txBox="1"/>
-                <p:nvPr/>
-              </p:nvSpPr>
-              <p:spPr>
-                <a:xfrm>
-                  <a:off x="6110554" y="2852936"/>
-                  <a:ext cx="954322" cy="123111"/>
-                </a:xfrm>
-                <a:prstGeom prst="rect">
-                  <a:avLst/>
-                </a:prstGeom>
-                <a:noFill/>
-              </p:spPr>
-              <p:txBody>
-                <a:bodyPr wrap="square" lIns="0" tIns="0" rIns="0" bIns="0" rtlCol="0">
-                  <a:spAutoFit/>
-                </a:bodyPr>
-                <a:lstStyle/>
-                <a:p>
-                  <a:r>
-                    <a:rPr lang="en-US" altLang="zh-CN" sz="800" dirty="0" smtClean="0"/>
-                    <a:t>Graphic Core </a:t>
-                  </a:r>
-                </a:p>
-              </p:txBody>
-            </p:sp>
-            <p:sp>
-              <p:nvSpPr>
-                <p:cNvPr id="75" name="TextBox 74"/>
-                <p:cNvSpPr txBox="1"/>
-                <p:nvPr/>
-              </p:nvSpPr>
-              <p:spPr>
-                <a:xfrm>
-                  <a:off x="6110554" y="3068960"/>
-                  <a:ext cx="882098" cy="123111"/>
-                </a:xfrm>
-                <a:prstGeom prst="rect">
-                  <a:avLst/>
-                </a:prstGeom>
-                <a:noFill/>
-              </p:spPr>
-              <p:txBody>
-                <a:bodyPr wrap="square" lIns="0" tIns="0" rIns="0" bIns="0" rtlCol="0">
-                  <a:spAutoFit/>
-                </a:bodyPr>
-                <a:lstStyle/>
-                <a:p>
-                  <a:r>
-                    <a:rPr lang="en-US" altLang="zh-CN" sz="800" dirty="0" smtClean="0"/>
-                    <a:t>L3 Cache</a:t>
-                  </a:r>
-                  <a:endParaRPr lang="en-US" sz="800" dirty="0"/>
-                </a:p>
-              </p:txBody>
-            </p:sp>
-          </p:grpSp>
+              <a:prstGeom prst="line">
+                <a:avLst/>
+              </a:prstGeom>
+            </p:spPr>
+            <p:style>
+              <a:lnRef idx="1">
+                <a:schemeClr val="accent1"/>
+              </a:lnRef>
+              <a:fillRef idx="0">
+                <a:schemeClr val="accent1"/>
+              </a:fillRef>
+              <a:effectRef idx="0">
+                <a:schemeClr val="accent1"/>
+              </a:effectRef>
+              <a:fontRef idx="minor">
+                <a:schemeClr val="tx1"/>
+              </a:fontRef>
+            </p:style>
+          </p:cxnSp>
           <p:sp>
             <p:nvSpPr>
-              <p:cNvPr id="107" name="TextBox 106"/>
+              <p:cNvPr id="134" name="TextBox 133"/>
               <p:cNvSpPr txBox="1"/>
               <p:nvPr/>
             </p:nvSpPr>
             <p:spPr>
               <a:xfrm>
-                <a:off x="7452321" y="5229200"/>
-                <a:ext cx="576063" cy="123111"/>
+                <a:off x="6732240" y="6309320"/>
+                <a:ext cx="504056" cy="123111"/>
               </a:xfrm>
               <a:prstGeom prst="rect">
                 <a:avLst/>
@@ -16384,284 +16761,54 @@
               <a:lstStyle/>
               <a:p>
                 <a:r>
-                  <a:rPr lang="en-US" altLang="zh-CN" sz="800" dirty="0"/>
-                  <a:t>Intel HD </a:t>
+                  <a:rPr lang="zh-CN" altLang="en-US" sz="800" dirty="0"/>
+                  <a:t>。。。</a:t>
                 </a:r>
+                <a:endParaRPr lang="en-US" altLang="zh-CN" sz="800" dirty="0"/>
+              </a:p>
+            </p:txBody>
+          </p:sp>
+          <p:sp>
+            <p:nvSpPr>
+              <p:cNvPr id="135" name="TextBox 134"/>
+              <p:cNvSpPr txBox="1"/>
+              <p:nvPr/>
+            </p:nvSpPr>
+            <p:spPr>
+              <a:xfrm>
+                <a:off x="7452321" y="6309320"/>
+                <a:ext cx="432047" cy="123111"/>
+              </a:xfrm>
+              <a:prstGeom prst="rect">
+                <a:avLst/>
+              </a:prstGeom>
+              <a:noFill/>
+            </p:spPr>
+            <p:txBody>
+              <a:bodyPr wrap="square" lIns="0" tIns="0" rIns="0" bIns="0" rtlCol="0">
+                <a:spAutoFit/>
+              </a:bodyPr>
+              <a:lstStyle/>
+              <a:p>
                 <a:r>
-                  <a:rPr lang="en-US" altLang="zh-CN" sz="800" dirty="0" smtClean="0"/>
-                  <a:t>4400</a:t>
+                  <a:rPr lang="zh-CN" altLang="en-US" sz="800" dirty="0"/>
+                  <a:t>。。。</a:t>
                 </a:r>
+                <a:endParaRPr lang="en-US" altLang="zh-CN" sz="800" dirty="0"/>
               </a:p>
             </p:txBody>
           </p:sp>
         </p:grpSp>
         <p:sp>
           <p:nvSpPr>
-            <p:cNvPr id="111" name="TextBox 110"/>
+            <p:cNvPr id="70" name="TextBox 69"/>
             <p:cNvSpPr txBox="1"/>
             <p:nvPr/>
           </p:nvSpPr>
           <p:spPr>
             <a:xfrm>
-              <a:off x="7452321" y="5445224"/>
-              <a:ext cx="432047" cy="123111"/>
-            </a:xfrm>
-            <a:prstGeom prst="rect">
-              <a:avLst/>
-            </a:prstGeom>
-            <a:noFill/>
-          </p:spPr>
-          <p:txBody>
-            <a:bodyPr wrap="square" lIns="0" tIns="0" rIns="0" bIns="0" rtlCol="0">
-              <a:spAutoFit/>
-            </a:bodyPr>
-            <a:lstStyle/>
-            <a:p>
-              <a:r>
-                <a:rPr lang="en-US" altLang="zh-CN" sz="800" dirty="0"/>
-                <a:t>3</a:t>
-              </a:r>
-              <a:r>
-                <a:rPr lang="en-US" altLang="zh-CN" sz="800" dirty="0" smtClean="0"/>
-                <a:t>M</a:t>
-              </a:r>
-            </a:p>
-          </p:txBody>
-        </p:sp>
-        <p:sp>
-          <p:nvSpPr>
-            <p:cNvPr id="124" name="矩形 123"/>
-            <p:cNvSpPr/>
-            <p:nvPr/>
-          </p:nvSpPr>
-          <p:spPr>
-            <a:xfrm>
-              <a:off x="6660232" y="5799416"/>
-              <a:ext cx="1440161" cy="653920"/>
-            </a:xfrm>
-            <a:prstGeom prst="rect">
-              <a:avLst/>
-            </a:prstGeom>
-            <a:noFill/>
-            <a:ln w="12700"/>
-          </p:spPr>
-          <p:style>
-            <a:lnRef idx="2">
-              <a:schemeClr val="accent1">
-                <a:shade val="50000"/>
-              </a:schemeClr>
-            </a:lnRef>
-            <a:fillRef idx="1">
-              <a:schemeClr val="accent1"/>
-            </a:fillRef>
-            <a:effectRef idx="0">
-              <a:schemeClr val="accent1"/>
-            </a:effectRef>
-            <a:fontRef idx="minor">
-              <a:schemeClr val="lt1"/>
-            </a:fontRef>
-          </p:style>
-          <p:txBody>
-            <a:bodyPr rtlCol="0" anchor="ctr"/>
-            <a:lstStyle/>
-            <a:p>
-              <a:pPr algn="ctr"/>
-              <a:endParaRPr lang="en-US"/>
-            </a:p>
-          </p:txBody>
-        </p:sp>
-        <p:cxnSp>
-          <p:nvCxnSpPr>
-            <p:cNvPr id="125" name="直接连接符 124"/>
-            <p:cNvCxnSpPr>
-              <a:endCxn id="124" idx="2"/>
-            </p:cNvCxnSpPr>
-            <p:nvPr/>
-          </p:nvCxnSpPr>
-          <p:spPr>
-            <a:xfrm>
-              <a:off x="7380312" y="5799416"/>
-              <a:ext cx="1" cy="653920"/>
-            </a:xfrm>
-            <a:prstGeom prst="line">
-              <a:avLst/>
-            </a:prstGeom>
-          </p:spPr>
-          <p:style>
-            <a:lnRef idx="1">
-              <a:schemeClr val="accent1"/>
-            </a:lnRef>
-            <a:fillRef idx="0">
-              <a:schemeClr val="accent1"/>
-            </a:fillRef>
-            <a:effectRef idx="0">
-              <a:schemeClr val="accent1"/>
-            </a:effectRef>
-            <a:fontRef idx="minor">
-              <a:schemeClr val="tx1"/>
-            </a:fontRef>
-          </p:style>
-        </p:cxnSp>
-        <p:cxnSp>
-          <p:nvCxnSpPr>
-            <p:cNvPr id="126" name="直接连接符 125"/>
-            <p:cNvCxnSpPr/>
-            <p:nvPr/>
-          </p:nvCxnSpPr>
-          <p:spPr>
-            <a:xfrm>
-              <a:off x="6660232" y="6029332"/>
-              <a:ext cx="1440161" cy="2924"/>
-            </a:xfrm>
-            <a:prstGeom prst="line">
-              <a:avLst/>
-            </a:prstGeom>
-          </p:spPr>
-          <p:style>
-            <a:lnRef idx="1">
-              <a:schemeClr val="accent1"/>
-            </a:lnRef>
-            <a:fillRef idx="0">
-              <a:schemeClr val="accent1"/>
-            </a:fillRef>
-            <a:effectRef idx="0">
-              <a:schemeClr val="accent1"/>
-            </a:effectRef>
-            <a:fontRef idx="minor">
-              <a:schemeClr val="tx1"/>
-            </a:fontRef>
-          </p:style>
-        </p:cxnSp>
-        <p:sp>
-          <p:nvSpPr>
-            <p:cNvPr id="122" name="TextBox 121"/>
-            <p:cNvSpPr txBox="1"/>
-            <p:nvPr/>
-          </p:nvSpPr>
-          <p:spPr>
-            <a:xfrm>
-              <a:off x="6732240" y="5871424"/>
-              <a:ext cx="545327" cy="123111"/>
-            </a:xfrm>
-            <a:prstGeom prst="rect">
-              <a:avLst/>
-            </a:prstGeom>
-            <a:noFill/>
-          </p:spPr>
-          <p:txBody>
-            <a:bodyPr wrap="square" lIns="0" tIns="0" rIns="0" bIns="0" rtlCol="0">
-              <a:spAutoFit/>
-            </a:bodyPr>
-            <a:lstStyle/>
-            <a:p>
-              <a:r>
-                <a:rPr lang="zh-CN" altLang="en-US" sz="800" dirty="0" smtClean="0"/>
-                <a:t>。。。</a:t>
-              </a:r>
-              <a:endParaRPr lang="en-US" altLang="zh-CN" sz="800" dirty="0" smtClean="0"/>
-            </a:p>
-          </p:txBody>
-        </p:sp>
-        <p:sp>
-          <p:nvSpPr>
-            <p:cNvPr id="123" name="TextBox 122"/>
-            <p:cNvSpPr txBox="1"/>
-            <p:nvPr/>
-          </p:nvSpPr>
-          <p:spPr>
-            <a:xfrm>
-              <a:off x="6732240" y="6087448"/>
-              <a:ext cx="504056" cy="123111"/>
-            </a:xfrm>
-            <a:prstGeom prst="rect">
-              <a:avLst/>
-            </a:prstGeom>
-            <a:noFill/>
-          </p:spPr>
-          <p:txBody>
-            <a:bodyPr wrap="square" lIns="0" tIns="0" rIns="0" bIns="0" rtlCol="0">
-              <a:spAutoFit/>
-            </a:bodyPr>
-            <a:lstStyle/>
-            <a:p>
-              <a:r>
-                <a:rPr lang="zh-CN" altLang="en-US" sz="800" dirty="0"/>
-                <a:t>。。。</a:t>
-              </a:r>
-              <a:endParaRPr lang="en-US" altLang="zh-CN" sz="800" dirty="0"/>
-            </a:p>
-          </p:txBody>
-        </p:sp>
-        <p:sp>
-          <p:nvSpPr>
-            <p:cNvPr id="120" name="TextBox 119"/>
-            <p:cNvSpPr txBox="1"/>
-            <p:nvPr/>
-          </p:nvSpPr>
-          <p:spPr>
-            <a:xfrm>
-              <a:off x="7452321" y="5871424"/>
-              <a:ext cx="576063" cy="123111"/>
-            </a:xfrm>
-            <a:prstGeom prst="rect">
-              <a:avLst/>
-            </a:prstGeom>
-            <a:noFill/>
-          </p:spPr>
-          <p:txBody>
-            <a:bodyPr wrap="square" lIns="0" tIns="0" rIns="0" bIns="0" rtlCol="0">
-              <a:spAutoFit/>
-            </a:bodyPr>
-            <a:lstStyle/>
-            <a:p>
-              <a:r>
-                <a:rPr lang="zh-CN" altLang="en-US" sz="800" dirty="0"/>
-                <a:t>。。。</a:t>
-              </a:r>
-              <a:endParaRPr lang="en-US" altLang="zh-CN" sz="800" dirty="0"/>
-            </a:p>
-          </p:txBody>
-        </p:sp>
-        <p:sp>
-          <p:nvSpPr>
-            <p:cNvPr id="127" name="TextBox 126"/>
-            <p:cNvSpPr txBox="1"/>
-            <p:nvPr/>
-          </p:nvSpPr>
-          <p:spPr>
-            <a:xfrm>
-              <a:off x="7452321" y="6087448"/>
-              <a:ext cx="432047" cy="123111"/>
-            </a:xfrm>
-            <a:prstGeom prst="rect">
-              <a:avLst/>
-            </a:prstGeom>
-            <a:noFill/>
-          </p:spPr>
-          <p:txBody>
-            <a:bodyPr wrap="square" lIns="0" tIns="0" rIns="0" bIns="0" rtlCol="0">
-              <a:spAutoFit/>
-            </a:bodyPr>
-            <a:lstStyle/>
-            <a:p>
-              <a:r>
-                <a:rPr lang="zh-CN" altLang="en-US" sz="800" dirty="0"/>
-                <a:t>。。。</a:t>
-              </a:r>
-              <a:endParaRPr lang="en-US" altLang="zh-CN" sz="800" dirty="0"/>
-            </a:p>
-          </p:txBody>
-        </p:sp>
-        <p:sp>
-          <p:nvSpPr>
-            <p:cNvPr id="129" name="TextBox 128"/>
-            <p:cNvSpPr txBox="1"/>
-            <p:nvPr/>
-          </p:nvSpPr>
-          <p:spPr>
-            <a:xfrm>
-              <a:off x="6876256" y="5589240"/>
-              <a:ext cx="1069569" cy="153888"/>
+              <a:off x="7236295" y="4263479"/>
+              <a:ext cx="504057" cy="461665"/>
             </a:xfrm>
             <a:prstGeom prst="rect">
               <a:avLst/>
@@ -16676,99 +16823,17 @@
             <a:p>
               <a:r>
                 <a:rPr lang="zh-CN" altLang="en-US" sz="1000" dirty="0" smtClean="0"/>
-                <a:t>。。。。。。。。</a:t>
+                <a:t>。。。。。。。</a:t>
+              </a:r>
+              <a:r>
+                <a:rPr lang="zh-CN" altLang="en-US" sz="1000" dirty="0" smtClean="0"/>
+                <a:t>。</a:t>
+              </a:r>
+              <a:r>
+                <a:rPr lang="zh-CN" altLang="en-US" sz="1000" dirty="0"/>
+                <a:t>。</a:t>
               </a:r>
               <a:endParaRPr lang="en-US" sz="1000" dirty="0"/>
-            </a:p>
-          </p:txBody>
-        </p:sp>
-        <p:cxnSp>
-          <p:nvCxnSpPr>
-            <p:cNvPr id="132" name="直接连接符 131"/>
-            <p:cNvCxnSpPr/>
-            <p:nvPr/>
-          </p:nvCxnSpPr>
-          <p:spPr>
-            <a:xfrm>
-              <a:off x="6660699" y="6231464"/>
-              <a:ext cx="1440161" cy="2924"/>
-            </a:xfrm>
-            <a:prstGeom prst="line">
-              <a:avLst/>
-            </a:prstGeom>
-          </p:spPr>
-          <p:style>
-            <a:lnRef idx="1">
-              <a:schemeClr val="accent1"/>
-            </a:lnRef>
-            <a:fillRef idx="0">
-              <a:schemeClr val="accent1"/>
-            </a:fillRef>
-            <a:effectRef idx="0">
-              <a:schemeClr val="accent1"/>
-            </a:effectRef>
-            <a:fontRef idx="minor">
-              <a:schemeClr val="tx1"/>
-            </a:fontRef>
-          </p:style>
-        </p:cxnSp>
-        <p:sp>
-          <p:nvSpPr>
-            <p:cNvPr id="134" name="TextBox 133"/>
-            <p:cNvSpPr txBox="1"/>
-            <p:nvPr/>
-          </p:nvSpPr>
-          <p:spPr>
-            <a:xfrm>
-              <a:off x="6732240" y="6309320"/>
-              <a:ext cx="504056" cy="123111"/>
-            </a:xfrm>
-            <a:prstGeom prst="rect">
-              <a:avLst/>
-            </a:prstGeom>
-            <a:noFill/>
-          </p:spPr>
-          <p:txBody>
-            <a:bodyPr wrap="square" lIns="0" tIns="0" rIns="0" bIns="0" rtlCol="0">
-              <a:spAutoFit/>
-            </a:bodyPr>
-            <a:lstStyle/>
-            <a:p>
-              <a:r>
-                <a:rPr lang="zh-CN" altLang="en-US" sz="800" dirty="0"/>
-                <a:t>。。。</a:t>
-              </a:r>
-              <a:endParaRPr lang="en-US" altLang="zh-CN" sz="800" dirty="0"/>
-            </a:p>
-          </p:txBody>
-        </p:sp>
-        <p:sp>
-          <p:nvSpPr>
-            <p:cNvPr id="135" name="TextBox 134"/>
-            <p:cNvSpPr txBox="1"/>
-            <p:nvPr/>
-          </p:nvSpPr>
-          <p:spPr>
-            <a:xfrm>
-              <a:off x="7452321" y="6309320"/>
-              <a:ext cx="432047" cy="123111"/>
-            </a:xfrm>
-            <a:prstGeom prst="rect">
-              <a:avLst/>
-            </a:prstGeom>
-            <a:noFill/>
-          </p:spPr>
-          <p:txBody>
-            <a:bodyPr wrap="square" lIns="0" tIns="0" rIns="0" bIns="0" rtlCol="0">
-              <a:spAutoFit/>
-            </a:bodyPr>
-            <a:lstStyle/>
-            <a:p>
-              <a:r>
-                <a:rPr lang="zh-CN" altLang="en-US" sz="800" dirty="0"/>
-                <a:t>。。。</a:t>
-              </a:r>
-              <a:endParaRPr lang="en-US" altLang="zh-CN" sz="800" dirty="0"/>
             </a:p>
           </p:txBody>
         </p:sp>

--- a/_Doc/DesignPattern.P2.Creational(Builder).pptx
+++ b/_Doc/DesignPattern.P2.Creational(Builder).pptx
@@ -212,7 +212,7 @@
           <a:p>
             <a:fld id="{E18479FA-1253-41AA-8ABD-DCCC0F2E9FAF}" type="datetimeFigureOut">
               <a:rPr lang="en-US" smtClean="0"/>
-              <a:t>4/22/2015</a:t>
+              <a:t>5/6/2015</a:t>
             </a:fld>
             <a:endParaRPr lang="en-US"/>
           </a:p>
@@ -1126,7 +1126,7 @@
           <a:p>
             <a:fld id="{530820CF-B880-4189-942D-D702A7CBA730}" type="datetimeFigureOut">
               <a:rPr lang="zh-CN" altLang="en-US" smtClean="0"/>
-              <a:t>2015/4/22</a:t>
+              <a:t>2015/5/6</a:t>
             </a:fld>
             <a:endParaRPr lang="zh-CN" altLang="en-US"/>
           </a:p>
@@ -1291,7 +1291,7 @@
           <a:p>
             <a:fld id="{530820CF-B880-4189-942D-D702A7CBA730}" type="datetimeFigureOut">
               <a:rPr lang="zh-CN" altLang="en-US" smtClean="0"/>
-              <a:t>2015/4/22</a:t>
+              <a:t>2015/5/6</a:t>
             </a:fld>
             <a:endParaRPr lang="zh-CN" altLang="en-US"/>
           </a:p>
@@ -1466,7 +1466,7 @@
           <a:p>
             <a:fld id="{530820CF-B880-4189-942D-D702A7CBA730}" type="datetimeFigureOut">
               <a:rPr lang="zh-CN" altLang="en-US" smtClean="0"/>
-              <a:t>2015/4/22</a:t>
+              <a:t>2015/5/6</a:t>
             </a:fld>
             <a:endParaRPr lang="zh-CN" altLang="en-US"/>
           </a:p>
@@ -1631,7 +1631,7 @@
           <a:p>
             <a:fld id="{530820CF-B880-4189-942D-D702A7CBA730}" type="datetimeFigureOut">
               <a:rPr lang="zh-CN" altLang="en-US" smtClean="0"/>
-              <a:t>2015/4/22</a:t>
+              <a:t>2015/5/6</a:t>
             </a:fld>
             <a:endParaRPr lang="zh-CN" altLang="en-US"/>
           </a:p>
@@ -1872,7 +1872,7 @@
           <a:p>
             <a:fld id="{530820CF-B880-4189-942D-D702A7CBA730}" type="datetimeFigureOut">
               <a:rPr lang="zh-CN" altLang="en-US" smtClean="0"/>
-              <a:t>2015/4/22</a:t>
+              <a:t>2015/5/6</a:t>
             </a:fld>
             <a:endParaRPr lang="zh-CN" altLang="en-US"/>
           </a:p>
@@ -2155,7 +2155,7 @@
           <a:p>
             <a:fld id="{530820CF-B880-4189-942D-D702A7CBA730}" type="datetimeFigureOut">
               <a:rPr lang="zh-CN" altLang="en-US" smtClean="0"/>
-              <a:t>2015/4/22</a:t>
+              <a:t>2015/5/6</a:t>
             </a:fld>
             <a:endParaRPr lang="zh-CN" altLang="en-US"/>
           </a:p>
@@ -2572,7 +2572,7 @@
           <a:p>
             <a:fld id="{530820CF-B880-4189-942D-D702A7CBA730}" type="datetimeFigureOut">
               <a:rPr lang="zh-CN" altLang="en-US" smtClean="0"/>
-              <a:t>2015/4/22</a:t>
+              <a:t>2015/5/6</a:t>
             </a:fld>
             <a:endParaRPr lang="zh-CN" altLang="en-US"/>
           </a:p>
@@ -2685,7 +2685,7 @@
           <a:p>
             <a:fld id="{530820CF-B880-4189-942D-D702A7CBA730}" type="datetimeFigureOut">
               <a:rPr lang="zh-CN" altLang="en-US" smtClean="0"/>
-              <a:t>2015/4/22</a:t>
+              <a:t>2015/5/6</a:t>
             </a:fld>
             <a:endParaRPr lang="zh-CN" altLang="en-US"/>
           </a:p>
@@ -2775,7 +2775,7 @@
           <a:p>
             <a:fld id="{530820CF-B880-4189-942D-D702A7CBA730}" type="datetimeFigureOut">
               <a:rPr lang="zh-CN" altLang="en-US" smtClean="0"/>
-              <a:t>2015/4/22</a:t>
+              <a:t>2015/5/6</a:t>
             </a:fld>
             <a:endParaRPr lang="zh-CN" altLang="en-US"/>
           </a:p>
@@ -3047,7 +3047,7 @@
           <a:p>
             <a:fld id="{530820CF-B880-4189-942D-D702A7CBA730}" type="datetimeFigureOut">
               <a:rPr lang="zh-CN" altLang="en-US" smtClean="0"/>
-              <a:t>2015/4/22</a:t>
+              <a:t>2015/5/6</a:t>
             </a:fld>
             <a:endParaRPr lang="zh-CN" altLang="en-US"/>
           </a:p>
@@ -3295,7 +3295,7 @@
           <a:p>
             <a:fld id="{530820CF-B880-4189-942D-D702A7CBA730}" type="datetimeFigureOut">
               <a:rPr lang="zh-CN" altLang="en-US" smtClean="0"/>
-              <a:t>2015/4/22</a:t>
+              <a:t>2015/5/6</a:t>
             </a:fld>
             <a:endParaRPr lang="zh-CN" altLang="en-US"/>
           </a:p>
@@ -3503,7 +3503,7 @@
           <a:p>
             <a:fld id="{530820CF-B880-4189-942D-D702A7CBA730}" type="datetimeFigureOut">
               <a:rPr lang="zh-CN" altLang="en-US" smtClean="0"/>
-              <a:t>2015/4/22</a:t>
+              <a:t>2015/5/6</a:t>
             </a:fld>
             <a:endParaRPr lang="zh-CN" altLang="en-US"/>
           </a:p>
@@ -9189,8 +9189,21 @@
               </a:rPr>
               <a:t>void</a:t>
             </a:r>
-          </a:p>
-          <a:p>
+            <a:r>
+              <a:rPr lang="zh-CN" altLang="en-US" sz="1600" spc="50" dirty="0" smtClean="0">
+                <a:ln w="12700">
+                  <a:noFill/>
+                  <a:prstDash val="solid"/>
+                </a:ln>
+                <a:solidFill>
+                  <a:schemeClr val="accent4"/>
+                </a:solidFill>
+                <a:latin typeface="+mj-lt"/>
+                <a:ea typeface="+mj-ea"/>
+                <a:cs typeface="+mj-cs"/>
+              </a:rPr>
+              <a:t>，构造步骤容易实现</a:t>
+            </a:r>
             <a:endParaRPr lang="en-US" altLang="zh-CN" sz="1600" spc="50" dirty="0" smtClean="0">
               <a:ln w="12700">
                 <a:noFill/>
@@ -9205,6 +9218,20 @@
             </a:endParaRPr>
           </a:p>
           <a:p>
+            <a:endParaRPr lang="en-US" altLang="zh-CN" sz="1600" spc="50" dirty="0" smtClean="0">
+              <a:ln w="12700">
+                <a:noFill/>
+                <a:prstDash val="solid"/>
+              </a:ln>
+              <a:solidFill>
+                <a:schemeClr val="accent4"/>
+              </a:solidFill>
+              <a:latin typeface="+mj-lt"/>
+              <a:ea typeface="+mj-ea"/>
+              <a:cs typeface="+mj-cs"/>
+            </a:endParaRPr>
+          </a:p>
+          <a:p>
             <a:r>
               <a:rPr lang="en-US" altLang="zh-CN" sz="1600" spc="50" dirty="0">
                 <a:ln w="12700">
@@ -9263,7 +9290,37 @@
                 <a:ea typeface="+mj-ea"/>
                 <a:cs typeface="+mj-cs"/>
               </a:rPr>
-              <a:t>更一般的，可能构造步骤依赖于之前已构造部件，即非</a:t>
+              <a:t>更一般</a:t>
+            </a:r>
+            <a:r>
+              <a:rPr lang="zh-CN" altLang="en-US" sz="1600" spc="50" dirty="0" smtClean="0">
+                <a:ln w="12700">
+                  <a:noFill/>
+                  <a:prstDash val="solid"/>
+                </a:ln>
+                <a:solidFill>
+                  <a:schemeClr val="accent4"/>
+                </a:solidFill>
+                <a:latin typeface="+mj-lt"/>
+                <a:ea typeface="+mj-ea"/>
+                <a:cs typeface="+mj-cs"/>
+              </a:rPr>
+              <a:t>的场景，</a:t>
+            </a:r>
+            <a:r>
+              <a:rPr lang="zh-CN" altLang="en-US" sz="1600" spc="50" dirty="0" smtClean="0">
+                <a:ln w="12700">
+                  <a:noFill/>
+                  <a:prstDash val="solid"/>
+                </a:ln>
+                <a:solidFill>
+                  <a:schemeClr val="accent4"/>
+                </a:solidFill>
+                <a:latin typeface="+mj-lt"/>
+                <a:ea typeface="+mj-ea"/>
+                <a:cs typeface="+mj-cs"/>
+              </a:rPr>
+              <a:t>可能构造步骤依赖于之前已构造部件，即非</a:t>
             </a:r>
             <a:r>
               <a:rPr lang="en-US" altLang="zh-CN" sz="1600" spc="50" dirty="0" smtClean="0">
@@ -10234,6 +10291,42 @@
               <a:t>	</a:t>
             </a:r>
             <a:r>
+              <a:rPr lang="en-US" altLang="zh-CN" sz="1600" spc="50" dirty="0" smtClean="0">
+                <a:ln w="12700">
+                  <a:noFill/>
+                  <a:prstDash val="solid"/>
+                </a:ln>
+                <a:solidFill>
+                  <a:schemeClr val="accent4"/>
+                </a:solidFill>
+              </a:rPr>
+              <a:t>Builder</a:t>
+            </a:r>
+            <a:r>
+              <a:rPr lang="zh-CN" altLang="en-US" sz="1600" spc="50" dirty="0">
+                <a:ln w="12700">
+                  <a:noFill/>
+                  <a:prstDash val="solid"/>
+                </a:ln>
+                <a:solidFill>
+                  <a:schemeClr val="accent4"/>
+                </a:solidFill>
+              </a:rPr>
+              <a:t>同时作为</a:t>
+            </a:r>
+            <a:r>
+              <a:rPr lang="en-US" altLang="zh-CN" sz="1600" spc="50" dirty="0" smtClean="0">
+                <a:ln w="12700">
+                  <a:noFill/>
+                  <a:prstDash val="solid"/>
+                </a:ln>
+                <a:solidFill>
+                  <a:schemeClr val="accent4"/>
+                </a:solidFill>
+              </a:rPr>
+              <a:t>Director</a:t>
+            </a:r>
+            <a:r>
               <a:rPr lang="zh-CN" altLang="en-US" sz="1600" spc="50" dirty="0" smtClean="0">
                 <a:ln w="12700">
                   <a:noFill/>
@@ -10243,7 +10336,7 @@
                   <a:schemeClr val="accent4"/>
                 </a:solidFill>
               </a:rPr>
-              <a:t>有</a:t>
+              <a:t>，由</a:t>
             </a:r>
             <a:r>
               <a:rPr lang="en-US" altLang="zh-CN" sz="1600" spc="50" dirty="0" smtClean="0">
@@ -10267,7 +10360,7 @@
                   <a:schemeClr val="accent4"/>
                 </a:solidFill>
               </a:rPr>
-              <a:t>但没有独立的</a:t>
+              <a:t>提供</a:t>
             </a:r>
             <a:r>
               <a:rPr lang="en-US" altLang="zh-CN" sz="1600" spc="50" dirty="0" smtClean="0">
@@ -10279,7 +10372,7 @@
                   <a:schemeClr val="accent4"/>
                 </a:solidFill>
               </a:rPr>
-              <a:t>Director</a:t>
+              <a:t>Construct</a:t>
             </a:r>
             <a:r>
               <a:rPr lang="zh-CN" altLang="en-US" sz="1600" spc="50" dirty="0" smtClean="0">
@@ -10291,19 +10384,7 @@
                   <a:schemeClr val="accent4"/>
                 </a:solidFill>
               </a:rPr>
-              <a:t>（构建过程未分离到</a:t>
-            </a:r>
-            <a:r>
-              <a:rPr lang="en-US" altLang="zh-CN" sz="1600" spc="50" dirty="0" smtClean="0">
-                <a:ln w="12700">
-                  <a:noFill/>
-                  <a:prstDash val="solid"/>
-                </a:ln>
-                <a:solidFill>
-                  <a:schemeClr val="accent4"/>
-                </a:solidFill>
-              </a:rPr>
-              <a:t>Director</a:t>
+              <a:t>方法，封装</a:t>
             </a:r>
             <a:r>
               <a:rPr lang="zh-CN" altLang="en-US" sz="1600" spc="50" dirty="0" smtClean="0">
@@ -10315,7 +10396,7 @@
                   <a:schemeClr val="accent4"/>
                 </a:solidFill>
               </a:rPr>
-              <a:t>）</a:t>
+              <a:t>构建过程</a:t>
             </a:r>
             <a:endParaRPr lang="en-US" altLang="zh-CN" sz="1600" spc="50" dirty="0" smtClean="0">
               <a:ln w="12700">
@@ -10349,7 +10430,19 @@
                   <a:schemeClr val="accent4"/>
                 </a:solidFill>
               </a:rPr>
-              <a:t>	Product</a:t>
+              <a:t>	</a:t>
+            </a:r>
+            <a:r>
+              <a:rPr lang="en-US" altLang="zh-CN" sz="1600" spc="50" dirty="0" smtClean="0">
+                <a:ln w="12700">
+                  <a:noFill/>
+                  <a:prstDash val="solid"/>
+                </a:ln>
+                <a:solidFill>
+                  <a:schemeClr val="accent4"/>
+                </a:solidFill>
+              </a:rPr>
+              <a:t>Product</a:t>
             </a:r>
             <a:r>
               <a:rPr lang="zh-CN" altLang="en-US" sz="1600" spc="50" dirty="0" smtClean="0">
@@ -10361,7 +10454,7 @@
                   <a:schemeClr val="accent4"/>
                 </a:solidFill>
               </a:rPr>
-              <a:t>作为</a:t>
+              <a:t>同时作为</a:t>
             </a:r>
             <a:r>
               <a:rPr lang="en-US" altLang="zh-CN" sz="1600" spc="50" dirty="0" smtClean="0">
@@ -10376,6 +10469,18 @@
               <a:t>Director</a:t>
             </a:r>
             <a:r>
+              <a:rPr lang="zh-CN" altLang="en-US" sz="1600" spc="50" dirty="0">
+                <a:ln w="12700">
+                  <a:noFill/>
+                  <a:prstDash val="solid"/>
+                </a:ln>
+                <a:solidFill>
+                  <a:schemeClr val="accent4"/>
+                </a:solidFill>
+              </a:rPr>
+              <a:t> ，</a:t>
+            </a:r>
+            <a:r>
               <a:rPr lang="zh-CN" altLang="en-US" sz="1600" spc="50" dirty="0" smtClean="0">
                 <a:ln w="12700">
                   <a:noFill/>
@@ -10385,7 +10490,7 @@
                   <a:schemeClr val="accent4"/>
                 </a:solidFill>
               </a:rPr>
-              <a:t>（</a:t>
+              <a:t>由</a:t>
             </a:r>
             <a:r>
               <a:rPr lang="en-US" altLang="zh-CN" sz="1600" spc="50" dirty="0" smtClean="0">
@@ -10400,6 +10505,18 @@
               <a:t>Product</a:t>
             </a:r>
             <a:r>
+              <a:rPr lang="zh-CN" altLang="en-US" sz="1600" spc="50" dirty="0">
+                <a:ln w="12700">
+                  <a:noFill/>
+                  <a:prstDash val="solid"/>
+                </a:ln>
+                <a:solidFill>
+                  <a:schemeClr val="accent4"/>
+                </a:solidFill>
+              </a:rPr>
+              <a:t>自身</a:t>
+            </a:r>
+            <a:r>
               <a:rPr lang="zh-CN" altLang="en-US" sz="1600" spc="50" dirty="0" smtClean="0">
                 <a:ln w="12700">
                   <a:noFill/>
@@ -10409,19 +10526,31 @@
                   <a:schemeClr val="accent4"/>
                 </a:solidFill>
               </a:rPr>
-              <a:t>自己控制构建过程，自己构建自己，</a:t>
-            </a:r>
-            <a:r>
-              <a:rPr lang="zh-CN" altLang="en-US" sz="1600" spc="50" dirty="0">
-                <a:ln w="12700">
-                  <a:noFill/>
-                  <a:prstDash val="solid"/>
-                </a:ln>
-                <a:solidFill>
-                  <a:schemeClr val="accent4"/>
-                </a:solidFill>
-              </a:rPr>
-              <a:t>依赖</a:t>
+              <a:t>控制</a:t>
+            </a:r>
+            <a:r>
+              <a:rPr lang="zh-CN" altLang="en-US" sz="1600" spc="50" dirty="0" smtClean="0">
+                <a:ln w="12700">
+                  <a:noFill/>
+                  <a:prstDash val="solid"/>
+                </a:ln>
+                <a:solidFill>
+                  <a:schemeClr val="accent4"/>
+                </a:solidFill>
+              </a:rPr>
+              <a:t>构建过程</a:t>
+            </a:r>
+            <a:r>
+              <a:rPr lang="zh-CN" altLang="en-US" sz="1600" spc="50" dirty="0" smtClean="0">
+                <a:ln w="12700">
+                  <a:noFill/>
+                  <a:prstDash val="solid"/>
+                </a:ln>
+                <a:solidFill>
+                  <a:schemeClr val="accent4"/>
+                </a:solidFill>
+              </a:rPr>
+              <a:t>，依赖</a:t>
             </a:r>
             <a:r>
               <a:rPr lang="en-US" altLang="zh-CN" sz="1600" spc="50" dirty="0" smtClean="0">
@@ -10445,7 +10574,43 @@
                   <a:schemeClr val="accent4"/>
                 </a:solidFill>
               </a:rPr>
-              <a:t>）</a:t>
+              <a:t>控制细节，</a:t>
+            </a:r>
+            <a:r>
+              <a:rPr lang="zh-CN" altLang="en-US" sz="1600" spc="50" dirty="0" smtClean="0">
+                <a:ln w="12700">
+                  <a:noFill/>
+                  <a:prstDash val="solid"/>
+                </a:ln>
+                <a:solidFill>
+                  <a:schemeClr val="accent4"/>
+                </a:solidFill>
+              </a:rPr>
+              <a:t>自己</a:t>
+            </a:r>
+            <a:r>
+              <a:rPr lang="zh-CN" altLang="en-US" sz="1600" spc="50" dirty="0" smtClean="0">
+                <a:ln w="12700">
+                  <a:noFill/>
+                  <a:prstDash val="solid"/>
+                </a:ln>
+                <a:solidFill>
+                  <a:schemeClr val="accent4"/>
+                </a:solidFill>
+              </a:rPr>
+              <a:t>构建</a:t>
+            </a:r>
+            <a:r>
+              <a:rPr lang="zh-CN" altLang="en-US" sz="1600" spc="50" dirty="0" smtClean="0">
+                <a:ln w="12700">
+                  <a:noFill/>
+                  <a:prstDash val="solid"/>
+                </a:ln>
+                <a:solidFill>
+                  <a:schemeClr val="accent4"/>
+                </a:solidFill>
+              </a:rPr>
+              <a:t>自己</a:t>
             </a:r>
             <a:endParaRPr lang="en-US" altLang="zh-CN" sz="1600" spc="50" dirty="0" smtClean="0">
               <a:ln w="12700">
@@ -14271,19 +14436,7 @@
               <a:rPr lang="zh-CN" altLang="en-US" sz="1900" dirty="0" smtClean="0">
                 <a:effectLst/>
               </a:rPr>
-              <a:t>电脑本身之间存在个体差异，如有的因</a:t>
-            </a:r>
-            <a:r>
-              <a:rPr lang="zh-CN" altLang="en-US" sz="1900" dirty="0" smtClean="0">
-                <a:effectLst/>
-              </a:rPr>
-              <a:t>促销价格打折，</a:t>
-            </a:r>
-            <a:r>
-              <a:rPr lang="zh-CN" altLang="en-US" sz="1900" dirty="0" smtClean="0">
-                <a:effectLst/>
-              </a:rPr>
-              <a:t>有的则有打印机赠品、</a:t>
+              <a:t>电脑本身之间存在个体差异，如有的因促销价格打折，有的则有打印机赠品、</a:t>
             </a:r>
             <a:r>
               <a:rPr lang="en-US" altLang="zh-CN" sz="1900" dirty="0" smtClean="0">
@@ -16823,11 +16976,7 @@
             <a:p>
               <a:r>
                 <a:rPr lang="zh-CN" altLang="en-US" sz="1000" dirty="0" smtClean="0"/>
-                <a:t>。。。。。。。</a:t>
-              </a:r>
-              <a:r>
-                <a:rPr lang="zh-CN" altLang="en-US" sz="1000" dirty="0" smtClean="0"/>
-                <a:t>。</a:t>
+                <a:t>。。。。。。。。</a:t>
               </a:r>
               <a:r>
                 <a:rPr lang="zh-CN" altLang="en-US" sz="1000" dirty="0"/>
@@ -16895,7 +17044,7 @@
         </p:spPr>
         <p:txBody>
           <a:bodyPr vert="horz" rtlCol="0" anchor="ctr">
-            <a:normAutofit fontScale="62500" lnSpcReduction="20000"/>
+            <a:normAutofit fontScale="70000" lnSpcReduction="20000"/>
             <a:scene3d>
               <a:camera prst="orthographicFront"/>
               <a:lightRig rig="soft" dir="t"/>
@@ -17122,7 +17271,56 @@
               <a:rPr lang="zh-CN" altLang="en-US" sz="1900" dirty="0" smtClean="0">
                 <a:effectLst/>
               </a:rPr>
-              <a:t>即使同一种类的部件存在大量共性，却也无法忽略之间的差异，如：</a:t>
+              <a:t>即使同一种类的部件存在大量共性，却也无法忽略之间的差异，如</a:t>
+            </a:r>
+            <a:r>
+              <a:rPr lang="zh-CN" altLang="en-US" sz="1900" dirty="0" smtClean="0">
+                <a:effectLst/>
+              </a:rPr>
+              <a:t>：</a:t>
+            </a:r>
+            <a:r>
+              <a:rPr lang="en-US" altLang="zh-CN" sz="1900" dirty="0" smtClean="0">
+                <a:effectLst/>
+              </a:rPr>
+              <a:t>Intel </a:t>
+            </a:r>
+            <a:r>
+              <a:rPr lang="en-US" altLang="zh-CN" sz="1900" dirty="0" smtClean="0">
+                <a:effectLst/>
+              </a:rPr>
+              <a:t>CPU / AMD CPU</a:t>
+            </a:r>
+          </a:p>
+          <a:p>
+            <a:endParaRPr lang="en-US" altLang="zh-CN" sz="1900" dirty="0">
+              <a:effectLst/>
+            </a:endParaRPr>
+          </a:p>
+          <a:p>
+            <a:r>
+              <a:rPr lang="en-US" altLang="zh-CN" sz="1900" dirty="0" smtClean="0">
+                <a:effectLst/>
+              </a:rPr>
+              <a:t>	</a:t>
+            </a:r>
+            <a:r>
+              <a:rPr lang="zh-CN" altLang="en-US" sz="1900" dirty="0" smtClean="0">
+                <a:effectLst/>
+              </a:rPr>
+              <a:t>复杂部件的差异部分导致</a:t>
+            </a:r>
+            <a:r>
+              <a:rPr lang="en-US" altLang="zh-CN" sz="1900" dirty="0" smtClean="0">
+                <a:effectLst/>
+              </a:rPr>
+              <a:t>Computer</a:t>
+            </a:r>
+            <a:r>
+              <a:rPr lang="zh-CN" altLang="en-US" sz="1900" dirty="0" smtClean="0">
+                <a:effectLst/>
+              </a:rPr>
+              <a:t>个体之间的差异：</a:t>
             </a:r>
             <a:endParaRPr lang="en-US" altLang="zh-CN" sz="1900" dirty="0" smtClean="0">
               <a:effectLst/>
@@ -17138,8 +17336,140 @@
               <a:rPr lang="en-US" altLang="zh-CN" sz="1900" dirty="0" smtClean="0">
                 <a:effectLst/>
               </a:rPr>
-              <a:t>		Intel CPU / AMD CPU</a:t>
-            </a:r>
+              <a:t>		</a:t>
+            </a:r>
+            <a:r>
+              <a:rPr lang="zh-CN" altLang="en-US" sz="1900" dirty="0" smtClean="0">
+                <a:effectLst/>
+              </a:rPr>
+              <a:t>共性</a:t>
+            </a:r>
+            <a:r>
+              <a:rPr lang="en-US" altLang="zh-CN" sz="1900" dirty="0" smtClean="0">
+                <a:effectLst/>
+              </a:rPr>
+              <a:t>: </a:t>
+            </a:r>
+            <a:r>
+              <a:rPr lang="zh-CN" altLang="en-US" sz="1900" dirty="0" smtClean="0">
+                <a:effectLst/>
+              </a:rPr>
+              <a:t>价格</a:t>
+            </a:r>
+            <a:r>
+              <a:rPr lang="en-US" altLang="zh-CN" sz="1900" dirty="0" smtClean="0">
+                <a:effectLst/>
+              </a:rPr>
+              <a:t> </a:t>
+            </a:r>
+            <a:r>
+              <a:rPr lang="en-US" altLang="zh-CN" sz="1900" dirty="0">
+                <a:effectLst/>
+              </a:rPr>
+              <a:t>/ </a:t>
+            </a:r>
+            <a:r>
+              <a:rPr lang="zh-CN" altLang="en-US" sz="1900" dirty="0">
+                <a:effectLst/>
+              </a:rPr>
+              <a:t>好评</a:t>
+            </a:r>
+            <a:r>
+              <a:rPr lang="zh-CN" altLang="en-US" sz="1900" dirty="0" smtClean="0">
+                <a:effectLst/>
+              </a:rPr>
+              <a:t>率 </a:t>
+            </a:r>
+            <a:r>
+              <a:rPr lang="en-US" altLang="zh-CN" sz="1900" dirty="0" smtClean="0">
+                <a:effectLst/>
+              </a:rPr>
+              <a:t>/ </a:t>
+            </a:r>
+            <a:r>
+              <a:rPr lang="zh-CN" altLang="en-US" sz="1900" dirty="0" smtClean="0">
+                <a:effectLst/>
+              </a:rPr>
+              <a:t>部件概要描述</a:t>
+            </a:r>
+            <a:endParaRPr lang="en-US" altLang="zh-CN" sz="1900" dirty="0" smtClean="0">
+              <a:effectLst/>
+            </a:endParaRPr>
+          </a:p>
+          <a:p>
+            <a:r>
+              <a:rPr lang="en-US" altLang="zh-CN" sz="1900" dirty="0">
+                <a:effectLst/>
+              </a:rPr>
+              <a:t>	</a:t>
+            </a:r>
+            <a:r>
+              <a:rPr lang="en-US" altLang="zh-CN" sz="1900" dirty="0" smtClean="0">
+                <a:effectLst/>
+              </a:rPr>
+              <a:t>	</a:t>
+            </a:r>
+            <a:r>
+              <a:rPr lang="zh-CN" altLang="en-US" sz="1900" dirty="0">
+                <a:effectLst/>
+              </a:rPr>
+              <a:t>差异</a:t>
+            </a:r>
+            <a:r>
+              <a:rPr lang="en-US" altLang="zh-CN" sz="1900" dirty="0" smtClean="0">
+                <a:effectLst/>
+              </a:rPr>
+              <a:t>: </a:t>
+            </a:r>
+            <a:r>
+              <a:rPr lang="zh-CN" altLang="en-US" sz="1900" dirty="0" smtClean="0">
+                <a:effectLst/>
+              </a:rPr>
+              <a:t>各种内部部件</a:t>
+            </a:r>
+            <a:endParaRPr lang="en-US" altLang="zh-CN" sz="1900" dirty="0" smtClean="0">
+              <a:effectLst/>
+            </a:endParaRPr>
+          </a:p>
+          <a:p>
+            <a:endParaRPr lang="en-US" altLang="zh-CN" sz="1900" dirty="0" smtClean="0">
+              <a:effectLst/>
+            </a:endParaRPr>
+          </a:p>
+          <a:p>
+            <a:r>
+              <a:rPr lang="en-US" altLang="zh-CN" sz="1900" dirty="0" smtClean="0">
+                <a:effectLst/>
+              </a:rPr>
+              <a:t>	Computer</a:t>
+            </a:r>
+            <a:r>
+              <a:rPr lang="zh-CN" altLang="en-US" sz="1900" dirty="0">
+                <a:effectLst/>
+              </a:rPr>
+              <a:t>本身也</a:t>
+            </a:r>
+            <a:r>
+              <a:rPr lang="zh-CN" altLang="en-US" sz="1900" dirty="0" smtClean="0">
+                <a:effectLst/>
+              </a:rPr>
+              <a:t>存在个体差异</a:t>
+            </a:r>
+            <a:r>
+              <a:rPr lang="zh-CN" altLang="en-US" sz="1900" dirty="0">
+                <a:effectLst/>
+              </a:rPr>
+              <a:t>（</a:t>
+            </a:r>
+            <a:r>
+              <a:rPr lang="zh-CN" altLang="en-US" sz="1900" dirty="0" smtClean="0">
+                <a:effectLst/>
+              </a:rPr>
+              <a:t>赠品、促销价）</a:t>
+            </a:r>
+            <a:endParaRPr lang="en-US" altLang="zh-CN" sz="1900" dirty="0" smtClean="0">
+              <a:effectLst/>
+            </a:endParaRPr>
           </a:p>
           <a:p>
             <a:endParaRPr lang="en-US" altLang="zh-CN" sz="1900" dirty="0">
@@ -17151,415 +17481,241 @@
               <a:rPr lang="en-US" altLang="zh-CN" sz="1900" dirty="0" smtClean="0">
                 <a:effectLst/>
               </a:rPr>
-              <a:t>	</a:t>
+              <a:t>	Computer</a:t>
             </a:r>
             <a:r>
               <a:rPr lang="zh-CN" altLang="en-US" sz="1900" dirty="0" smtClean="0">
                 <a:effectLst/>
               </a:rPr>
-              <a:t>复杂部件的差异部分导致</a:t>
-            </a:r>
-            <a:r>
-              <a:rPr lang="en-US" altLang="zh-CN" sz="1900" dirty="0" smtClean="0">
-                <a:effectLst/>
-              </a:rPr>
-              <a:t>Computer</a:t>
-            </a:r>
-            <a:r>
-              <a:rPr lang="zh-CN" altLang="en-US" sz="1900" dirty="0" smtClean="0">
-                <a:effectLst/>
-              </a:rPr>
-              <a:t>个体之间的差异：</a:t>
+              <a:t>各个部件将因需求变化而剧烈变化</a:t>
             </a:r>
             <a:endParaRPr lang="en-US" altLang="zh-CN" sz="1900" dirty="0" smtClean="0">
               <a:effectLst/>
             </a:endParaRPr>
           </a:p>
           <a:p>
+            <a:endParaRPr lang="en-US" altLang="zh-CN" sz="1900" dirty="0">
+              <a:effectLst/>
+            </a:endParaRPr>
+          </a:p>
+          <a:p>
+            <a:r>
+              <a:rPr lang="en-US" altLang="zh-CN" sz="1900" dirty="0">
+                <a:effectLst/>
+              </a:rPr>
+              <a:t>	</a:t>
+            </a:r>
+            <a:r>
+              <a:rPr lang="en-US" altLang="zh-CN" sz="1900" dirty="0" smtClean="0">
+                <a:effectLst/>
+              </a:rPr>
+              <a:t>Computer</a:t>
+            </a:r>
+            <a:r>
+              <a:rPr lang="zh-CN" altLang="en-US" sz="1900" dirty="0" smtClean="0">
+                <a:effectLst/>
+              </a:rPr>
+              <a:t>组装各个部件</a:t>
+            </a:r>
+            <a:r>
+              <a:rPr lang="zh-CN" altLang="en-US" sz="1900" dirty="0">
+                <a:effectLst/>
+              </a:rPr>
+              <a:t>的算法相对</a:t>
+            </a:r>
+            <a:r>
+              <a:rPr lang="zh-CN" altLang="en-US" sz="1900" dirty="0" smtClean="0">
+                <a:effectLst/>
+              </a:rPr>
+              <a:t>稳定</a:t>
+            </a:r>
+            <a:r>
+              <a:rPr lang="en-US" altLang="zh-CN" sz="1900" dirty="0">
+                <a:effectLst/>
+              </a:rPr>
+              <a:t>: BuildCPU() / BuildMemory() / BuildGraphicCard</a:t>
+            </a:r>
+            <a:r>
+              <a:rPr lang="en-US" altLang="zh-CN" sz="1900" dirty="0" smtClean="0">
+                <a:effectLst/>
+              </a:rPr>
+              <a:t>()…</a:t>
+            </a:r>
             <a:endParaRPr lang="en-US" altLang="zh-CN" sz="1900" dirty="0" smtClean="0">
               <a:effectLst/>
             </a:endParaRPr>
           </a:p>
           <a:p>
+            <a:endParaRPr lang="en-US" altLang="zh-CN" sz="1900" dirty="0">
+              <a:effectLst/>
+            </a:endParaRPr>
+          </a:p>
+          <a:p>
+            <a:r>
+              <a:rPr lang="zh-CN" altLang="en-US" sz="2700" b="1" dirty="0">
+                <a:effectLst/>
+              </a:rPr>
+              <a:t>设计：</a:t>
+            </a:r>
+            <a:r>
+              <a:rPr lang="en-US" altLang="zh-CN" sz="2600" dirty="0">
+                <a:effectLst/>
+              </a:rPr>
+              <a:t>	</a:t>
+            </a:r>
+          </a:p>
+          <a:p>
+            <a:r>
+              <a:rPr lang="en-US" altLang="zh-CN" sz="1900" dirty="0">
+                <a:effectLst/>
+              </a:rPr>
+              <a:t>	</a:t>
+            </a:r>
+            <a:r>
+              <a:rPr lang="zh-CN" altLang="en-US" sz="1900" dirty="0" smtClean="0">
+                <a:effectLst/>
+              </a:rPr>
+              <a:t>无法抽象</a:t>
+            </a:r>
             <a:r>
               <a:rPr lang="en-US" altLang="zh-CN" sz="1900" dirty="0" smtClean="0">
                 <a:effectLst/>
               </a:rPr>
-              <a:t>		</a:t>
+              <a:t>Computer</a:t>
             </a:r>
             <a:r>
               <a:rPr lang="zh-CN" altLang="en-US" sz="1900" dirty="0" smtClean="0">
                 <a:effectLst/>
               </a:rPr>
-              <a:t>共性</a:t>
-            </a:r>
-            <a:r>
-              <a:rPr lang="en-US" altLang="zh-CN" sz="1900" dirty="0" smtClean="0">
-                <a:effectLst/>
-              </a:rPr>
-              <a:t>: </a:t>
-            </a:r>
-            <a:r>
-              <a:rPr lang="zh-CN" altLang="en-US" sz="1900" dirty="0" smtClean="0">
-                <a:effectLst/>
-              </a:rPr>
-              <a:t>价格</a:t>
-            </a:r>
-            <a:r>
-              <a:rPr lang="en-US" altLang="zh-CN" sz="1900" dirty="0" smtClean="0">
-                <a:effectLst/>
-              </a:rPr>
-              <a:t> </a:t>
-            </a:r>
-            <a:r>
-              <a:rPr lang="en-US" altLang="zh-CN" sz="1900" dirty="0">
-                <a:effectLst/>
-              </a:rPr>
-              <a:t>/ </a:t>
-            </a:r>
-            <a:r>
-              <a:rPr lang="zh-CN" altLang="en-US" sz="1900" dirty="0">
-                <a:effectLst/>
-              </a:rPr>
-              <a:t>好评</a:t>
-            </a:r>
-            <a:r>
-              <a:rPr lang="zh-CN" altLang="en-US" sz="1900" dirty="0" smtClean="0">
-                <a:effectLst/>
-              </a:rPr>
-              <a:t>率 </a:t>
-            </a:r>
-            <a:r>
-              <a:rPr lang="en-US" altLang="zh-CN" sz="1900" dirty="0" smtClean="0">
-                <a:effectLst/>
-              </a:rPr>
-              <a:t>/ </a:t>
-            </a:r>
-            <a:r>
-              <a:rPr lang="zh-CN" altLang="en-US" sz="1900" dirty="0" smtClean="0">
-                <a:effectLst/>
-              </a:rPr>
-              <a:t>部件概要描述</a:t>
+              <a:t>及其内部部件</a:t>
             </a:r>
             <a:endParaRPr lang="en-US" altLang="zh-CN" sz="1900" dirty="0" smtClean="0">
               <a:effectLst/>
             </a:endParaRPr>
           </a:p>
           <a:p>
-            <a:r>
-              <a:rPr lang="en-US" altLang="zh-CN" sz="1900" dirty="0">
+            <a:endParaRPr lang="en-US" altLang="zh-CN" sz="1900" dirty="0">
+              <a:effectLst/>
+            </a:endParaRPr>
+          </a:p>
+          <a:p>
+            <a:r>
+              <a:rPr lang="en-US" altLang="zh-CN" sz="1900" dirty="0" smtClean="0">
                 <a:effectLst/>
               </a:rPr>
               <a:t>	</a:t>
             </a:r>
             <a:r>
+              <a:rPr lang="zh-CN" altLang="en-US" sz="1900" dirty="0">
+                <a:effectLst/>
+              </a:rPr>
+              <a:t>将</a:t>
+            </a:r>
+            <a:r>
               <a:rPr lang="en-US" altLang="zh-CN" sz="1900" dirty="0" smtClean="0">
                 <a:effectLst/>
               </a:rPr>
-              <a:t>	</a:t>
+              <a:t>Computer</a:t>
             </a:r>
             <a:r>
               <a:rPr lang="zh-CN" altLang="en-US" sz="1900" dirty="0">
                 <a:effectLst/>
               </a:rPr>
-              <a:t>差异</a:t>
+              <a:t>创建</a:t>
+            </a:r>
+            <a:r>
+              <a:rPr lang="zh-CN" altLang="en-US" sz="1900" dirty="0" smtClean="0">
+                <a:effectLst/>
+              </a:rPr>
+              <a:t>各个部件的逻辑放至生产器</a:t>
             </a:r>
             <a:r>
               <a:rPr lang="en-US" altLang="zh-CN" sz="1900" dirty="0" smtClean="0">
                 <a:effectLst/>
               </a:rPr>
-              <a:t>: </a:t>
+              <a:t>(Builder)</a:t>
             </a:r>
             <a:r>
               <a:rPr lang="zh-CN" altLang="en-US" sz="1900" dirty="0" smtClean="0">
                 <a:effectLst/>
               </a:rPr>
-              <a:t>各种内部部件</a:t>
-            </a:r>
+              <a:t>中</a:t>
+            </a:r>
+            <a:r>
+              <a:rPr lang="en-US" altLang="zh-CN" sz="1900" dirty="0" smtClean="0">
+                <a:effectLst/>
+              </a:rPr>
+              <a:t>, </a:t>
+            </a:r>
+            <a:r>
+              <a:rPr lang="zh-CN" altLang="en-US" sz="1900" dirty="0" smtClean="0">
+                <a:effectLst/>
+              </a:rPr>
+              <a:t>抽象的</a:t>
+            </a:r>
+            <a:r>
+              <a:rPr lang="en-US" altLang="zh-CN" sz="1900" dirty="0" smtClean="0">
+                <a:effectLst/>
+              </a:rPr>
+              <a:t>Builder</a:t>
+            </a:r>
+            <a:r>
+              <a:rPr lang="zh-CN" altLang="en-US" sz="1900" dirty="0" smtClean="0">
+                <a:effectLst/>
+              </a:rPr>
+              <a:t>提供部件创建</a:t>
+            </a:r>
+            <a:r>
+              <a:rPr lang="zh-CN" altLang="en-US" sz="1900" dirty="0" smtClean="0">
+                <a:effectLst/>
+              </a:rPr>
+              <a:t>接口</a:t>
+            </a:r>
+            <a:endParaRPr lang="en-US" altLang="zh-CN" sz="1900" dirty="0">
+              <a:effectLst/>
+            </a:endParaRPr>
+          </a:p>
+          <a:p>
             <a:endParaRPr lang="en-US" altLang="zh-CN" sz="1900" dirty="0" smtClean="0">
               <a:effectLst/>
             </a:endParaRPr>
           </a:p>
           <a:p>
-            <a:endParaRPr lang="en-US" altLang="zh-CN" sz="1900" dirty="0" smtClean="0">
-              <a:effectLst/>
-            </a:endParaRPr>
-          </a:p>
-          <a:p>
+            <a:r>
+              <a:rPr lang="en-US" altLang="zh-CN" sz="1900" dirty="0">
+                <a:effectLst/>
+              </a:rPr>
+              <a:t>	</a:t>
+            </a:r>
+            <a:r>
+              <a:rPr lang="zh-CN" altLang="en-US" sz="1900" dirty="0" smtClean="0">
+                <a:effectLst/>
+              </a:rPr>
+              <a:t>将</a:t>
+            </a:r>
             <a:r>
               <a:rPr lang="en-US" altLang="zh-CN" sz="1900" dirty="0" smtClean="0">
                 <a:effectLst/>
               </a:rPr>
-              <a:t>	Computer</a:t>
-            </a:r>
-            <a:r>
-              <a:rPr lang="zh-CN" altLang="en-US" sz="1900" dirty="0">
-                <a:effectLst/>
-              </a:rPr>
-              <a:t>本身也</a:t>
+              <a:t>Computer</a:t>
             </a:r>
             <a:r>
               <a:rPr lang="zh-CN" altLang="en-US" sz="1900" dirty="0" smtClean="0">
                 <a:effectLst/>
               </a:rPr>
-              <a:t>存在大量个体差异</a:t>
-            </a:r>
-            <a:r>
-              <a:rPr lang="zh-CN" altLang="en-US" sz="1900" dirty="0">
-                <a:effectLst/>
-              </a:rPr>
-              <a:t>（</a:t>
+              <a:t>组装各个部件</a:t>
             </a:r>
             <a:r>
               <a:rPr lang="zh-CN" altLang="en-US" sz="1900" dirty="0" smtClean="0">
                 <a:effectLst/>
               </a:rPr>
-              <a:t>赠品、促销价）</a:t>
-            </a:r>
-            <a:endParaRPr lang="en-US" altLang="zh-CN" sz="1900" dirty="0" smtClean="0">
-              <a:effectLst/>
-            </a:endParaRPr>
-          </a:p>
-          <a:p>
-            <a:endParaRPr lang="en-US" altLang="zh-CN" sz="1900" dirty="0">
-              <a:effectLst/>
-            </a:endParaRPr>
-          </a:p>
-          <a:p>
-            <a:r>
-              <a:rPr lang="en-US" altLang="zh-CN" sz="1900" dirty="0" smtClean="0">
-                <a:effectLst/>
-              </a:rPr>
-              <a:t>	Computer</a:t>
+              <a:t>的流程算法</a:t>
             </a:r>
             <a:r>
               <a:rPr lang="zh-CN" altLang="en-US" sz="1900" dirty="0" smtClean="0">
                 <a:effectLst/>
               </a:rPr>
-              <a:t>各个部件将因需求变化而剧烈变化</a:t>
-            </a:r>
-            <a:endParaRPr lang="en-US" altLang="zh-CN" sz="1900" dirty="0" smtClean="0">
-              <a:effectLst/>
-            </a:endParaRPr>
-          </a:p>
-          <a:p>
-            <a:endParaRPr lang="en-US" altLang="zh-CN" sz="1900" dirty="0">
-              <a:effectLst/>
-            </a:endParaRPr>
-          </a:p>
-          <a:p>
-            <a:r>
-              <a:rPr lang="en-US" altLang="zh-CN" sz="1900" dirty="0">
-                <a:effectLst/>
-              </a:rPr>
-              <a:t>	</a:t>
-            </a:r>
-            <a:r>
-              <a:rPr lang="en-US" altLang="zh-CN" sz="1900" dirty="0" smtClean="0">
-                <a:effectLst/>
-              </a:rPr>
-              <a:t>Computer</a:t>
-            </a:r>
-            <a:r>
-              <a:rPr lang="zh-CN" altLang="en-US" sz="1900" dirty="0" smtClean="0">
-                <a:effectLst/>
-              </a:rPr>
-              <a:t>组装各个部件</a:t>
-            </a:r>
-            <a:r>
-              <a:rPr lang="zh-CN" altLang="en-US" sz="1900" dirty="0">
-                <a:effectLst/>
-              </a:rPr>
-              <a:t>的算法相对</a:t>
-            </a:r>
-            <a:r>
-              <a:rPr lang="zh-CN" altLang="en-US" sz="1900" dirty="0" smtClean="0">
-                <a:effectLst/>
-              </a:rPr>
-              <a:t>稳定</a:t>
-            </a:r>
-            <a:endParaRPr lang="en-US" altLang="zh-CN" sz="1900" dirty="0" smtClean="0">
-              <a:effectLst/>
-            </a:endParaRPr>
-          </a:p>
-          <a:p>
-            <a:endParaRPr lang="en-US" altLang="zh-CN" sz="1900" dirty="0">
-              <a:effectLst/>
-            </a:endParaRPr>
-          </a:p>
-          <a:p>
-            <a:r>
-              <a:rPr lang="zh-CN" altLang="en-US" sz="2700" b="1" dirty="0">
-                <a:effectLst/>
-              </a:rPr>
-              <a:t>设计：</a:t>
-            </a:r>
-            <a:r>
-              <a:rPr lang="en-US" altLang="zh-CN" sz="2600" dirty="0">
-                <a:effectLst/>
-              </a:rPr>
-              <a:t>	</a:t>
-            </a:r>
-          </a:p>
-          <a:p>
-            <a:r>
-              <a:rPr lang="en-US" altLang="zh-CN" sz="1900" dirty="0">
-                <a:effectLst/>
-              </a:rPr>
-              <a:t>	</a:t>
-            </a:r>
-            <a:r>
-              <a:rPr lang="zh-CN" altLang="en-US" sz="1900" dirty="0" smtClean="0">
-                <a:effectLst/>
-              </a:rPr>
-              <a:t>无法抽象</a:t>
-            </a:r>
-            <a:r>
-              <a:rPr lang="en-US" altLang="zh-CN" sz="1900" dirty="0" smtClean="0">
-                <a:effectLst/>
-              </a:rPr>
-              <a:t>Computer</a:t>
-            </a:r>
-            <a:r>
-              <a:rPr lang="zh-CN" altLang="en-US" sz="1900" dirty="0" smtClean="0">
-                <a:effectLst/>
-              </a:rPr>
-              <a:t>及其内部部件</a:t>
-            </a:r>
-            <a:endParaRPr lang="en-US" altLang="zh-CN" sz="1900" dirty="0" smtClean="0">
-              <a:effectLst/>
-            </a:endParaRPr>
-          </a:p>
-          <a:p>
-            <a:endParaRPr lang="en-US" altLang="zh-CN" sz="1900" dirty="0">
-              <a:effectLst/>
-            </a:endParaRPr>
-          </a:p>
-          <a:p>
-            <a:r>
-              <a:rPr lang="en-US" altLang="zh-CN" sz="1900" dirty="0" smtClean="0">
-                <a:effectLst/>
-              </a:rPr>
-              <a:t>	</a:t>
-            </a:r>
-            <a:r>
-              <a:rPr lang="zh-CN" altLang="en-US" sz="1900" dirty="0">
-                <a:effectLst/>
-              </a:rPr>
-              <a:t>将</a:t>
-            </a:r>
-            <a:r>
-              <a:rPr lang="en-US" altLang="zh-CN" sz="1900" dirty="0" smtClean="0">
-                <a:effectLst/>
-              </a:rPr>
-              <a:t>Computer</a:t>
-            </a:r>
-            <a:r>
-              <a:rPr lang="zh-CN" altLang="en-US" sz="1900" dirty="0">
-                <a:effectLst/>
-              </a:rPr>
-              <a:t>创建</a:t>
-            </a:r>
-            <a:r>
-              <a:rPr lang="zh-CN" altLang="en-US" sz="1900" dirty="0" smtClean="0">
-                <a:effectLst/>
-              </a:rPr>
-              <a:t>各个部件的逻辑放至生产器</a:t>
-            </a:r>
-            <a:r>
-              <a:rPr lang="en-US" altLang="zh-CN" sz="1900" dirty="0" smtClean="0">
-                <a:effectLst/>
-              </a:rPr>
-              <a:t>(Builder)</a:t>
-            </a:r>
-            <a:r>
-              <a:rPr lang="zh-CN" altLang="en-US" sz="1900" dirty="0" smtClean="0">
-                <a:effectLst/>
-              </a:rPr>
-              <a:t>中</a:t>
-            </a:r>
-            <a:r>
-              <a:rPr lang="en-US" altLang="zh-CN" sz="1900" dirty="0" smtClean="0">
-                <a:effectLst/>
-              </a:rPr>
-              <a:t>, </a:t>
-            </a:r>
-            <a:r>
-              <a:rPr lang="zh-CN" altLang="en-US" sz="1900" dirty="0" smtClean="0">
-                <a:effectLst/>
-              </a:rPr>
-              <a:t>抽象的</a:t>
-            </a:r>
-            <a:r>
-              <a:rPr lang="en-US" altLang="zh-CN" sz="1900" dirty="0" smtClean="0">
-                <a:effectLst/>
-              </a:rPr>
-              <a:t>Builder</a:t>
-            </a:r>
-            <a:r>
-              <a:rPr lang="zh-CN" altLang="en-US" sz="1900" dirty="0" smtClean="0">
-                <a:effectLst/>
-              </a:rPr>
-              <a:t>提供部件创建接口</a:t>
-            </a:r>
-            <a:r>
-              <a:rPr lang="en-US" altLang="zh-CN" sz="1900" dirty="0" smtClean="0">
-                <a:effectLst/>
-              </a:rPr>
-              <a:t>: </a:t>
-            </a:r>
-          </a:p>
-          <a:p>
-            <a:endParaRPr lang="en-US" altLang="zh-CN" sz="1900" dirty="0" smtClean="0">
-              <a:effectLst/>
-            </a:endParaRPr>
-          </a:p>
-          <a:p>
-            <a:r>
-              <a:rPr lang="en-US" altLang="zh-CN" sz="1900" dirty="0">
-                <a:effectLst/>
-              </a:rPr>
-              <a:t>	</a:t>
-            </a:r>
-            <a:r>
-              <a:rPr lang="en-US" altLang="zh-CN" sz="1900" dirty="0" smtClean="0">
-                <a:effectLst/>
-              </a:rPr>
-              <a:t>	BuildCPU() / BuildMemory() / BuildGraphicCard()…</a:t>
-            </a:r>
-            <a:endParaRPr lang="en-US" altLang="zh-CN" sz="1900" dirty="0">
-              <a:effectLst/>
-            </a:endParaRPr>
-          </a:p>
-          <a:p>
-            <a:endParaRPr lang="en-US" altLang="zh-CN" sz="1900" dirty="0" smtClean="0">
-              <a:effectLst/>
-            </a:endParaRPr>
-          </a:p>
-          <a:p>
-            <a:r>
-              <a:rPr lang="en-US" altLang="zh-CN" sz="1900" dirty="0">
-                <a:effectLst/>
-              </a:rPr>
-              <a:t>	</a:t>
-            </a:r>
-            <a:r>
-              <a:rPr lang="zh-CN" altLang="en-US" sz="1900" dirty="0" smtClean="0">
-                <a:effectLst/>
-              </a:rPr>
-              <a:t>将</a:t>
-            </a:r>
-            <a:r>
-              <a:rPr lang="en-US" altLang="zh-CN" sz="1900" dirty="0" smtClean="0">
-                <a:effectLst/>
-              </a:rPr>
-              <a:t>Computer</a:t>
-            </a:r>
-            <a:r>
-              <a:rPr lang="zh-CN" altLang="en-US" sz="1900" dirty="0" smtClean="0">
-                <a:effectLst/>
-              </a:rPr>
-              <a:t>组装各个部件的流程算法分离到导向器</a:t>
+              <a:t>分离到导向器</a:t>
             </a:r>
             <a:r>
               <a:rPr lang="en-US" altLang="zh-CN" sz="1900" dirty="0" smtClean="0">

--- a/_Doc/DesignPattern.P2.Creational(Builder).pptx
+++ b/_Doc/DesignPattern.P2.Creational(Builder).pptx
@@ -212,7 +212,7 @@
           <a:p>
             <a:fld id="{E18479FA-1253-41AA-8ABD-DCCC0F2E9FAF}" type="datetimeFigureOut">
               <a:rPr lang="en-US" smtClean="0"/>
-              <a:t>5/6/2015</a:t>
+              <a:t>5/13/2015</a:t>
             </a:fld>
             <a:endParaRPr lang="en-US"/>
           </a:p>
@@ -1126,7 +1126,7 @@
           <a:p>
             <a:fld id="{530820CF-B880-4189-942D-D702A7CBA730}" type="datetimeFigureOut">
               <a:rPr lang="zh-CN" altLang="en-US" smtClean="0"/>
-              <a:t>2015/5/6</a:t>
+              <a:t>2015/5/13</a:t>
             </a:fld>
             <a:endParaRPr lang="zh-CN" altLang="en-US"/>
           </a:p>
@@ -1291,7 +1291,7 @@
           <a:p>
             <a:fld id="{530820CF-B880-4189-942D-D702A7CBA730}" type="datetimeFigureOut">
               <a:rPr lang="zh-CN" altLang="en-US" smtClean="0"/>
-              <a:t>2015/5/6</a:t>
+              <a:t>2015/5/13</a:t>
             </a:fld>
             <a:endParaRPr lang="zh-CN" altLang="en-US"/>
           </a:p>
@@ -1466,7 +1466,7 @@
           <a:p>
             <a:fld id="{530820CF-B880-4189-942D-D702A7CBA730}" type="datetimeFigureOut">
               <a:rPr lang="zh-CN" altLang="en-US" smtClean="0"/>
-              <a:t>2015/5/6</a:t>
+              <a:t>2015/5/13</a:t>
             </a:fld>
             <a:endParaRPr lang="zh-CN" altLang="en-US"/>
           </a:p>
@@ -1631,7 +1631,7 @@
           <a:p>
             <a:fld id="{530820CF-B880-4189-942D-D702A7CBA730}" type="datetimeFigureOut">
               <a:rPr lang="zh-CN" altLang="en-US" smtClean="0"/>
-              <a:t>2015/5/6</a:t>
+              <a:t>2015/5/13</a:t>
             </a:fld>
             <a:endParaRPr lang="zh-CN" altLang="en-US"/>
           </a:p>
@@ -1872,7 +1872,7 @@
           <a:p>
             <a:fld id="{530820CF-B880-4189-942D-D702A7CBA730}" type="datetimeFigureOut">
               <a:rPr lang="zh-CN" altLang="en-US" smtClean="0"/>
-              <a:t>2015/5/6</a:t>
+              <a:t>2015/5/13</a:t>
             </a:fld>
             <a:endParaRPr lang="zh-CN" altLang="en-US"/>
           </a:p>
@@ -2155,7 +2155,7 @@
           <a:p>
             <a:fld id="{530820CF-B880-4189-942D-D702A7CBA730}" type="datetimeFigureOut">
               <a:rPr lang="zh-CN" altLang="en-US" smtClean="0"/>
-              <a:t>2015/5/6</a:t>
+              <a:t>2015/5/13</a:t>
             </a:fld>
             <a:endParaRPr lang="zh-CN" altLang="en-US"/>
           </a:p>
@@ -2572,7 +2572,7 @@
           <a:p>
             <a:fld id="{530820CF-B880-4189-942D-D702A7CBA730}" type="datetimeFigureOut">
               <a:rPr lang="zh-CN" altLang="en-US" smtClean="0"/>
-              <a:t>2015/5/6</a:t>
+              <a:t>2015/5/13</a:t>
             </a:fld>
             <a:endParaRPr lang="zh-CN" altLang="en-US"/>
           </a:p>
@@ -2685,7 +2685,7 @@
           <a:p>
             <a:fld id="{530820CF-B880-4189-942D-D702A7CBA730}" type="datetimeFigureOut">
               <a:rPr lang="zh-CN" altLang="en-US" smtClean="0"/>
-              <a:t>2015/5/6</a:t>
+              <a:t>2015/5/13</a:t>
             </a:fld>
             <a:endParaRPr lang="zh-CN" altLang="en-US"/>
           </a:p>
@@ -2775,7 +2775,7 @@
           <a:p>
             <a:fld id="{530820CF-B880-4189-942D-D702A7CBA730}" type="datetimeFigureOut">
               <a:rPr lang="zh-CN" altLang="en-US" smtClean="0"/>
-              <a:t>2015/5/6</a:t>
+              <a:t>2015/5/13</a:t>
             </a:fld>
             <a:endParaRPr lang="zh-CN" altLang="en-US"/>
           </a:p>
@@ -3047,7 +3047,7 @@
           <a:p>
             <a:fld id="{530820CF-B880-4189-942D-D702A7CBA730}" type="datetimeFigureOut">
               <a:rPr lang="zh-CN" altLang="en-US" smtClean="0"/>
-              <a:t>2015/5/6</a:t>
+              <a:t>2015/5/13</a:t>
             </a:fld>
             <a:endParaRPr lang="zh-CN" altLang="en-US"/>
           </a:p>
@@ -3295,7 +3295,7 @@
           <a:p>
             <a:fld id="{530820CF-B880-4189-942D-D702A7CBA730}" type="datetimeFigureOut">
               <a:rPr lang="zh-CN" altLang="en-US" smtClean="0"/>
-              <a:t>2015/5/6</a:t>
+              <a:t>2015/5/13</a:t>
             </a:fld>
             <a:endParaRPr lang="zh-CN" altLang="en-US"/>
           </a:p>
@@ -3503,7 +3503,7 @@
           <a:p>
             <a:fld id="{530820CF-B880-4189-942D-D702A7CBA730}" type="datetimeFigureOut">
               <a:rPr lang="zh-CN" altLang="en-US" smtClean="0"/>
-              <a:t>2015/5/6</a:t>
+              <a:t>2015/5/13</a:t>
             </a:fld>
             <a:endParaRPr lang="zh-CN" altLang="en-US"/>
           </a:p>
@@ -9290,37 +9290,7 @@
                 <a:ea typeface="+mj-ea"/>
                 <a:cs typeface="+mj-cs"/>
               </a:rPr>
-              <a:t>更一般</a:t>
-            </a:r>
-            <a:r>
-              <a:rPr lang="zh-CN" altLang="en-US" sz="1600" spc="50" dirty="0" smtClean="0">
-                <a:ln w="12700">
-                  <a:noFill/>
-                  <a:prstDash val="solid"/>
-                </a:ln>
-                <a:solidFill>
-                  <a:schemeClr val="accent4"/>
-                </a:solidFill>
-                <a:latin typeface="+mj-lt"/>
-                <a:ea typeface="+mj-ea"/>
-                <a:cs typeface="+mj-cs"/>
-              </a:rPr>
-              <a:t>的场景，</a:t>
-            </a:r>
-            <a:r>
-              <a:rPr lang="zh-CN" altLang="en-US" sz="1600" spc="50" dirty="0" smtClean="0">
-                <a:ln w="12700">
-                  <a:noFill/>
-                  <a:prstDash val="solid"/>
-                </a:ln>
-                <a:solidFill>
-                  <a:schemeClr val="accent4"/>
-                </a:solidFill>
-                <a:latin typeface="+mj-lt"/>
-                <a:ea typeface="+mj-ea"/>
-                <a:cs typeface="+mj-cs"/>
-              </a:rPr>
-              <a:t>可能构造步骤依赖于之前已构造部件，即非</a:t>
+              <a:t>更一般的场景，可能构造步骤依赖于之前已构造部件，即非</a:t>
             </a:r>
             <a:r>
               <a:rPr lang="en-US" altLang="zh-CN" sz="1600" spc="50" dirty="0" smtClean="0">
@@ -10384,19 +10354,7 @@
                   <a:schemeClr val="accent4"/>
                 </a:solidFill>
               </a:rPr>
-              <a:t>方法，封装</a:t>
-            </a:r>
-            <a:r>
-              <a:rPr lang="zh-CN" altLang="en-US" sz="1600" spc="50" dirty="0" smtClean="0">
-                <a:ln w="12700">
-                  <a:noFill/>
-                  <a:prstDash val="solid"/>
-                </a:ln>
-                <a:solidFill>
-                  <a:schemeClr val="accent4"/>
-                </a:solidFill>
-              </a:rPr>
-              <a:t>构建过程</a:t>
+              <a:t>方法，封装构建过程</a:t>
             </a:r>
             <a:endParaRPr lang="en-US" altLang="zh-CN" sz="1600" spc="50" dirty="0" smtClean="0">
               <a:ln w="12700">
@@ -10430,7 +10388,19 @@
                   <a:schemeClr val="accent4"/>
                 </a:solidFill>
               </a:rPr>
-              <a:t>	</a:t>
+              <a:t>	Product</a:t>
+            </a:r>
+            <a:r>
+              <a:rPr lang="zh-CN" altLang="en-US" sz="1600" spc="50" dirty="0" smtClean="0">
+                <a:ln w="12700">
+                  <a:noFill/>
+                  <a:prstDash val="solid"/>
+                </a:ln>
+                <a:solidFill>
+                  <a:schemeClr val="accent4"/>
+                </a:solidFill>
+              </a:rPr>
+              <a:t>同时作为</a:t>
             </a:r>
             <a:r>
               <a:rPr lang="en-US" altLang="zh-CN" sz="1600" spc="50" dirty="0" smtClean="0">
@@ -10442,9 +10412,57 @@
                   <a:schemeClr val="accent4"/>
                 </a:solidFill>
               </a:rPr>
+              <a:t>Director</a:t>
+            </a:r>
+            <a:r>
+              <a:rPr lang="zh-CN" altLang="en-US" sz="1600" spc="50" dirty="0">
+                <a:ln w="12700">
+                  <a:noFill/>
+                  <a:prstDash val="solid"/>
+                </a:ln>
+                <a:solidFill>
+                  <a:schemeClr val="accent4"/>
+                </a:solidFill>
+              </a:rPr>
+              <a:t> ，</a:t>
+            </a:r>
+            <a:r>
+              <a:rPr lang="zh-CN" altLang="en-US" sz="1600" spc="50" dirty="0" smtClean="0">
+                <a:ln w="12700">
+                  <a:noFill/>
+                  <a:prstDash val="solid"/>
+                </a:ln>
+                <a:solidFill>
+                  <a:schemeClr val="accent4"/>
+                </a:solidFill>
+              </a:rPr>
+              <a:t>由</a:t>
+            </a:r>
+            <a:r>
+              <a:rPr lang="en-US" altLang="zh-CN" sz="1600" spc="50" dirty="0" smtClean="0">
+                <a:ln w="12700">
+                  <a:noFill/>
+                  <a:prstDash val="solid"/>
+                </a:ln>
+                <a:solidFill>
+                  <a:schemeClr val="accent4"/>
+                </a:solidFill>
+              </a:rPr>
               <a:t>Product</a:t>
             </a:r>
             <a:r>
+              <a:rPr lang="zh-CN" altLang="en-US" sz="1600" spc="50" dirty="0">
+                <a:ln w="12700">
+                  <a:noFill/>
+                  <a:prstDash val="solid"/>
+                </a:ln>
+                <a:solidFill>
+                  <a:schemeClr val="accent4"/>
+                </a:solidFill>
+              </a:rPr>
+              <a:t>自身</a:t>
+            </a:r>
+            <a:r>
               <a:rPr lang="zh-CN" altLang="en-US" sz="1600" spc="50" dirty="0" smtClean="0">
                 <a:ln w="12700">
                   <a:noFill/>
@@ -10454,7 +10472,7 @@
                   <a:schemeClr val="accent4"/>
                 </a:solidFill>
               </a:rPr>
-              <a:t>同时作为</a:t>
+              <a:t>控制构建过程，依赖</a:t>
             </a:r>
             <a:r>
               <a:rPr lang="en-US" altLang="zh-CN" sz="1600" spc="50" dirty="0" smtClean="0">
@@ -10466,19 +10484,7 @@
                   <a:schemeClr val="accent4"/>
                 </a:solidFill>
               </a:rPr>
-              <a:t>Director</a:t>
-            </a:r>
-            <a:r>
-              <a:rPr lang="zh-CN" altLang="en-US" sz="1600" spc="50" dirty="0">
-                <a:ln w="12700">
-                  <a:noFill/>
-                  <a:prstDash val="solid"/>
-                </a:ln>
-                <a:solidFill>
-                  <a:schemeClr val="accent4"/>
-                </a:solidFill>
-              </a:rPr>
-              <a:t> ，</a:t>
+              <a:t>Builder</a:t>
             </a:r>
             <a:r>
               <a:rPr lang="zh-CN" altLang="en-US" sz="1600" spc="50" dirty="0" smtClean="0">
@@ -10490,127 +10496,7 @@
                   <a:schemeClr val="accent4"/>
                 </a:solidFill>
               </a:rPr>
-              <a:t>由</a:t>
-            </a:r>
-            <a:r>
-              <a:rPr lang="en-US" altLang="zh-CN" sz="1600" spc="50" dirty="0" smtClean="0">
-                <a:ln w="12700">
-                  <a:noFill/>
-                  <a:prstDash val="solid"/>
-                </a:ln>
-                <a:solidFill>
-                  <a:schemeClr val="accent4"/>
-                </a:solidFill>
-              </a:rPr>
-              <a:t>Product</a:t>
-            </a:r>
-            <a:r>
-              <a:rPr lang="zh-CN" altLang="en-US" sz="1600" spc="50" dirty="0">
-                <a:ln w="12700">
-                  <a:noFill/>
-                  <a:prstDash val="solid"/>
-                </a:ln>
-                <a:solidFill>
-                  <a:schemeClr val="accent4"/>
-                </a:solidFill>
-              </a:rPr>
-              <a:t>自身</a:t>
-            </a:r>
-            <a:r>
-              <a:rPr lang="zh-CN" altLang="en-US" sz="1600" spc="50" dirty="0" smtClean="0">
-                <a:ln w="12700">
-                  <a:noFill/>
-                  <a:prstDash val="solid"/>
-                </a:ln>
-                <a:solidFill>
-                  <a:schemeClr val="accent4"/>
-                </a:solidFill>
-              </a:rPr>
-              <a:t>控制</a:t>
-            </a:r>
-            <a:r>
-              <a:rPr lang="zh-CN" altLang="en-US" sz="1600" spc="50" dirty="0" smtClean="0">
-                <a:ln w="12700">
-                  <a:noFill/>
-                  <a:prstDash val="solid"/>
-                </a:ln>
-                <a:solidFill>
-                  <a:schemeClr val="accent4"/>
-                </a:solidFill>
-              </a:rPr>
-              <a:t>构建过程</a:t>
-            </a:r>
-            <a:r>
-              <a:rPr lang="zh-CN" altLang="en-US" sz="1600" spc="50" dirty="0" smtClean="0">
-                <a:ln w="12700">
-                  <a:noFill/>
-                  <a:prstDash val="solid"/>
-                </a:ln>
-                <a:solidFill>
-                  <a:schemeClr val="accent4"/>
-                </a:solidFill>
-              </a:rPr>
-              <a:t>，依赖</a:t>
-            </a:r>
-            <a:r>
-              <a:rPr lang="en-US" altLang="zh-CN" sz="1600" spc="50" dirty="0" smtClean="0">
-                <a:ln w="12700">
-                  <a:noFill/>
-                  <a:prstDash val="solid"/>
-                </a:ln>
-                <a:solidFill>
-                  <a:schemeClr val="accent4"/>
-                </a:solidFill>
-              </a:rPr>
-              <a:t>Builder</a:t>
-            </a:r>
-            <a:r>
-              <a:rPr lang="zh-CN" altLang="en-US" sz="1600" spc="50" dirty="0" smtClean="0">
-                <a:ln w="12700">
-                  <a:noFill/>
-                  <a:prstDash val="solid"/>
-                </a:ln>
-                <a:solidFill>
-                  <a:schemeClr val="accent4"/>
-                </a:solidFill>
-              </a:rPr>
-              <a:t>控制细节，</a:t>
-            </a:r>
-            <a:r>
-              <a:rPr lang="zh-CN" altLang="en-US" sz="1600" spc="50" dirty="0" smtClean="0">
-                <a:ln w="12700">
-                  <a:noFill/>
-                  <a:prstDash val="solid"/>
-                </a:ln>
-                <a:solidFill>
-                  <a:schemeClr val="accent4"/>
-                </a:solidFill>
-              </a:rPr>
-              <a:t>自己</a:t>
-            </a:r>
-            <a:r>
-              <a:rPr lang="zh-CN" altLang="en-US" sz="1600" spc="50" dirty="0" smtClean="0">
-                <a:ln w="12700">
-                  <a:noFill/>
-                  <a:prstDash val="solid"/>
-                </a:ln>
-                <a:solidFill>
-                  <a:schemeClr val="accent4"/>
-                </a:solidFill>
-              </a:rPr>
-              <a:t>构建</a:t>
-            </a:r>
-            <a:r>
-              <a:rPr lang="zh-CN" altLang="en-US" sz="1600" spc="50" dirty="0" smtClean="0">
-                <a:ln w="12700">
-                  <a:noFill/>
-                  <a:prstDash val="solid"/>
-                </a:ln>
-                <a:solidFill>
-                  <a:schemeClr val="accent4"/>
-                </a:solidFill>
-              </a:rPr>
-              <a:t>自己</a:t>
+              <a:t>控制细节，自己构建自己</a:t>
             </a:r>
             <a:endParaRPr lang="en-US" altLang="zh-CN" sz="1600" spc="50" dirty="0" smtClean="0">
               <a:ln w="12700">
@@ -17035,7 +16921,7 @@
         </p:nvSpPr>
         <p:spPr>
           <a:xfrm>
-            <a:off x="457200" y="1268760"/>
+            <a:off x="457200" y="1124744"/>
             <a:ext cx="8363272" cy="5400600"/>
           </a:xfrm>
           <a:prstGeom prst="rect">
@@ -17044,7 +16930,7 @@
         </p:spPr>
         <p:txBody>
           <a:bodyPr vert="horz" rtlCol="0" anchor="ctr">
-            <a:normAutofit fontScale="70000" lnSpcReduction="20000"/>
+            <a:normAutofit fontScale="62500" lnSpcReduction="20000"/>
             <a:scene3d>
               <a:camera prst="orthographicFront"/>
               <a:lightRig rig="soft" dir="t"/>
@@ -17271,25 +17157,13 @@
               <a:rPr lang="zh-CN" altLang="en-US" sz="1900" dirty="0" smtClean="0">
                 <a:effectLst/>
               </a:rPr>
-              <a:t>即使同一种类的部件存在大量共性，却也无法忽略之间的差异，如</a:t>
-            </a:r>
-            <a:r>
-              <a:rPr lang="zh-CN" altLang="en-US" sz="1900" dirty="0" smtClean="0">
-                <a:effectLst/>
-              </a:rPr>
-              <a:t>：</a:t>
+              <a:t>即使同一种类的部件存在大量共性，却也无法忽略之间的差异，如：</a:t>
             </a:r>
             <a:r>
               <a:rPr lang="en-US" altLang="zh-CN" sz="1900" dirty="0" smtClean="0">
                 <a:effectLst/>
               </a:rPr>
-              <a:t>Intel </a:t>
-            </a:r>
-            <a:r>
-              <a:rPr lang="en-US" altLang="zh-CN" sz="1900" dirty="0" smtClean="0">
-                <a:effectLst/>
-              </a:rPr>
-              <a:t>CPU / AMD CPU</a:t>
+              <a:t>Intel CPU / AMD CPU</a:t>
             </a:r>
           </a:p>
           <a:p>
@@ -17541,6 +17415,51 @@
               </a:rPr>
               <a:t>()…</a:t>
             </a:r>
+          </a:p>
+          <a:p>
+            <a:endParaRPr lang="en-US" altLang="zh-CN" sz="1900" dirty="0">
+              <a:effectLst/>
+            </a:endParaRPr>
+          </a:p>
+          <a:p>
+            <a:r>
+              <a:rPr lang="zh-CN" altLang="en-US" sz="2700" b="1" dirty="0">
+                <a:effectLst/>
+              </a:rPr>
+              <a:t>设计：</a:t>
+            </a:r>
+            <a:r>
+              <a:rPr lang="en-US" altLang="zh-CN" sz="2600" dirty="0">
+                <a:effectLst/>
+              </a:rPr>
+              <a:t>	</a:t>
+            </a:r>
+          </a:p>
+          <a:p>
+            <a:r>
+              <a:rPr lang="en-US" altLang="zh-CN" sz="1900" dirty="0">
+                <a:effectLst/>
+              </a:rPr>
+              <a:t>	</a:t>
+            </a:r>
+            <a:r>
+              <a:rPr lang="zh-CN" altLang="en-US" sz="1900" dirty="0" smtClean="0">
+                <a:effectLst/>
+              </a:rPr>
+              <a:t>无法抽象</a:t>
+            </a:r>
+            <a:r>
+              <a:rPr lang="en-US" altLang="zh-CN" sz="1900" dirty="0" smtClean="0">
+                <a:effectLst/>
+              </a:rPr>
+              <a:t>Computer</a:t>
+            </a:r>
+            <a:r>
+              <a:rPr lang="zh-CN" altLang="en-US" sz="1900" dirty="0" smtClean="0">
+                <a:effectLst/>
+              </a:rPr>
+              <a:t>及其内部部件</a:t>
+            </a:r>
             <a:endParaRPr lang="en-US" altLang="zh-CN" sz="1900" dirty="0" smtClean="0">
               <a:effectLst/>
             </a:endParaRPr>
@@ -17552,42 +17471,46 @@
           </a:p>
           <a:p>
             <a:r>
-              <a:rPr lang="zh-CN" altLang="en-US" sz="2700" b="1" dirty="0">
-                <a:effectLst/>
-              </a:rPr>
-              <a:t>设计：</a:t>
-            </a:r>
-            <a:r>
-              <a:rPr lang="en-US" altLang="zh-CN" sz="2600" dirty="0">
+              <a:rPr lang="en-US" altLang="zh-CN" sz="1900" dirty="0" smtClean="0">
                 <a:effectLst/>
               </a:rPr>
               <a:t>	</a:t>
             </a:r>
-          </a:p>
-          <a:p>
-            <a:r>
-              <a:rPr lang="en-US" altLang="zh-CN" sz="1900" dirty="0">
-                <a:effectLst/>
-              </a:rPr>
-              <a:t>	</a:t>
+            <a:r>
+              <a:rPr lang="zh-CN" altLang="en-US" sz="1900" dirty="0">
+                <a:effectLst/>
+              </a:rPr>
+              <a:t>将</a:t>
+            </a:r>
+            <a:r>
+              <a:rPr lang="en-US" altLang="zh-CN" sz="1900" dirty="0" smtClean="0">
+                <a:effectLst/>
+              </a:rPr>
+              <a:t>Computer</a:t>
+            </a:r>
+            <a:r>
+              <a:rPr lang="zh-CN" altLang="en-US" sz="1900" dirty="0">
+                <a:effectLst/>
+              </a:rPr>
+              <a:t>创建</a:t>
             </a:r>
             <a:r>
               <a:rPr lang="zh-CN" altLang="en-US" sz="1900" dirty="0" smtClean="0">
                 <a:effectLst/>
               </a:rPr>
-              <a:t>无法抽象</a:t>
+              <a:t>各个部件的逻辑放至生产器</a:t>
             </a:r>
             <a:r>
               <a:rPr lang="en-US" altLang="zh-CN" sz="1900" dirty="0" smtClean="0">
                 <a:effectLst/>
               </a:rPr>
-              <a:t>Computer</a:t>
+              <a:t>(Builder)</a:t>
             </a:r>
             <a:r>
               <a:rPr lang="zh-CN" altLang="en-US" sz="1900" dirty="0" smtClean="0">
                 <a:effectLst/>
               </a:rPr>
-              <a:t>及其内部部件</a:t>
+              <a:t>中</a:t>
             </a:r>
             <a:endParaRPr lang="en-US" altLang="zh-CN" sz="1900" dirty="0" smtClean="0">
               <a:effectLst/>
@@ -17603,84 +17526,77 @@
               <a:rPr lang="en-US" altLang="zh-CN" sz="1900" dirty="0" smtClean="0">
                 <a:effectLst/>
               </a:rPr>
-              <a:t>	</a:t>
-            </a:r>
-            <a:r>
-              <a:rPr lang="zh-CN" altLang="en-US" sz="1900" dirty="0">
-                <a:effectLst/>
-              </a:rPr>
-              <a:t>将</a:t>
+              <a:t>		</a:t>
+            </a:r>
+            <a:r>
+              <a:rPr lang="zh-CN" altLang="en-US" sz="1900" dirty="0" smtClean="0">
+                <a:effectLst/>
+              </a:rPr>
+              <a:t>抽象</a:t>
             </a:r>
             <a:r>
               <a:rPr lang="en-US" altLang="zh-CN" sz="1900" dirty="0" smtClean="0">
                 <a:effectLst/>
               </a:rPr>
-              <a:t>Computer</a:t>
-            </a:r>
-            <a:r>
-              <a:rPr lang="zh-CN" altLang="en-US" sz="1900" dirty="0">
-                <a:effectLst/>
-              </a:rPr>
-              <a:t>创建</a:t>
+              <a:t>Builder</a:t>
             </a:r>
             <a:r>
               <a:rPr lang="zh-CN" altLang="en-US" sz="1900" dirty="0" smtClean="0">
                 <a:effectLst/>
               </a:rPr>
-              <a:t>各个部件的逻辑放至生产器</a:t>
-            </a:r>
-            <a:r>
-              <a:rPr lang="en-US" altLang="zh-CN" sz="1900" dirty="0" smtClean="0">
-                <a:effectLst/>
-              </a:rPr>
-              <a:t>(Builder)</a:t>
-            </a:r>
-            <a:r>
-              <a:rPr lang="zh-CN" altLang="en-US" sz="1900" dirty="0" smtClean="0">
-                <a:effectLst/>
-              </a:rPr>
-              <a:t>中</a:t>
-            </a:r>
-            <a:r>
-              <a:rPr lang="en-US" altLang="zh-CN" sz="1900" dirty="0" smtClean="0">
-                <a:effectLst/>
-              </a:rPr>
-              <a:t>, </a:t>
-            </a:r>
-            <a:r>
-              <a:rPr lang="zh-CN" altLang="en-US" sz="1900" dirty="0" smtClean="0">
-                <a:effectLst/>
-              </a:rPr>
-              <a:t>抽象的</a:t>
-            </a:r>
-            <a:r>
-              <a:rPr lang="en-US" altLang="zh-CN" sz="1900" dirty="0" smtClean="0">
-                <a:effectLst/>
-              </a:rPr>
-              <a:t>Builder</a:t>
-            </a:r>
-            <a:r>
-              <a:rPr lang="zh-CN" altLang="en-US" sz="1900" dirty="0" smtClean="0">
-                <a:effectLst/>
-              </a:rPr>
-              <a:t>提供部件创建</a:t>
-            </a:r>
-            <a:r>
-              <a:rPr lang="zh-CN" altLang="en-US" sz="1900" dirty="0" smtClean="0">
-                <a:effectLst/>
-              </a:rPr>
-              <a:t>接口</a:t>
+              <a:t>提供部件创建接口</a:t>
             </a:r>
             <a:endParaRPr lang="en-US" altLang="zh-CN" sz="1900" dirty="0">
               <a:effectLst/>
             </a:endParaRPr>
           </a:p>
           <a:p>
+            <a:r>
+              <a:rPr lang="en-US" altLang="zh-CN" sz="1900" dirty="0" smtClean="0">
+                <a:effectLst/>
+              </a:rPr>
+              <a:t>		</a:t>
+            </a:r>
+            <a:r>
+              <a:rPr lang="zh-CN" altLang="en-US" sz="1900" dirty="0" smtClean="0">
+                <a:effectLst/>
+              </a:rPr>
+              <a:t>具体</a:t>
+            </a:r>
+            <a:r>
+              <a:rPr lang="en-US" altLang="zh-CN" sz="1900" dirty="0" smtClean="0">
+                <a:effectLst/>
+              </a:rPr>
+              <a:t>Builder</a:t>
+            </a:r>
+            <a:r>
+              <a:rPr lang="zh-CN" altLang="en-US" sz="1900" dirty="0" smtClean="0">
+                <a:effectLst/>
+              </a:rPr>
+              <a:t>生产不同</a:t>
+            </a:r>
+            <a:r>
+              <a:rPr lang="en-US" altLang="zh-CN" sz="1900" dirty="0" smtClean="0">
+                <a:effectLst/>
+              </a:rPr>
+              <a:t>Computer</a:t>
+            </a:r>
+            <a:r>
+              <a:rPr lang="zh-CN" altLang="en-US" sz="1900" dirty="0" smtClean="0">
+                <a:effectLst/>
+              </a:rPr>
+              <a:t>的具体部件</a:t>
+            </a:r>
             <a:endParaRPr lang="en-US" altLang="zh-CN" sz="1900" dirty="0" smtClean="0">
               <a:effectLst/>
             </a:endParaRPr>
           </a:p>
           <a:p>
+            <a:endParaRPr lang="en-US" altLang="zh-CN" sz="1900" dirty="0" smtClean="0">
+              <a:effectLst/>
+            </a:endParaRPr>
+          </a:p>
+          <a:p>
             <a:r>
               <a:rPr lang="en-US" altLang="zh-CN" sz="1900" dirty="0">
                 <a:effectLst/>
@@ -17703,19 +17619,7 @@
               <a:rPr lang="zh-CN" altLang="en-US" sz="1900" dirty="0" smtClean="0">
                 <a:effectLst/>
               </a:rPr>
-              <a:t>组装各个部件</a:t>
-            </a:r>
-            <a:r>
-              <a:rPr lang="zh-CN" altLang="en-US" sz="1900" dirty="0" smtClean="0">
-                <a:effectLst/>
-              </a:rPr>
-              <a:t>的流程算法</a:t>
-            </a:r>
-            <a:r>
-              <a:rPr lang="zh-CN" altLang="en-US" sz="1900" dirty="0" smtClean="0">
-                <a:effectLst/>
-              </a:rPr>
-              <a:t>分离到导向器</a:t>
+              <a:t>组装各个部件的流程算法分离到导向器</a:t>
             </a:r>
             <a:r>
               <a:rPr lang="en-US" altLang="zh-CN" sz="1900" dirty="0" smtClean="0">

--- a/_Doc/DesignPattern.P2.Creational(Builder).pptx
+++ b/_Doc/DesignPattern.P2.Creational(Builder).pptx
@@ -17140,6 +17140,122 @@
               </a:rPr>
               <a:t>	Disk / Power / Monitor / Mouse / Keyboard…</a:t>
             </a:r>
+            <a:endParaRPr lang="en-US" altLang="zh-CN" sz="1900" dirty="0">
+              <a:effectLst/>
+            </a:endParaRPr>
+          </a:p>
+          <a:p>
+            <a:endParaRPr lang="en-US" altLang="zh-CN" sz="1900" dirty="0">
+              <a:effectLst/>
+            </a:endParaRPr>
+          </a:p>
+          <a:p>
+            <a:r>
+              <a:rPr lang="en-US" altLang="zh-CN" sz="1900" dirty="0">
+                <a:effectLst/>
+              </a:rPr>
+              <a:t>	</a:t>
+            </a:r>
+            <a:r>
+              <a:rPr lang="en-US" altLang="zh-CN" sz="1900" dirty="0" smtClean="0">
+                <a:effectLst/>
+              </a:rPr>
+              <a:t>Computer</a:t>
+            </a:r>
+            <a:r>
+              <a:rPr lang="zh-CN" altLang="en-US" sz="1900" dirty="0" smtClean="0">
+                <a:effectLst/>
+              </a:rPr>
+              <a:t>各个</a:t>
+            </a:r>
+            <a:r>
+              <a:rPr lang="zh-CN" altLang="en-US" sz="1900" dirty="0">
+                <a:effectLst/>
+              </a:rPr>
+              <a:t>部件将因需求变化而剧烈</a:t>
+            </a:r>
+            <a:r>
+              <a:rPr lang="zh-CN" altLang="en-US" sz="1900" dirty="0" smtClean="0">
+                <a:effectLst/>
+              </a:rPr>
+              <a:t>变化，从而</a:t>
+            </a:r>
+            <a:r>
+              <a:rPr lang="en-US" altLang="zh-CN" sz="1900" dirty="0" smtClean="0">
+                <a:effectLst/>
+              </a:rPr>
+              <a:t>Computer</a:t>
+            </a:r>
+            <a:r>
+              <a:rPr lang="zh-CN" altLang="en-US" sz="1900" dirty="0" smtClean="0">
+                <a:effectLst/>
+              </a:rPr>
+              <a:t>剧烈变化</a:t>
+            </a:r>
+            <a:endParaRPr lang="en-US" altLang="zh-CN" sz="1900" dirty="0">
+              <a:effectLst/>
+            </a:endParaRPr>
+          </a:p>
+          <a:p>
+            <a:endParaRPr lang="en-US" altLang="zh-CN" sz="1900" dirty="0">
+              <a:effectLst/>
+            </a:endParaRPr>
+          </a:p>
+          <a:p>
+            <a:r>
+              <a:rPr lang="en-US" altLang="zh-CN" sz="1900" dirty="0">
+                <a:effectLst/>
+              </a:rPr>
+              <a:t>	Computer</a:t>
+            </a:r>
+            <a:r>
+              <a:rPr lang="zh-CN" altLang="en-US" sz="1900" dirty="0">
+                <a:effectLst/>
+              </a:rPr>
+              <a:t>组装各个部件的算法相对稳定</a:t>
+            </a:r>
+            <a:r>
+              <a:rPr lang="en-US" altLang="zh-CN" sz="1900" dirty="0">
+                <a:effectLst/>
+              </a:rPr>
+              <a:t>: </a:t>
+            </a:r>
+            <a:r>
+              <a:rPr lang="en-US" altLang="zh-CN" sz="1900" dirty="0" err="1">
+                <a:effectLst/>
+              </a:rPr>
+              <a:t>BuildCPU</a:t>
+            </a:r>
+            <a:r>
+              <a:rPr lang="en-US" altLang="zh-CN" sz="1900" dirty="0">
+                <a:effectLst/>
+              </a:rPr>
+              <a:t>() / </a:t>
+            </a:r>
+            <a:r>
+              <a:rPr lang="en-US" altLang="zh-CN" sz="1900" dirty="0" err="1">
+                <a:effectLst/>
+              </a:rPr>
+              <a:t>BuildMemory</a:t>
+            </a:r>
+            <a:r>
+              <a:rPr lang="en-US" altLang="zh-CN" sz="1900" dirty="0">
+                <a:effectLst/>
+              </a:rPr>
+              <a:t>() / </a:t>
+            </a:r>
+            <a:r>
+              <a:rPr lang="en-US" altLang="zh-CN" sz="1900" dirty="0" err="1">
+                <a:effectLst/>
+              </a:rPr>
+              <a:t>BuildGraphicCard</a:t>
+            </a:r>
+            <a:r>
+              <a:rPr lang="en-US" altLang="zh-CN" sz="1900" dirty="0" smtClean="0">
+                <a:effectLst/>
+              </a:rPr>
+              <a:t>()…</a:t>
+            </a:r>
           </a:p>
           <a:p>
             <a:endParaRPr lang="en-US" altLang="zh-CN" sz="1900" dirty="0" smtClean="0">
@@ -17154,17 +17270,20 @@
               <a:t>	</a:t>
             </a:r>
             <a:r>
+              <a:rPr lang="en-US" altLang="zh-CN" sz="1900" dirty="0" smtClean="0">
+                <a:effectLst/>
+              </a:rPr>
+              <a:t>Computer</a:t>
+            </a:r>
+            <a:r>
               <a:rPr lang="zh-CN" altLang="en-US" sz="1900" dirty="0" smtClean="0">
                 <a:effectLst/>
               </a:rPr>
-              <a:t>即使同一种类的部件存在大量共性，却也无法忽略之间的差异，如：</a:t>
-            </a:r>
-            <a:r>
-              <a:rPr lang="en-US" altLang="zh-CN" sz="1900" dirty="0" smtClean="0">
-                <a:effectLst/>
-              </a:rPr>
-              <a:t>Intel CPU / AMD CPU</a:t>
-            </a:r>
+              <a:t>个体之间差异很大：</a:t>
+            </a:r>
+            <a:endParaRPr lang="en-US" altLang="zh-CN" sz="1900" dirty="0" smtClean="0">
+              <a:effectLst/>
+            </a:endParaRPr>
           </a:p>
           <a:p>
             <a:endParaRPr lang="en-US" altLang="zh-CN" sz="1900" dirty="0">
@@ -17176,130 +17295,255 @@
               <a:rPr lang="en-US" altLang="zh-CN" sz="1900" dirty="0" smtClean="0">
                 <a:effectLst/>
               </a:rPr>
-              <a:t>	</a:t>
+              <a:t>		</a:t>
             </a:r>
             <a:r>
               <a:rPr lang="zh-CN" altLang="en-US" sz="1900" dirty="0" smtClean="0">
                 <a:effectLst/>
               </a:rPr>
-              <a:t>复杂部件的差异部分导致</a:t>
+              <a:t>即使同</a:t>
+            </a:r>
+            <a:r>
+              <a:rPr lang="zh-CN" altLang="en-US" sz="1900" dirty="0">
+                <a:effectLst/>
+              </a:rPr>
+              <a:t>一</a:t>
+            </a:r>
+            <a:r>
+              <a:rPr lang="zh-CN" altLang="en-US" sz="1900" dirty="0" smtClean="0">
+                <a:effectLst/>
+              </a:rPr>
+              <a:t>种类部件也有差异 </a:t>
             </a:r>
             <a:r>
               <a:rPr lang="en-US" altLang="zh-CN" sz="1900" dirty="0" smtClean="0">
                 <a:effectLst/>
               </a:rPr>
-              <a:t>Computer</a:t>
+              <a:t>- Intel </a:t>
+            </a:r>
+            <a:r>
+              <a:rPr lang="en-US" altLang="zh-CN" sz="1900" dirty="0">
+                <a:effectLst/>
+              </a:rPr>
+              <a:t>CPU / AMD </a:t>
+            </a:r>
+            <a:r>
+              <a:rPr lang="en-US" altLang="zh-CN" sz="1900" dirty="0" smtClean="0">
+                <a:effectLst/>
+              </a:rPr>
+              <a:t>CPU</a:t>
+            </a:r>
+          </a:p>
+          <a:p>
+            <a:endParaRPr lang="en-US" altLang="zh-CN" sz="1900" dirty="0">
+              <a:effectLst/>
+            </a:endParaRPr>
+          </a:p>
+          <a:p>
+            <a:r>
+              <a:rPr lang="en-US" altLang="zh-CN" sz="1900" dirty="0">
+                <a:effectLst/>
+              </a:rPr>
+              <a:t>		</a:t>
             </a:r>
             <a:r>
               <a:rPr lang="zh-CN" altLang="en-US" sz="1900" dirty="0" smtClean="0">
                 <a:effectLst/>
               </a:rPr>
-              <a:t>个体之间的差异：</a:t>
+              <a:t>不同的特色 </a:t>
+            </a:r>
+            <a:r>
+              <a:rPr lang="en-US" altLang="zh-CN" sz="1900" dirty="0" smtClean="0">
+                <a:effectLst/>
+              </a:rPr>
+              <a:t>- </a:t>
+            </a:r>
+            <a:r>
+              <a:rPr lang="zh-CN" altLang="en-US" sz="1900" dirty="0" smtClean="0">
+                <a:effectLst/>
+              </a:rPr>
+              <a:t>赠品</a:t>
+            </a:r>
+            <a:r>
+              <a:rPr lang="zh-CN" altLang="en-US" sz="1900" dirty="0">
+                <a:effectLst/>
+              </a:rPr>
+              <a:t>、促销</a:t>
+            </a:r>
+            <a:r>
+              <a:rPr lang="zh-CN" altLang="en-US" sz="1900" dirty="0" smtClean="0">
+                <a:effectLst/>
+              </a:rPr>
+              <a:t>价</a:t>
             </a:r>
             <a:endParaRPr lang="en-US" altLang="zh-CN" sz="1900" dirty="0" smtClean="0">
               <a:effectLst/>
             </a:endParaRPr>
           </a:p>
           <a:p>
+            <a:endParaRPr lang="en-US" altLang="zh-CN" sz="1900" dirty="0">
+              <a:effectLst/>
+            </a:endParaRPr>
+          </a:p>
+          <a:p>
+            <a:r>
+              <a:rPr lang="en-US" altLang="zh-CN" sz="1900" dirty="0" smtClean="0">
+                <a:effectLst/>
+              </a:rPr>
+              <a:t>		</a:t>
+            </a:r>
+            <a:r>
+              <a:rPr lang="zh-CN" altLang="en-US" sz="1900" dirty="0" smtClean="0">
+                <a:effectLst/>
+              </a:rPr>
+              <a:t>不同个体提供不同操作</a:t>
+            </a:r>
+            <a:r>
+              <a:rPr lang="zh-CN" altLang="en-US" sz="1900" smtClean="0">
+                <a:effectLst/>
+              </a:rPr>
+              <a:t>来满足针对不同个体的需求</a:t>
+            </a:r>
             <a:endParaRPr lang="en-US" altLang="zh-CN" sz="1900" dirty="0" smtClean="0">
               <a:effectLst/>
             </a:endParaRPr>
           </a:p>
           <a:p>
+            <a:endParaRPr lang="en-US" altLang="zh-CN" sz="1900" dirty="0">
+              <a:effectLst/>
+            </a:endParaRPr>
+          </a:p>
+          <a:p>
+            <a:r>
+              <a:rPr lang="zh-CN" altLang="en-US" sz="2700" b="1" dirty="0">
+                <a:effectLst/>
+              </a:rPr>
+              <a:t>设计：</a:t>
+            </a:r>
+            <a:r>
+              <a:rPr lang="en-US" altLang="zh-CN" sz="2600" dirty="0">
+                <a:effectLst/>
+              </a:rPr>
+              <a:t>	</a:t>
+            </a:r>
+          </a:p>
+          <a:p>
+            <a:r>
+              <a:rPr lang="en-US" altLang="zh-CN" sz="1900" dirty="0">
+                <a:effectLst/>
+              </a:rPr>
+              <a:t>	</a:t>
+            </a:r>
+            <a:r>
+              <a:rPr lang="zh-CN" altLang="en-US" sz="1900" dirty="0" smtClean="0">
+                <a:effectLst/>
+              </a:rPr>
+              <a:t>将</a:t>
+            </a:r>
             <a:r>
               <a:rPr lang="en-US" altLang="zh-CN" sz="1900" dirty="0" smtClean="0">
                 <a:effectLst/>
               </a:rPr>
-              <a:t>		</a:t>
+              <a:t>Computer</a:t>
+            </a:r>
+            <a:r>
+              <a:rPr lang="zh-CN" altLang="en-US" sz="1900" dirty="0">
+                <a:effectLst/>
+              </a:rPr>
+              <a:t>创建</a:t>
             </a:r>
             <a:r>
               <a:rPr lang="zh-CN" altLang="en-US" sz="1900" dirty="0" smtClean="0">
                 <a:effectLst/>
               </a:rPr>
-              <a:t>共性</a:t>
+              <a:t>各个部件的逻辑放至生产器</a:t>
             </a:r>
             <a:r>
               <a:rPr lang="en-US" altLang="zh-CN" sz="1900" dirty="0" smtClean="0">
                 <a:effectLst/>
               </a:rPr>
-              <a:t>: </a:t>
+              <a:t>(Builder)</a:t>
             </a:r>
             <a:r>
               <a:rPr lang="zh-CN" altLang="en-US" sz="1900" dirty="0" smtClean="0">
                 <a:effectLst/>
               </a:rPr>
-              <a:t>价格</a:t>
-            </a:r>
-            <a:r>
-              <a:rPr lang="en-US" altLang="zh-CN" sz="1900" dirty="0" smtClean="0">
-                <a:effectLst/>
-              </a:rPr>
-              <a:t> </a:t>
-            </a:r>
-            <a:r>
-              <a:rPr lang="en-US" altLang="zh-CN" sz="1900" dirty="0">
-                <a:effectLst/>
-              </a:rPr>
-              <a:t>/ </a:t>
-            </a:r>
-            <a:r>
-              <a:rPr lang="zh-CN" altLang="en-US" sz="1900" dirty="0">
-                <a:effectLst/>
-              </a:rPr>
-              <a:t>好评</a:t>
-            </a:r>
-            <a:r>
-              <a:rPr lang="zh-CN" altLang="en-US" sz="1900" dirty="0" smtClean="0">
-                <a:effectLst/>
-              </a:rPr>
-              <a:t>率 </a:t>
-            </a:r>
-            <a:r>
-              <a:rPr lang="en-US" altLang="zh-CN" sz="1900" dirty="0" smtClean="0">
-                <a:effectLst/>
-              </a:rPr>
-              <a:t>/ </a:t>
-            </a:r>
-            <a:r>
-              <a:rPr lang="zh-CN" altLang="en-US" sz="1900" dirty="0" smtClean="0">
-                <a:effectLst/>
-              </a:rPr>
-              <a:t>部件概要描述</a:t>
+              <a:t>中</a:t>
             </a:r>
             <a:endParaRPr lang="en-US" altLang="zh-CN" sz="1900" dirty="0" smtClean="0">
               <a:effectLst/>
             </a:endParaRPr>
           </a:p>
           <a:p>
-            <a:r>
-              <a:rPr lang="en-US" altLang="zh-CN" sz="1900" dirty="0">
-                <a:effectLst/>
-              </a:rPr>
-              <a:t>	</a:t>
-            </a:r>
+            <a:endParaRPr lang="en-US" altLang="zh-CN" sz="1900" dirty="0">
+              <a:effectLst/>
+            </a:endParaRPr>
+          </a:p>
+          <a:p>
             <a:r>
               <a:rPr lang="en-US" altLang="zh-CN" sz="1900" dirty="0" smtClean="0">
                 <a:effectLst/>
               </a:rPr>
-              <a:t>	</a:t>
-            </a:r>
-            <a:r>
-              <a:rPr lang="zh-CN" altLang="en-US" sz="1900" dirty="0">
-                <a:effectLst/>
-              </a:rPr>
-              <a:t>差异</a:t>
+              <a:t>		</a:t>
+            </a:r>
+            <a:r>
+              <a:rPr lang="zh-CN" altLang="en-US" sz="1900" dirty="0" smtClean="0">
+                <a:effectLst/>
+              </a:rPr>
+              <a:t>抽象</a:t>
             </a:r>
             <a:r>
               <a:rPr lang="en-US" altLang="zh-CN" sz="1900" dirty="0" smtClean="0">
                 <a:effectLst/>
               </a:rPr>
-              <a:t>: </a:t>
+              <a:t>Builder</a:t>
             </a:r>
             <a:r>
               <a:rPr lang="zh-CN" altLang="en-US" sz="1900" dirty="0" smtClean="0">
                 <a:effectLst/>
               </a:rPr>
-              <a:t>各种内部部件</a:t>
+              <a:t>提供部件创建接口</a:t>
+            </a:r>
+            <a:endParaRPr lang="en-US" altLang="zh-CN" sz="1900" dirty="0">
+              <a:effectLst/>
+            </a:endParaRPr>
+          </a:p>
+          <a:p>
+            <a:r>
+              <a:rPr lang="en-US" altLang="zh-CN" sz="1900" dirty="0" smtClean="0">
+                <a:effectLst/>
+              </a:rPr>
+              <a:t>		</a:t>
+            </a:r>
+            <a:r>
+              <a:rPr lang="zh-CN" altLang="en-US" sz="1900" dirty="0" smtClean="0">
+                <a:effectLst/>
+              </a:rPr>
+              <a:t>具体</a:t>
+            </a:r>
+            <a:r>
+              <a:rPr lang="en-US" altLang="zh-CN" sz="1900" dirty="0" smtClean="0">
+                <a:effectLst/>
+              </a:rPr>
+              <a:t>Builder</a:t>
+            </a:r>
+            <a:r>
+              <a:rPr lang="zh-CN" altLang="en-US" sz="1900" dirty="0" smtClean="0">
+                <a:effectLst/>
+              </a:rPr>
+              <a:t>生产不同</a:t>
+            </a:r>
+            <a:r>
+              <a:rPr lang="en-US" altLang="zh-CN" sz="1900" dirty="0" smtClean="0">
+                <a:effectLst/>
+              </a:rPr>
+              <a:t>Computer</a:t>
+            </a:r>
+            <a:r>
+              <a:rPr lang="zh-CN" altLang="en-US" sz="1900" dirty="0" smtClean="0">
+                <a:effectLst/>
+              </a:rPr>
+              <a:t>的具体部件</a:t>
             </a:r>
             <a:endParaRPr lang="en-US" altLang="zh-CN" sz="1900" dirty="0" smtClean="0">
               <a:effectLst/>
@@ -17312,34 +17556,64 @@
           </a:p>
           <a:p>
             <a:r>
+              <a:rPr lang="en-US" altLang="zh-CN" sz="1900" dirty="0">
+                <a:effectLst/>
+              </a:rPr>
+              <a:t>	</a:t>
+            </a:r>
+            <a:r>
+              <a:rPr lang="zh-CN" altLang="en-US" sz="1900" dirty="0" smtClean="0">
+                <a:effectLst/>
+              </a:rPr>
+              <a:t>将</a:t>
+            </a:r>
+            <a:r>
               <a:rPr lang="en-US" altLang="zh-CN" sz="1900" dirty="0" smtClean="0">
                 <a:effectLst/>
               </a:rPr>
-              <a:t>	Computer</a:t>
-            </a:r>
-            <a:r>
-              <a:rPr lang="zh-CN" altLang="en-US" sz="1900" dirty="0">
-                <a:effectLst/>
-              </a:rPr>
-              <a:t>本身也</a:t>
+              <a:t>Computer</a:t>
             </a:r>
             <a:r>
               <a:rPr lang="zh-CN" altLang="en-US" sz="1900" dirty="0" smtClean="0">
                 <a:effectLst/>
               </a:rPr>
-              <a:t>存在个体差异</a:t>
-            </a:r>
-            <a:r>
-              <a:rPr lang="zh-CN" altLang="en-US" sz="1900" dirty="0">
-                <a:effectLst/>
-              </a:rPr>
-              <a:t>（</a:t>
+              <a:t>组装各个部件的流程算法分离到导向器</a:t>
+            </a:r>
+            <a:r>
+              <a:rPr lang="en-US" altLang="zh-CN" sz="1900" dirty="0" smtClean="0">
+                <a:effectLst/>
+              </a:rPr>
+              <a:t>(Director)</a:t>
             </a:r>
             <a:r>
               <a:rPr lang="zh-CN" altLang="en-US" sz="1900" dirty="0" smtClean="0">
                 <a:effectLst/>
               </a:rPr>
-              <a:t>赠品、促销价）</a:t>
+              <a:t>中</a:t>
+            </a:r>
+            <a:r>
+              <a:rPr lang="en-US" altLang="zh-CN" sz="1900" dirty="0" smtClean="0">
+                <a:effectLst/>
+              </a:rPr>
+              <a:t>, </a:t>
+            </a:r>
+            <a:r>
+              <a:rPr lang="zh-CN" altLang="en-US" sz="1900" dirty="0" smtClean="0">
+                <a:effectLst/>
+              </a:rPr>
+              <a:t>提供</a:t>
+            </a:r>
+            <a:r>
+              <a:rPr lang="en-US" altLang="zh-CN" sz="1900" dirty="0">
+                <a:effectLst/>
+              </a:rPr>
+              <a:t>Construct</a:t>
+            </a:r>
+            <a:r>
+              <a:rPr lang="zh-CN" altLang="en-US" sz="1900" dirty="0" smtClean="0">
+                <a:effectLst/>
+              </a:rPr>
+              <a:t>方法</a:t>
             </a:r>
             <a:endParaRPr lang="en-US" altLang="zh-CN" sz="1900" dirty="0" smtClean="0">
               <a:effectLst/>
@@ -17355,13 +17629,49 @@
               <a:rPr lang="en-US" altLang="zh-CN" sz="1900" dirty="0" smtClean="0">
                 <a:effectLst/>
               </a:rPr>
-              <a:t>	Computer</a:t>
+              <a:t>	</a:t>
             </a:r>
             <a:r>
               <a:rPr lang="zh-CN" altLang="en-US" sz="1900" dirty="0" smtClean="0">
                 <a:effectLst/>
               </a:rPr>
-              <a:t>各个部件将因需求变化而剧烈变化</a:t>
+              <a:t>导向器</a:t>
+            </a:r>
+            <a:r>
+              <a:rPr lang="en-US" altLang="zh-CN" sz="1900" dirty="0" smtClean="0">
+                <a:effectLst/>
+              </a:rPr>
+              <a:t>(Director)</a:t>
+            </a:r>
+            <a:r>
+              <a:rPr lang="zh-CN" altLang="en-US" sz="1900" dirty="0" smtClean="0">
+                <a:effectLst/>
+              </a:rPr>
+              <a:t>依赖抽象的生产器</a:t>
+            </a:r>
+            <a:r>
+              <a:rPr lang="en-US" altLang="zh-CN" sz="1900" dirty="0" smtClean="0">
+                <a:effectLst/>
+              </a:rPr>
+              <a:t>(Builder), </a:t>
+            </a:r>
+            <a:r>
+              <a:rPr lang="zh-CN" altLang="en-US" sz="1900" dirty="0" smtClean="0">
+                <a:effectLst/>
+              </a:rPr>
+              <a:t>通过</a:t>
+            </a:r>
+            <a:r>
+              <a:rPr lang="en-US" altLang="zh-CN" sz="1900" dirty="0" smtClean="0">
+                <a:effectLst/>
+              </a:rPr>
+              <a:t>Builder</a:t>
+            </a:r>
+            <a:r>
+              <a:rPr lang="zh-CN" altLang="en-US" sz="1900" dirty="0" smtClean="0">
+                <a:effectLst/>
+              </a:rPr>
+              <a:t>控制组装细节</a:t>
             </a:r>
             <a:endParaRPr lang="en-US" altLang="zh-CN" sz="1900" dirty="0" smtClean="0">
               <a:effectLst/>
@@ -17374,346 +17684,28 @@
           </a:p>
           <a:p>
             <a:r>
+              <a:rPr lang="en-US" altLang="zh-CN" sz="1900" dirty="0" smtClean="0">
+                <a:effectLst/>
+              </a:rPr>
+              <a:t>	</a:t>
+            </a:r>
+            <a:r>
+              <a:rPr lang="zh-CN" altLang="en-US" sz="1900" dirty="0">
+                <a:effectLst/>
+              </a:rPr>
+              <a:t>无法抽象</a:t>
+            </a:r>
+            <a:r>
               <a:rPr lang="en-US" altLang="zh-CN" sz="1900" dirty="0">
                 <a:effectLst/>
               </a:rPr>
-              <a:t>	</a:t>
-            </a:r>
-            <a:r>
-              <a:rPr lang="en-US" altLang="zh-CN" sz="1900" dirty="0" smtClean="0">
-                <a:effectLst/>
-              </a:rPr>
               <a:t>Computer</a:t>
             </a:r>
             <a:r>
-              <a:rPr lang="zh-CN" altLang="en-US" sz="1900" dirty="0" smtClean="0">
-                <a:effectLst/>
-              </a:rPr>
-              <a:t>组装各个部件</a:t>
-            </a:r>
-            <a:r>
               <a:rPr lang="zh-CN" altLang="en-US" sz="1900" dirty="0">
                 <a:effectLst/>
               </a:rPr>
-              <a:t>的算法相对</a:t>
-            </a:r>
-            <a:r>
-              <a:rPr lang="zh-CN" altLang="en-US" sz="1900" dirty="0" smtClean="0">
-                <a:effectLst/>
-              </a:rPr>
-              <a:t>稳定</a:t>
-            </a:r>
-            <a:r>
-              <a:rPr lang="en-US" altLang="zh-CN" sz="1900" dirty="0">
-                <a:effectLst/>
-              </a:rPr>
-              <a:t>: BuildCPU() / BuildMemory() / BuildGraphicCard</a:t>
-            </a:r>
-            <a:r>
-              <a:rPr lang="en-US" altLang="zh-CN" sz="1900" dirty="0" smtClean="0">
-                <a:effectLst/>
-              </a:rPr>
-              <a:t>()…</a:t>
-            </a:r>
-          </a:p>
-          <a:p>
-            <a:endParaRPr lang="en-US" altLang="zh-CN" sz="1900" dirty="0">
-              <a:effectLst/>
-            </a:endParaRPr>
-          </a:p>
-          <a:p>
-            <a:r>
-              <a:rPr lang="zh-CN" altLang="en-US" sz="2700" b="1" dirty="0">
-                <a:effectLst/>
-              </a:rPr>
-              <a:t>设计：</a:t>
-            </a:r>
-            <a:r>
-              <a:rPr lang="en-US" altLang="zh-CN" sz="2600" dirty="0">
-                <a:effectLst/>
-              </a:rPr>
-              <a:t>	</a:t>
-            </a:r>
-          </a:p>
-          <a:p>
-            <a:r>
-              <a:rPr lang="en-US" altLang="zh-CN" sz="1900" dirty="0">
-                <a:effectLst/>
-              </a:rPr>
-              <a:t>	</a:t>
-            </a:r>
-            <a:r>
-              <a:rPr lang="zh-CN" altLang="en-US" sz="1900" dirty="0" smtClean="0">
-                <a:effectLst/>
-              </a:rPr>
-              <a:t>无法抽象</a:t>
-            </a:r>
-            <a:r>
-              <a:rPr lang="en-US" altLang="zh-CN" sz="1900" dirty="0" smtClean="0">
-                <a:effectLst/>
-              </a:rPr>
-              <a:t>Computer</a:t>
-            </a:r>
-            <a:r>
-              <a:rPr lang="zh-CN" altLang="en-US" sz="1900" dirty="0" smtClean="0">
-                <a:effectLst/>
-              </a:rPr>
               <a:t>及其内部部件</a:t>
-            </a:r>
-            <a:endParaRPr lang="en-US" altLang="zh-CN" sz="1900" dirty="0" smtClean="0">
-              <a:effectLst/>
-            </a:endParaRPr>
-          </a:p>
-          <a:p>
-            <a:endParaRPr lang="en-US" altLang="zh-CN" sz="1900" dirty="0">
-              <a:effectLst/>
-            </a:endParaRPr>
-          </a:p>
-          <a:p>
-            <a:r>
-              <a:rPr lang="en-US" altLang="zh-CN" sz="1900" dirty="0" smtClean="0">
-                <a:effectLst/>
-              </a:rPr>
-              <a:t>	</a:t>
-            </a:r>
-            <a:r>
-              <a:rPr lang="zh-CN" altLang="en-US" sz="1900" dirty="0">
-                <a:effectLst/>
-              </a:rPr>
-              <a:t>将</a:t>
-            </a:r>
-            <a:r>
-              <a:rPr lang="en-US" altLang="zh-CN" sz="1900" dirty="0" smtClean="0">
-                <a:effectLst/>
-              </a:rPr>
-              <a:t>Computer</a:t>
-            </a:r>
-            <a:r>
-              <a:rPr lang="zh-CN" altLang="en-US" sz="1900" dirty="0">
-                <a:effectLst/>
-              </a:rPr>
-              <a:t>创建</a:t>
-            </a:r>
-            <a:r>
-              <a:rPr lang="zh-CN" altLang="en-US" sz="1900" dirty="0" smtClean="0">
-                <a:effectLst/>
-              </a:rPr>
-              <a:t>各个部件的逻辑放至生产器</a:t>
-            </a:r>
-            <a:r>
-              <a:rPr lang="en-US" altLang="zh-CN" sz="1900" dirty="0" smtClean="0">
-                <a:effectLst/>
-              </a:rPr>
-              <a:t>(Builder)</a:t>
-            </a:r>
-            <a:r>
-              <a:rPr lang="zh-CN" altLang="en-US" sz="1900" dirty="0" smtClean="0">
-                <a:effectLst/>
-              </a:rPr>
-              <a:t>中</a:t>
-            </a:r>
-            <a:endParaRPr lang="en-US" altLang="zh-CN" sz="1900" dirty="0" smtClean="0">
-              <a:effectLst/>
-            </a:endParaRPr>
-          </a:p>
-          <a:p>
-            <a:endParaRPr lang="en-US" altLang="zh-CN" sz="1900" dirty="0">
-              <a:effectLst/>
-            </a:endParaRPr>
-          </a:p>
-          <a:p>
-            <a:r>
-              <a:rPr lang="en-US" altLang="zh-CN" sz="1900" dirty="0" smtClean="0">
-                <a:effectLst/>
-              </a:rPr>
-              <a:t>		</a:t>
-            </a:r>
-            <a:r>
-              <a:rPr lang="zh-CN" altLang="en-US" sz="1900" dirty="0" smtClean="0">
-                <a:effectLst/>
-              </a:rPr>
-              <a:t>抽象</a:t>
-            </a:r>
-            <a:r>
-              <a:rPr lang="en-US" altLang="zh-CN" sz="1900" dirty="0" smtClean="0">
-                <a:effectLst/>
-              </a:rPr>
-              <a:t>Builder</a:t>
-            </a:r>
-            <a:r>
-              <a:rPr lang="zh-CN" altLang="en-US" sz="1900" dirty="0" smtClean="0">
-                <a:effectLst/>
-              </a:rPr>
-              <a:t>提供部件创建接口</a:t>
-            </a:r>
-            <a:endParaRPr lang="en-US" altLang="zh-CN" sz="1900" dirty="0">
-              <a:effectLst/>
-            </a:endParaRPr>
-          </a:p>
-          <a:p>
-            <a:r>
-              <a:rPr lang="en-US" altLang="zh-CN" sz="1900" dirty="0" smtClean="0">
-                <a:effectLst/>
-              </a:rPr>
-              <a:t>		</a:t>
-            </a:r>
-            <a:r>
-              <a:rPr lang="zh-CN" altLang="en-US" sz="1900" dirty="0" smtClean="0">
-                <a:effectLst/>
-              </a:rPr>
-              <a:t>具体</a:t>
-            </a:r>
-            <a:r>
-              <a:rPr lang="en-US" altLang="zh-CN" sz="1900" dirty="0" smtClean="0">
-                <a:effectLst/>
-              </a:rPr>
-              <a:t>Builder</a:t>
-            </a:r>
-            <a:r>
-              <a:rPr lang="zh-CN" altLang="en-US" sz="1900" dirty="0" smtClean="0">
-                <a:effectLst/>
-              </a:rPr>
-              <a:t>生产不同</a:t>
-            </a:r>
-            <a:r>
-              <a:rPr lang="en-US" altLang="zh-CN" sz="1900" dirty="0" smtClean="0">
-                <a:effectLst/>
-              </a:rPr>
-              <a:t>Computer</a:t>
-            </a:r>
-            <a:r>
-              <a:rPr lang="zh-CN" altLang="en-US" sz="1900" dirty="0" smtClean="0">
-                <a:effectLst/>
-              </a:rPr>
-              <a:t>的具体部件</a:t>
-            </a:r>
-            <a:endParaRPr lang="en-US" altLang="zh-CN" sz="1900" dirty="0" smtClean="0">
-              <a:effectLst/>
-            </a:endParaRPr>
-          </a:p>
-          <a:p>
-            <a:endParaRPr lang="en-US" altLang="zh-CN" sz="1900" dirty="0" smtClean="0">
-              <a:effectLst/>
-            </a:endParaRPr>
-          </a:p>
-          <a:p>
-            <a:r>
-              <a:rPr lang="en-US" altLang="zh-CN" sz="1900" dirty="0">
-                <a:effectLst/>
-              </a:rPr>
-              <a:t>	</a:t>
-            </a:r>
-            <a:r>
-              <a:rPr lang="zh-CN" altLang="en-US" sz="1900" dirty="0" smtClean="0">
-                <a:effectLst/>
-              </a:rPr>
-              <a:t>将</a:t>
-            </a:r>
-            <a:r>
-              <a:rPr lang="en-US" altLang="zh-CN" sz="1900" dirty="0" smtClean="0">
-                <a:effectLst/>
-              </a:rPr>
-              <a:t>Computer</a:t>
-            </a:r>
-            <a:r>
-              <a:rPr lang="zh-CN" altLang="en-US" sz="1900" dirty="0" smtClean="0">
-                <a:effectLst/>
-              </a:rPr>
-              <a:t>组装各个部件的流程算法分离到导向器</a:t>
-            </a:r>
-            <a:r>
-              <a:rPr lang="en-US" altLang="zh-CN" sz="1900" dirty="0" smtClean="0">
-                <a:effectLst/>
-              </a:rPr>
-              <a:t>(Director)</a:t>
-            </a:r>
-            <a:r>
-              <a:rPr lang="zh-CN" altLang="en-US" sz="1900" dirty="0" smtClean="0">
-                <a:effectLst/>
-              </a:rPr>
-              <a:t>中</a:t>
-            </a:r>
-            <a:r>
-              <a:rPr lang="en-US" altLang="zh-CN" sz="1900" dirty="0" smtClean="0">
-                <a:effectLst/>
-              </a:rPr>
-              <a:t>, </a:t>
-            </a:r>
-            <a:r>
-              <a:rPr lang="zh-CN" altLang="en-US" sz="1900" dirty="0" smtClean="0">
-                <a:effectLst/>
-              </a:rPr>
-              <a:t>提供</a:t>
-            </a:r>
-            <a:r>
-              <a:rPr lang="en-US" altLang="zh-CN" sz="1900" dirty="0">
-                <a:effectLst/>
-              </a:rPr>
-              <a:t>Construct</a:t>
-            </a:r>
-            <a:r>
-              <a:rPr lang="zh-CN" altLang="en-US" sz="1900" dirty="0" smtClean="0">
-                <a:effectLst/>
-              </a:rPr>
-              <a:t>方法</a:t>
-            </a:r>
-            <a:endParaRPr lang="en-US" altLang="zh-CN" sz="1900" dirty="0" smtClean="0">
-              <a:effectLst/>
-            </a:endParaRPr>
-          </a:p>
-          <a:p>
-            <a:endParaRPr lang="en-US" altLang="zh-CN" sz="1900" dirty="0">
-              <a:effectLst/>
-            </a:endParaRPr>
-          </a:p>
-          <a:p>
-            <a:r>
-              <a:rPr lang="en-US" altLang="zh-CN" sz="1900" dirty="0" smtClean="0">
-                <a:effectLst/>
-              </a:rPr>
-              <a:t>	</a:t>
-            </a:r>
-            <a:r>
-              <a:rPr lang="zh-CN" altLang="en-US" sz="1900" dirty="0" smtClean="0">
-                <a:effectLst/>
-              </a:rPr>
-              <a:t>导向器</a:t>
-            </a:r>
-            <a:r>
-              <a:rPr lang="en-US" altLang="zh-CN" sz="1900" dirty="0" smtClean="0">
-                <a:effectLst/>
-              </a:rPr>
-              <a:t>(Director)</a:t>
-            </a:r>
-            <a:r>
-              <a:rPr lang="zh-CN" altLang="en-US" sz="1900" dirty="0" smtClean="0">
-                <a:effectLst/>
-              </a:rPr>
-              <a:t>依赖抽象的生产器</a:t>
-            </a:r>
-            <a:r>
-              <a:rPr lang="en-US" altLang="zh-CN" sz="1900" dirty="0" smtClean="0">
-                <a:effectLst/>
-              </a:rPr>
-              <a:t>(Builder), </a:t>
-            </a:r>
-            <a:r>
-              <a:rPr lang="zh-CN" altLang="en-US" sz="1900" dirty="0" smtClean="0">
-                <a:effectLst/>
-              </a:rPr>
-              <a:t>通过</a:t>
-            </a:r>
-            <a:r>
-              <a:rPr lang="en-US" altLang="zh-CN" sz="1900" dirty="0" smtClean="0">
-                <a:effectLst/>
-              </a:rPr>
-              <a:t>Builder</a:t>
-            </a:r>
-            <a:r>
-              <a:rPr lang="zh-CN" altLang="en-US" sz="1900" dirty="0" smtClean="0">
-                <a:effectLst/>
-              </a:rPr>
-              <a:t>控制组装细节</a:t>
             </a:r>
             <a:endParaRPr lang="en-US" altLang="zh-CN" sz="1900" dirty="0" smtClean="0">
               <a:effectLst/>

--- a/_Doc/DesignPattern.P2.Creational(Builder).pptx
+++ b/_Doc/DesignPattern.P2.Creational(Builder).pptx
@@ -5,7 +5,7 @@
     <p:sldMasterId id="2147483648" r:id="rId1"/>
   </p:sldMasterIdLst>
   <p:notesMasterIdLst>
-    <p:notesMasterId r:id="rId23"/>
+    <p:notesMasterId r:id="rId25"/>
   </p:notesMasterIdLst>
   <p:sldIdLst>
     <p:sldId id="256" r:id="rId2"/>
@@ -26,9 +26,11 @@
     <p:sldId id="325" r:id="rId17"/>
     <p:sldId id="333" r:id="rId18"/>
     <p:sldId id="315" r:id="rId19"/>
-    <p:sldId id="292" r:id="rId20"/>
-    <p:sldId id="309" r:id="rId21"/>
-    <p:sldId id="281" r:id="rId22"/>
+    <p:sldId id="334" r:id="rId20"/>
+    <p:sldId id="335" r:id="rId21"/>
+    <p:sldId id="292" r:id="rId22"/>
+    <p:sldId id="309" r:id="rId23"/>
+    <p:sldId id="281" r:id="rId24"/>
   </p:sldIdLst>
   <p:sldSz cx="9144000" cy="6858000" type="screen4x3"/>
   <p:notesSz cx="6858000" cy="9144000"/>
@@ -212,7 +214,7 @@
           <a:p>
             <a:fld id="{E18479FA-1253-41AA-8ABD-DCCC0F2E9FAF}" type="datetimeFigureOut">
               <a:rPr lang="en-US" smtClean="0"/>
-              <a:t>5/13/2015</a:t>
+              <a:t>8/14/2015</a:t>
             </a:fld>
             <a:endParaRPr lang="en-US"/>
           </a:p>
@@ -1126,7 +1128,7 @@
           <a:p>
             <a:fld id="{530820CF-B880-4189-942D-D702A7CBA730}" type="datetimeFigureOut">
               <a:rPr lang="zh-CN" altLang="en-US" smtClean="0"/>
-              <a:t>2015/5/13</a:t>
+              <a:t>2015/8/14</a:t>
             </a:fld>
             <a:endParaRPr lang="zh-CN" altLang="en-US"/>
           </a:p>
@@ -1291,7 +1293,7 @@
           <a:p>
             <a:fld id="{530820CF-B880-4189-942D-D702A7CBA730}" type="datetimeFigureOut">
               <a:rPr lang="zh-CN" altLang="en-US" smtClean="0"/>
-              <a:t>2015/5/13</a:t>
+              <a:t>2015/8/14</a:t>
             </a:fld>
             <a:endParaRPr lang="zh-CN" altLang="en-US"/>
           </a:p>
@@ -1466,7 +1468,7 @@
           <a:p>
             <a:fld id="{530820CF-B880-4189-942D-D702A7CBA730}" type="datetimeFigureOut">
               <a:rPr lang="zh-CN" altLang="en-US" smtClean="0"/>
-              <a:t>2015/5/13</a:t>
+              <a:t>2015/8/14</a:t>
             </a:fld>
             <a:endParaRPr lang="zh-CN" altLang="en-US"/>
           </a:p>
@@ -1631,7 +1633,7 @@
           <a:p>
             <a:fld id="{530820CF-B880-4189-942D-D702A7CBA730}" type="datetimeFigureOut">
               <a:rPr lang="zh-CN" altLang="en-US" smtClean="0"/>
-              <a:t>2015/5/13</a:t>
+              <a:t>2015/8/14</a:t>
             </a:fld>
             <a:endParaRPr lang="zh-CN" altLang="en-US"/>
           </a:p>
@@ -1872,7 +1874,7 @@
           <a:p>
             <a:fld id="{530820CF-B880-4189-942D-D702A7CBA730}" type="datetimeFigureOut">
               <a:rPr lang="zh-CN" altLang="en-US" smtClean="0"/>
-              <a:t>2015/5/13</a:t>
+              <a:t>2015/8/14</a:t>
             </a:fld>
             <a:endParaRPr lang="zh-CN" altLang="en-US"/>
           </a:p>
@@ -2155,7 +2157,7 @@
           <a:p>
             <a:fld id="{530820CF-B880-4189-942D-D702A7CBA730}" type="datetimeFigureOut">
               <a:rPr lang="zh-CN" altLang="en-US" smtClean="0"/>
-              <a:t>2015/5/13</a:t>
+              <a:t>2015/8/14</a:t>
             </a:fld>
             <a:endParaRPr lang="zh-CN" altLang="en-US"/>
           </a:p>
@@ -2572,7 +2574,7 @@
           <a:p>
             <a:fld id="{530820CF-B880-4189-942D-D702A7CBA730}" type="datetimeFigureOut">
               <a:rPr lang="zh-CN" altLang="en-US" smtClean="0"/>
-              <a:t>2015/5/13</a:t>
+              <a:t>2015/8/14</a:t>
             </a:fld>
             <a:endParaRPr lang="zh-CN" altLang="en-US"/>
           </a:p>
@@ -2685,7 +2687,7 @@
           <a:p>
             <a:fld id="{530820CF-B880-4189-942D-D702A7CBA730}" type="datetimeFigureOut">
               <a:rPr lang="zh-CN" altLang="en-US" smtClean="0"/>
-              <a:t>2015/5/13</a:t>
+              <a:t>2015/8/14</a:t>
             </a:fld>
             <a:endParaRPr lang="zh-CN" altLang="en-US"/>
           </a:p>
@@ -2775,7 +2777,7 @@
           <a:p>
             <a:fld id="{530820CF-B880-4189-942D-D702A7CBA730}" type="datetimeFigureOut">
               <a:rPr lang="zh-CN" altLang="en-US" smtClean="0"/>
-              <a:t>2015/5/13</a:t>
+              <a:t>2015/8/14</a:t>
             </a:fld>
             <a:endParaRPr lang="zh-CN" altLang="en-US"/>
           </a:p>
@@ -3047,7 +3049,7 @@
           <a:p>
             <a:fld id="{530820CF-B880-4189-942D-D702A7CBA730}" type="datetimeFigureOut">
               <a:rPr lang="zh-CN" altLang="en-US" smtClean="0"/>
-              <a:t>2015/5/13</a:t>
+              <a:t>2015/8/14</a:t>
             </a:fld>
             <a:endParaRPr lang="zh-CN" altLang="en-US"/>
           </a:p>
@@ -3295,7 +3297,7 @@
           <a:p>
             <a:fld id="{530820CF-B880-4189-942D-D702A7CBA730}" type="datetimeFigureOut">
               <a:rPr lang="zh-CN" altLang="en-US" smtClean="0"/>
-              <a:t>2015/5/13</a:t>
+              <a:t>2015/8/14</a:t>
             </a:fld>
             <a:endParaRPr lang="zh-CN" altLang="en-US"/>
           </a:p>
@@ -3503,7 +3505,7 @@
           <a:p>
             <a:fld id="{530820CF-B880-4189-942D-D702A7CBA730}" type="datetimeFigureOut">
               <a:rPr lang="zh-CN" altLang="en-US" smtClean="0"/>
-              <a:t>2015/5/13</a:t>
+              <a:t>2015/8/14</a:t>
             </a:fld>
             <a:endParaRPr lang="zh-CN" altLang="en-US"/>
           </a:p>
@@ -10815,7 +10817,47 @@
                   <a:schemeClr val="accent4"/>
                 </a:solidFill>
               </a:rPr>
-              <a:t>TextConverter</a:t>
+              <a:t>TextConverter(ASCII</a:t>
+            </a:r>
+            <a:r>
+              <a:rPr lang="en-US" altLang="zh-CN" sz="1400" dirty="0">
+                <a:solidFill>
+                  <a:schemeClr val="accent4"/>
+                </a:solidFill>
+              </a:rPr>
+              <a:t>Converter</a:t>
+            </a:r>
+            <a:r>
+              <a:rPr lang="en-US" altLang="zh-CN" sz="1400" dirty="0" smtClean="0">
+                <a:solidFill>
+                  <a:schemeClr val="accent4"/>
+                </a:solidFill>
+              </a:rPr>
+              <a:t>, TeX</a:t>
+            </a:r>
+            <a:r>
+              <a:rPr lang="en-US" altLang="zh-CN" sz="1400" dirty="0">
+                <a:solidFill>
+                  <a:schemeClr val="accent4"/>
+                </a:solidFill>
+              </a:rPr>
+              <a:t>Converter</a:t>
+            </a:r>
+            <a:r>
+              <a:rPr lang="en-US" altLang="zh-CN" sz="1400" dirty="0" smtClean="0">
+                <a:solidFill>
+                  <a:schemeClr val="accent4"/>
+                </a:solidFill>
+              </a:rPr>
+              <a:t>, TextWidget</a:t>
+            </a:r>
+            <a:r>
+              <a:rPr lang="en-US" altLang="zh-CN" sz="1400" dirty="0">
+                <a:solidFill>
+                  <a:schemeClr val="accent4"/>
+                </a:solidFill>
+              </a:rPr>
+              <a:t>Converter)</a:t>
             </a:r>
             <a:endParaRPr lang="en-US" altLang="zh-CN" sz="1400" dirty="0">
               <a:solidFill>
@@ -11084,756 +11126,7 @@
       </p:grpSpPr>
       <p:sp>
         <p:nvSpPr>
-          <p:cNvPr id="2" name="矩形 1"/>
-          <p:cNvSpPr/>
-          <p:nvPr/>
-        </p:nvSpPr>
-        <p:spPr>
-          <a:xfrm>
-            <a:off x="827584" y="1412776"/>
-            <a:ext cx="7632848" cy="5170646"/>
-          </a:xfrm>
-          <a:prstGeom prst="rect">
-            <a:avLst/>
-          </a:prstGeom>
-        </p:spPr>
-        <p:txBody>
-          <a:bodyPr wrap="square">
-            <a:spAutoFit/>
-          </a:bodyPr>
-          <a:lstStyle/>
-          <a:p>
-            <a:r>
-              <a:rPr lang="zh-CN" altLang="en-US" b="1" spc="50" dirty="0">
-                <a:ln w="12700">
-                  <a:noFill/>
-                  <a:prstDash val="solid"/>
-                </a:ln>
-                <a:solidFill>
-                  <a:schemeClr val="accent4"/>
-                </a:solidFill>
-                <a:effectLst>
-                  <a:outerShdw blurRad="38100" dist="38100" dir="2700000" algn="tl">
-                    <a:srgbClr val="000000">
-                      <a:alpha val="43137"/>
-                    </a:srgbClr>
-                  </a:outerShdw>
-                </a:effectLst>
-                <a:latin typeface="+mj-lt"/>
-                <a:ea typeface="+mj-ea"/>
-                <a:cs typeface="+mj-cs"/>
-              </a:rPr>
-              <a:t>共性</a:t>
-            </a:r>
-            <a:r>
-              <a:rPr lang="zh-CN" altLang="en-US" b="1" spc="50" dirty="0" smtClean="0">
-                <a:ln w="12700">
-                  <a:noFill/>
-                  <a:prstDash val="solid"/>
-                </a:ln>
-                <a:solidFill>
-                  <a:schemeClr val="accent4"/>
-                </a:solidFill>
-                <a:effectLst>
-                  <a:outerShdw blurRad="38100" dist="38100" dir="2700000" algn="tl">
-                    <a:srgbClr val="000000">
-                      <a:alpha val="43137"/>
-                    </a:srgbClr>
-                  </a:outerShdw>
-                </a:effectLst>
-                <a:latin typeface="+mj-lt"/>
-                <a:ea typeface="+mj-ea"/>
-                <a:cs typeface="+mj-cs"/>
-              </a:rPr>
-              <a:t>：</a:t>
-            </a:r>
-            <a:endParaRPr lang="en-US" altLang="zh-CN" sz="1400" dirty="0" smtClean="0">
-              <a:solidFill>
-                <a:schemeClr val="accent4"/>
-              </a:solidFill>
-            </a:endParaRPr>
-          </a:p>
-          <a:p>
-            <a:r>
-              <a:rPr lang="en-US" altLang="zh-CN" sz="1400" dirty="0">
-                <a:solidFill>
-                  <a:schemeClr val="accent4"/>
-                </a:solidFill>
-              </a:rPr>
-              <a:t>	</a:t>
-            </a:r>
-            <a:r>
-              <a:rPr lang="zh-CN" altLang="en-US" sz="1400" dirty="0" smtClean="0">
-                <a:solidFill>
-                  <a:schemeClr val="accent4"/>
-                </a:solidFill>
-              </a:rPr>
-              <a:t>创建型，封装了对象的创建</a:t>
-            </a:r>
-            <a:endParaRPr lang="en-US" altLang="zh-CN" sz="1400" dirty="0" smtClean="0">
-              <a:solidFill>
-                <a:schemeClr val="accent4"/>
-              </a:solidFill>
-            </a:endParaRPr>
-          </a:p>
-          <a:p>
-            <a:r>
-              <a:rPr lang="en-US" altLang="zh-CN" sz="1400" dirty="0">
-                <a:solidFill>
-                  <a:schemeClr val="accent4"/>
-                </a:solidFill>
-              </a:rPr>
-              <a:t>	</a:t>
-            </a:r>
-            <a:r>
-              <a:rPr lang="zh-CN" altLang="en-US" sz="1400" dirty="0" smtClean="0">
-                <a:solidFill>
-                  <a:schemeClr val="accent4"/>
-                </a:solidFill>
-              </a:rPr>
-              <a:t>支持扩展产品</a:t>
-            </a:r>
-            <a:r>
-              <a:rPr lang="en-US" altLang="zh-CN" sz="1400" dirty="0">
-                <a:solidFill>
-                  <a:schemeClr val="accent4"/>
-                </a:solidFill>
-              </a:rPr>
-              <a:t> </a:t>
-            </a:r>
-            <a:r>
-              <a:rPr lang="en-US" altLang="zh-CN" sz="1400" dirty="0" smtClean="0">
-                <a:solidFill>
-                  <a:schemeClr val="accent4"/>
-                </a:solidFill>
-              </a:rPr>
-              <a:t>/ </a:t>
-            </a:r>
-            <a:r>
-              <a:rPr lang="zh-CN" altLang="en-US" sz="1400" dirty="0" smtClean="0">
-                <a:solidFill>
-                  <a:schemeClr val="accent4"/>
-                </a:solidFill>
-              </a:rPr>
-              <a:t>产品系列</a:t>
-            </a:r>
-            <a:endParaRPr lang="en-US" altLang="zh-CN" sz="1400" dirty="0" smtClean="0">
-              <a:solidFill>
-                <a:schemeClr val="accent4"/>
-              </a:solidFill>
-            </a:endParaRPr>
-          </a:p>
-          <a:p>
-            <a:endParaRPr lang="zh-CN" altLang="en-US" sz="1400" dirty="0">
-              <a:solidFill>
-                <a:schemeClr val="accent4"/>
-              </a:solidFill>
-            </a:endParaRPr>
-          </a:p>
-          <a:p>
-            <a:r>
-              <a:rPr lang="zh-CN" altLang="en-US" b="1" spc="50" dirty="0">
-                <a:ln w="12700">
-                  <a:noFill/>
-                  <a:prstDash val="solid"/>
-                </a:ln>
-                <a:solidFill>
-                  <a:schemeClr val="accent4"/>
-                </a:solidFill>
-                <a:effectLst>
-                  <a:outerShdw blurRad="38100" dist="38100" dir="2700000" algn="tl">
-                    <a:srgbClr val="000000">
-                      <a:alpha val="43137"/>
-                    </a:srgbClr>
-                  </a:outerShdw>
-                </a:effectLst>
-                <a:latin typeface="+mj-lt"/>
-                <a:ea typeface="+mj-ea"/>
-                <a:cs typeface="+mj-cs"/>
-              </a:rPr>
-              <a:t>差异</a:t>
-            </a:r>
-            <a:r>
-              <a:rPr lang="zh-CN" altLang="en-US" b="1" spc="50" dirty="0" smtClean="0">
-                <a:ln w="12700">
-                  <a:noFill/>
-                  <a:prstDash val="solid"/>
-                </a:ln>
-                <a:solidFill>
-                  <a:schemeClr val="accent4"/>
-                </a:solidFill>
-                <a:effectLst>
-                  <a:outerShdw blurRad="38100" dist="38100" dir="2700000" algn="tl">
-                    <a:srgbClr val="000000">
-                      <a:alpha val="43137"/>
-                    </a:srgbClr>
-                  </a:outerShdw>
-                </a:effectLst>
-                <a:latin typeface="+mj-lt"/>
-                <a:ea typeface="+mj-ea"/>
-                <a:cs typeface="+mj-cs"/>
-              </a:rPr>
-              <a:t>：</a:t>
-            </a:r>
-            <a:endParaRPr lang="en-US" altLang="zh-CN" sz="1400" dirty="0" smtClean="0">
-              <a:solidFill>
-                <a:schemeClr val="accent4"/>
-              </a:solidFill>
-            </a:endParaRPr>
-          </a:p>
-          <a:p>
-            <a:r>
-              <a:rPr lang="en-US" altLang="zh-CN" sz="1400" dirty="0">
-                <a:solidFill>
-                  <a:schemeClr val="accent4"/>
-                </a:solidFill>
-              </a:rPr>
-              <a:t>	</a:t>
-            </a:r>
-            <a:r>
-              <a:rPr lang="en-US" altLang="zh-CN" sz="1400" b="1" dirty="0" smtClean="0">
-                <a:solidFill>
-                  <a:schemeClr val="accent4"/>
-                </a:solidFill>
-              </a:rPr>
-              <a:t>Factory Method</a:t>
-            </a:r>
-            <a:br>
-              <a:rPr lang="en-US" altLang="zh-CN" sz="1400" b="1" dirty="0" smtClean="0">
-                <a:solidFill>
-                  <a:schemeClr val="accent4"/>
-                </a:solidFill>
-              </a:rPr>
-            </a:br>
-            <a:endParaRPr lang="en-US" altLang="zh-CN" sz="1400" b="1" dirty="0" smtClean="0">
-              <a:solidFill>
-                <a:schemeClr val="accent4"/>
-              </a:solidFill>
-            </a:endParaRPr>
-          </a:p>
-          <a:p>
-            <a:r>
-              <a:rPr lang="en-US" altLang="zh-CN" sz="1400" dirty="0">
-                <a:solidFill>
-                  <a:schemeClr val="accent4"/>
-                </a:solidFill>
-              </a:rPr>
-              <a:t>	  </a:t>
-            </a:r>
-            <a:r>
-              <a:rPr lang="en-US" altLang="zh-CN" sz="1400" dirty="0" smtClean="0">
-                <a:solidFill>
-                  <a:schemeClr val="accent4"/>
-                </a:solidFill>
-              </a:rPr>
-              <a:t>   - </a:t>
-            </a:r>
-            <a:r>
-              <a:rPr lang="zh-CN" altLang="en-US" sz="1400" dirty="0" smtClean="0">
-                <a:solidFill>
-                  <a:schemeClr val="accent4"/>
-                </a:solidFill>
-              </a:rPr>
-              <a:t>强调</a:t>
-            </a:r>
-            <a:r>
-              <a:rPr lang="zh-CN" altLang="en-US" sz="1400" dirty="0">
-                <a:solidFill>
-                  <a:schemeClr val="accent4"/>
-                </a:solidFill>
-              </a:rPr>
-              <a:t>为</a:t>
-            </a:r>
-            <a:r>
-              <a:rPr lang="zh-CN" altLang="en-US" sz="1400" dirty="0" smtClean="0">
-                <a:solidFill>
-                  <a:schemeClr val="accent4"/>
-                </a:solidFill>
-              </a:rPr>
-              <a:t>创建单个产品提供</a:t>
-            </a:r>
-            <a:r>
-              <a:rPr lang="zh-CN" altLang="en-US" sz="1400" dirty="0">
-                <a:solidFill>
-                  <a:schemeClr val="accent4"/>
-                </a:solidFill>
-              </a:rPr>
-              <a:t>一个统一的</a:t>
-            </a:r>
-            <a:r>
-              <a:rPr lang="zh-CN" altLang="en-US" sz="1400" dirty="0" smtClean="0">
-                <a:solidFill>
-                  <a:schemeClr val="accent4"/>
-                </a:solidFill>
-              </a:rPr>
-              <a:t>接口</a:t>
-            </a:r>
-            <a:r>
-              <a:rPr lang="en-US" altLang="zh-CN" sz="1400" dirty="0" smtClean="0">
-                <a:solidFill>
-                  <a:schemeClr val="accent4"/>
-                </a:solidFill>
-              </a:rPr>
-              <a:t>(Create())</a:t>
-            </a:r>
-          </a:p>
-          <a:p>
-            <a:r>
-              <a:rPr lang="en-US" altLang="zh-CN" sz="1400" dirty="0">
-                <a:solidFill>
-                  <a:schemeClr val="accent4"/>
-                </a:solidFill>
-              </a:rPr>
-              <a:t>	 </a:t>
-            </a:r>
-            <a:r>
-              <a:rPr lang="en-US" altLang="zh-CN" sz="1400" dirty="0" smtClean="0">
-                <a:solidFill>
-                  <a:schemeClr val="accent4"/>
-                </a:solidFill>
-              </a:rPr>
-              <a:t>    - </a:t>
-            </a:r>
-            <a:r>
-              <a:rPr lang="zh-CN" altLang="en-US" sz="1400" dirty="0" smtClean="0">
-                <a:solidFill>
-                  <a:schemeClr val="accent4"/>
-                </a:solidFill>
-              </a:rPr>
-              <a:t>对产品进行了抽象，支持单个产品的扩展</a:t>
-            </a:r>
-            <a:endParaRPr lang="en-US" altLang="zh-CN" sz="1400" dirty="0" smtClean="0">
-              <a:solidFill>
-                <a:schemeClr val="accent4"/>
-              </a:solidFill>
-            </a:endParaRPr>
-          </a:p>
-          <a:p>
-            <a:r>
-              <a:rPr lang="en-US" altLang="zh-CN" sz="1400" dirty="0">
-                <a:solidFill>
-                  <a:schemeClr val="accent4"/>
-                </a:solidFill>
-              </a:rPr>
-              <a:t>	 </a:t>
-            </a:r>
-            <a:r>
-              <a:rPr lang="en-US" altLang="zh-CN" sz="1400" dirty="0" smtClean="0">
-                <a:solidFill>
-                  <a:schemeClr val="accent4"/>
-                </a:solidFill>
-              </a:rPr>
-              <a:t>    - </a:t>
-            </a:r>
-            <a:r>
-              <a:rPr lang="zh-CN" altLang="en-US" sz="1400" dirty="0" smtClean="0">
-                <a:solidFill>
-                  <a:schemeClr val="accent4"/>
-                </a:solidFill>
-              </a:rPr>
-              <a:t>直接</a:t>
-            </a:r>
-            <a:r>
-              <a:rPr lang="zh-CN" altLang="en-US" sz="1400" dirty="0">
-                <a:solidFill>
-                  <a:schemeClr val="accent4"/>
-                </a:solidFill>
-              </a:rPr>
-              <a:t>返回</a:t>
-            </a:r>
-            <a:r>
-              <a:rPr lang="zh-CN" altLang="en-US" sz="1400" dirty="0" smtClean="0">
-                <a:solidFill>
-                  <a:schemeClr val="accent4"/>
-                </a:solidFill>
-              </a:rPr>
-              <a:t>创建的产品</a:t>
-            </a:r>
-            <a:endParaRPr lang="en-US" altLang="zh-CN" sz="1400" dirty="0">
-              <a:solidFill>
-                <a:schemeClr val="accent4"/>
-              </a:solidFill>
-            </a:endParaRPr>
-          </a:p>
-          <a:p>
-            <a:endParaRPr lang="en-US" altLang="zh-CN" sz="1400" dirty="0">
-              <a:solidFill>
-                <a:schemeClr val="accent4"/>
-              </a:solidFill>
-            </a:endParaRPr>
-          </a:p>
-          <a:p>
-            <a:r>
-              <a:rPr lang="en-US" altLang="zh-CN" sz="1400" dirty="0">
-                <a:solidFill>
-                  <a:schemeClr val="accent4"/>
-                </a:solidFill>
-              </a:rPr>
-              <a:t>	</a:t>
-            </a:r>
-            <a:r>
-              <a:rPr lang="en-US" altLang="zh-CN" sz="1400" b="1" dirty="0">
-                <a:solidFill>
-                  <a:schemeClr val="accent4"/>
-                </a:solidFill>
-              </a:rPr>
-              <a:t>Abstract </a:t>
-            </a:r>
-            <a:r>
-              <a:rPr lang="en-US" altLang="zh-CN" sz="1400" b="1" dirty="0" smtClean="0">
-                <a:solidFill>
-                  <a:schemeClr val="accent4"/>
-                </a:solidFill>
-              </a:rPr>
-              <a:t>Factory</a:t>
-            </a:r>
-            <a:br>
-              <a:rPr lang="en-US" altLang="zh-CN" sz="1400" b="1" dirty="0" smtClean="0">
-                <a:solidFill>
-                  <a:schemeClr val="accent4"/>
-                </a:solidFill>
-              </a:rPr>
-            </a:br>
-            <a:endParaRPr lang="en-US" altLang="zh-CN" sz="1400" b="1" dirty="0">
-              <a:solidFill>
-                <a:schemeClr val="accent4"/>
-              </a:solidFill>
-            </a:endParaRPr>
-          </a:p>
-          <a:p>
-            <a:r>
-              <a:rPr lang="en-US" altLang="zh-CN" sz="1400" dirty="0">
-                <a:solidFill>
-                  <a:schemeClr val="accent4"/>
-                </a:solidFill>
-              </a:rPr>
-              <a:t>	     - </a:t>
-            </a:r>
-            <a:r>
-              <a:rPr lang="zh-CN" altLang="en-US" sz="1400" dirty="0">
-                <a:solidFill>
-                  <a:schemeClr val="accent4"/>
-                </a:solidFill>
-              </a:rPr>
-              <a:t>强调创建一系列产品</a:t>
-            </a:r>
-            <a:r>
-              <a:rPr lang="en-US" altLang="zh-CN" sz="1400" dirty="0">
-                <a:solidFill>
-                  <a:schemeClr val="accent4"/>
-                </a:solidFill>
-              </a:rPr>
-              <a:t>(</a:t>
-            </a:r>
-            <a:r>
-              <a:rPr lang="zh-CN" altLang="en-US" sz="1400" dirty="0">
-                <a:solidFill>
-                  <a:schemeClr val="accent4"/>
-                </a:solidFill>
-              </a:rPr>
-              <a:t>简单或复杂</a:t>
-            </a:r>
-            <a:r>
-              <a:rPr lang="en-US" altLang="zh-CN" sz="1400" dirty="0">
-                <a:solidFill>
-                  <a:schemeClr val="accent4"/>
-                </a:solidFill>
-              </a:rPr>
-              <a:t>)</a:t>
-            </a:r>
-          </a:p>
-          <a:p>
-            <a:r>
-              <a:rPr lang="en-US" altLang="zh-CN" sz="1400" dirty="0">
-                <a:solidFill>
-                  <a:schemeClr val="accent4"/>
-                </a:solidFill>
-              </a:rPr>
-              <a:t>	     - </a:t>
-            </a:r>
-            <a:r>
-              <a:rPr lang="zh-CN" altLang="en-US" sz="1400" dirty="0">
-                <a:solidFill>
-                  <a:schemeClr val="accent4"/>
-                </a:solidFill>
-              </a:rPr>
-              <a:t>对一系列产品进行了</a:t>
-            </a:r>
-            <a:r>
-              <a:rPr lang="zh-CN" altLang="en-US" sz="1400" dirty="0" smtClean="0">
-                <a:solidFill>
-                  <a:schemeClr val="accent4"/>
-                </a:solidFill>
-              </a:rPr>
-              <a:t>抽象，支持一些列产品的扩展</a:t>
-            </a:r>
-            <a:endParaRPr lang="en-US" altLang="zh-CN" sz="1400" dirty="0">
-              <a:solidFill>
-                <a:schemeClr val="accent4"/>
-              </a:solidFill>
-            </a:endParaRPr>
-          </a:p>
-          <a:p>
-            <a:r>
-              <a:rPr lang="en-US" altLang="zh-CN" sz="1400" dirty="0">
-                <a:solidFill>
-                  <a:schemeClr val="accent4"/>
-                </a:solidFill>
-              </a:rPr>
-              <a:t>	     - </a:t>
-            </a:r>
-            <a:r>
-              <a:rPr lang="zh-CN" altLang="en-US" sz="1400" dirty="0">
-                <a:solidFill>
-                  <a:schemeClr val="accent4"/>
-                </a:solidFill>
-              </a:rPr>
-              <a:t>直接返回创建的</a:t>
-            </a:r>
-            <a:r>
-              <a:rPr lang="zh-CN" altLang="en-US" sz="1400" dirty="0" smtClean="0">
-                <a:solidFill>
-                  <a:schemeClr val="accent4"/>
-                </a:solidFill>
-              </a:rPr>
-              <a:t>产品</a:t>
-            </a:r>
-            <a:endParaRPr lang="en-US" altLang="zh-CN" sz="1400" dirty="0" smtClean="0">
-              <a:solidFill>
-                <a:schemeClr val="accent4"/>
-              </a:solidFill>
-            </a:endParaRPr>
-          </a:p>
-          <a:p>
-            <a:endParaRPr lang="en-US" altLang="zh-CN" sz="1400" dirty="0">
-              <a:solidFill>
-                <a:schemeClr val="accent4"/>
-              </a:solidFill>
-            </a:endParaRPr>
-          </a:p>
-          <a:p>
-            <a:r>
-              <a:rPr lang="en-US" altLang="zh-CN" sz="1400" dirty="0">
-                <a:solidFill>
-                  <a:schemeClr val="accent4"/>
-                </a:solidFill>
-              </a:rPr>
-              <a:t>	</a:t>
-            </a:r>
-            <a:r>
-              <a:rPr lang="en-US" altLang="zh-CN" sz="1400" b="1" dirty="0" smtClean="0">
-                <a:solidFill>
-                  <a:schemeClr val="accent4"/>
-                </a:solidFill>
-              </a:rPr>
-              <a:t>Builder</a:t>
-            </a:r>
-            <a:br>
-              <a:rPr lang="en-US" altLang="zh-CN" sz="1400" b="1" dirty="0" smtClean="0">
-                <a:solidFill>
-                  <a:schemeClr val="accent4"/>
-                </a:solidFill>
-              </a:rPr>
-            </a:br>
-            <a:endParaRPr lang="en-US" altLang="zh-CN" sz="1400" b="1" dirty="0">
-              <a:solidFill>
-                <a:schemeClr val="accent4"/>
-              </a:solidFill>
-            </a:endParaRPr>
-          </a:p>
-          <a:p>
-            <a:r>
-              <a:rPr lang="en-US" altLang="zh-CN" sz="1400" dirty="0">
-                <a:solidFill>
-                  <a:schemeClr val="accent4"/>
-                </a:solidFill>
-              </a:rPr>
-              <a:t>	     - </a:t>
-            </a:r>
-            <a:r>
-              <a:rPr lang="zh-CN" altLang="en-US" sz="1400" dirty="0" smtClean="0">
-                <a:solidFill>
-                  <a:schemeClr val="accent4"/>
-                </a:solidFill>
-              </a:rPr>
-              <a:t>强调</a:t>
-            </a:r>
-            <a:r>
-              <a:rPr lang="zh-CN" altLang="en-US" sz="1400" dirty="0">
-                <a:solidFill>
-                  <a:schemeClr val="accent4"/>
-                </a:solidFill>
-              </a:rPr>
-              <a:t>一步一</a:t>
-            </a:r>
-            <a:r>
-              <a:rPr lang="zh-CN" altLang="en-US" sz="1400" dirty="0" smtClean="0">
-                <a:solidFill>
-                  <a:schemeClr val="accent4"/>
-                </a:solidFill>
-              </a:rPr>
-              <a:t>步的创建产品</a:t>
-            </a:r>
-            <a:r>
-              <a:rPr lang="zh-CN" altLang="en-US" sz="1400" dirty="0">
-                <a:solidFill>
-                  <a:schemeClr val="accent4"/>
-                </a:solidFill>
-              </a:rPr>
-              <a:t>，以及产品内部</a:t>
-            </a:r>
-            <a:r>
-              <a:rPr lang="zh-CN" altLang="en-US" sz="1400" dirty="0" smtClean="0">
-                <a:solidFill>
-                  <a:schemeClr val="accent4"/>
-                </a:solidFill>
-              </a:rPr>
-              <a:t>复杂性</a:t>
-            </a:r>
-            <a:endParaRPr lang="en-US" altLang="zh-CN" sz="1400" dirty="0" smtClean="0">
-              <a:solidFill>
-                <a:schemeClr val="accent4"/>
-              </a:solidFill>
-            </a:endParaRPr>
-          </a:p>
-          <a:p>
-            <a:r>
-              <a:rPr lang="en-US" altLang="zh-CN" sz="1400" dirty="0">
-                <a:solidFill>
-                  <a:schemeClr val="accent4"/>
-                </a:solidFill>
-              </a:rPr>
-              <a:t>	</a:t>
-            </a:r>
-            <a:r>
-              <a:rPr lang="en-US" altLang="zh-CN" sz="1400" dirty="0" smtClean="0">
-                <a:solidFill>
-                  <a:schemeClr val="accent4"/>
-                </a:solidFill>
-              </a:rPr>
-              <a:t>     - </a:t>
-            </a:r>
-            <a:r>
-              <a:rPr lang="zh-CN" altLang="en-US" sz="1400" dirty="0" smtClean="0">
-                <a:solidFill>
-                  <a:schemeClr val="accent4"/>
-                </a:solidFill>
-              </a:rPr>
-              <a:t>强调分离产品构建过程及其具体表示，相同的构建过程创建不同的表示</a:t>
-            </a:r>
-            <a:endParaRPr lang="en-US" altLang="zh-CN" sz="1400" dirty="0" smtClean="0">
-              <a:solidFill>
-                <a:schemeClr val="accent4"/>
-              </a:solidFill>
-            </a:endParaRPr>
-          </a:p>
-          <a:p>
-            <a:r>
-              <a:rPr lang="en-US" altLang="zh-CN" sz="1400" dirty="0" smtClean="0">
-                <a:solidFill>
-                  <a:schemeClr val="accent4"/>
-                </a:solidFill>
-              </a:rPr>
-              <a:t>	     - </a:t>
-            </a:r>
-            <a:r>
-              <a:rPr lang="zh-CN" altLang="en-US" sz="1400" dirty="0" smtClean="0">
-                <a:solidFill>
-                  <a:schemeClr val="accent4"/>
-                </a:solidFill>
-              </a:rPr>
-              <a:t>不要求对产品进行抽象，通过扩展</a:t>
-            </a:r>
-            <a:r>
-              <a:rPr lang="en-US" altLang="zh-CN" sz="1400" dirty="0" smtClean="0">
-                <a:solidFill>
-                  <a:schemeClr val="accent4"/>
-                </a:solidFill>
-              </a:rPr>
-              <a:t>Builder</a:t>
-            </a:r>
-            <a:r>
-              <a:rPr lang="zh-CN" altLang="en-US" sz="1400" dirty="0" smtClean="0">
-                <a:solidFill>
-                  <a:schemeClr val="accent4"/>
-                </a:solidFill>
-              </a:rPr>
-              <a:t>来改变产品的内部表示</a:t>
-            </a:r>
-            <a:endParaRPr lang="en-US" altLang="zh-CN" sz="1400" dirty="0" smtClean="0">
-              <a:solidFill>
-                <a:schemeClr val="accent4"/>
-              </a:solidFill>
-            </a:endParaRPr>
-          </a:p>
-          <a:p>
-            <a:r>
-              <a:rPr lang="en-US" altLang="zh-CN" sz="1400" dirty="0">
-                <a:solidFill>
-                  <a:schemeClr val="accent4"/>
-                </a:solidFill>
-              </a:rPr>
-              <a:t>	     - </a:t>
-            </a:r>
-            <a:r>
-              <a:rPr lang="zh-CN" altLang="en-US" sz="1400" dirty="0" smtClean="0">
-                <a:solidFill>
-                  <a:schemeClr val="accent4"/>
-                </a:solidFill>
-              </a:rPr>
-              <a:t>不要求统一的接口</a:t>
-            </a:r>
-            <a:r>
-              <a:rPr lang="en-US" altLang="zh-CN" sz="1400" dirty="0" smtClean="0">
-                <a:solidFill>
-                  <a:schemeClr val="accent4"/>
-                </a:solidFill>
-              </a:rPr>
-              <a:t>(GetProduct())</a:t>
-            </a:r>
-            <a:r>
-              <a:rPr lang="zh-CN" altLang="en-US" sz="1400" dirty="0" smtClean="0">
-                <a:solidFill>
-                  <a:schemeClr val="accent4"/>
-                </a:solidFill>
-              </a:rPr>
-              <a:t>，具体</a:t>
-            </a:r>
-            <a:r>
-              <a:rPr lang="en-US" altLang="zh-CN" sz="1400" dirty="0" smtClean="0">
-                <a:solidFill>
-                  <a:schemeClr val="accent4"/>
-                </a:solidFill>
-              </a:rPr>
-              <a:t>Builder</a:t>
-            </a:r>
-            <a:r>
-              <a:rPr lang="zh-CN" altLang="en-US" sz="1400" dirty="0" smtClean="0">
-                <a:solidFill>
-                  <a:schemeClr val="accent4"/>
-                </a:solidFill>
-              </a:rPr>
-              <a:t>返回具体</a:t>
-            </a:r>
-            <a:r>
-              <a:rPr lang="en-US" altLang="zh-CN" sz="1400" dirty="0" smtClean="0">
-                <a:solidFill>
-                  <a:schemeClr val="accent4"/>
-                </a:solidFill>
-              </a:rPr>
-              <a:t>Product</a:t>
-            </a:r>
-            <a:endParaRPr lang="zh-CN" altLang="en-US" sz="1400" dirty="0">
-              <a:solidFill>
-                <a:schemeClr val="accent4"/>
-              </a:solidFill>
-            </a:endParaRPr>
-          </a:p>
-        </p:txBody>
-      </p:sp>
-      <p:sp>
-        <p:nvSpPr>
-          <p:cNvPr id="3" name="Rectangle 2"/>
+          <p:cNvPr id="9" name="Rectangle 2"/>
           <p:cNvSpPr txBox="1">
             <a:spLocks noChangeArrowheads="1"/>
           </p:cNvSpPr>
@@ -11870,17 +11163,278 @@
           </a:lstStyle>
           <a:p>
             <a:r>
-              <a:rPr lang="en-US" altLang="zh-CN" sz="3200" dirty="0"/>
-              <a:t>Builder &amp; Factory Method &amp; Abstract Factory</a:t>
-            </a:r>
-            <a:endParaRPr lang="zh-CN" altLang="en-US" sz="3200" dirty="0"/>
+              <a:rPr lang="en-US" altLang="zh-CN" dirty="0" smtClean="0"/>
+              <a:t>Example</a:t>
+            </a:r>
+            <a:endParaRPr lang="zh-CN" altLang="en-US" dirty="0"/>
           </a:p>
         </p:txBody>
       </p:sp>
+      <p:sp>
+        <p:nvSpPr>
+          <p:cNvPr id="5" name="矩形 4"/>
+          <p:cNvSpPr/>
+          <p:nvPr/>
+        </p:nvSpPr>
+        <p:spPr>
+          <a:xfrm>
+            <a:off x="827584" y="1340768"/>
+            <a:ext cx="7632848" cy="5355312"/>
+          </a:xfrm>
+          <a:prstGeom prst="rect">
+            <a:avLst/>
+          </a:prstGeom>
+        </p:spPr>
+        <p:txBody>
+          <a:bodyPr wrap="square">
+            <a:spAutoFit/>
+          </a:bodyPr>
+          <a:lstStyle/>
+          <a:p>
+            <a:r>
+              <a:rPr lang="zh-CN" altLang="en-US" b="1" dirty="0" smtClean="0">
+                <a:solidFill>
+                  <a:schemeClr val="accent4"/>
+                </a:solidFill>
+              </a:rPr>
+              <a:t>旅游者违约条款 </a:t>
+            </a:r>
+            <a:r>
+              <a:rPr lang="en-US" altLang="zh-CN" b="1" dirty="0" smtClean="0">
+                <a:solidFill>
+                  <a:schemeClr val="accent4"/>
+                </a:solidFill>
+              </a:rPr>
+              <a:t>&amp; </a:t>
+            </a:r>
+            <a:r>
+              <a:rPr lang="zh-CN" altLang="en-US" b="1" dirty="0" smtClean="0">
+                <a:solidFill>
+                  <a:schemeClr val="accent4"/>
+                </a:solidFill>
+              </a:rPr>
+              <a:t>旅行社违约条款</a:t>
+            </a:r>
+            <a:endParaRPr lang="en-US" altLang="zh-CN" b="1" dirty="0" smtClean="0">
+              <a:solidFill>
+                <a:schemeClr val="accent4"/>
+              </a:solidFill>
+            </a:endParaRPr>
+          </a:p>
+          <a:p>
+            <a:endParaRPr lang="en-US" altLang="zh-CN" b="1" dirty="0">
+              <a:solidFill>
+                <a:schemeClr val="accent4"/>
+              </a:solidFill>
+            </a:endParaRPr>
+          </a:p>
+          <a:p>
+            <a:endParaRPr lang="en-US" altLang="zh-CN" b="1" dirty="0" smtClean="0">
+              <a:solidFill>
+                <a:schemeClr val="accent4"/>
+              </a:solidFill>
+            </a:endParaRPr>
+          </a:p>
+          <a:p>
+            <a:endParaRPr lang="en-US" altLang="zh-CN" b="1" dirty="0">
+              <a:solidFill>
+                <a:schemeClr val="accent4"/>
+              </a:solidFill>
+            </a:endParaRPr>
+          </a:p>
+          <a:p>
+            <a:endParaRPr lang="en-US" altLang="zh-CN" b="1" dirty="0" smtClean="0">
+              <a:solidFill>
+                <a:schemeClr val="accent4"/>
+              </a:solidFill>
+            </a:endParaRPr>
+          </a:p>
+          <a:p>
+            <a:endParaRPr lang="en-US" altLang="zh-CN" sz="1400" b="1" dirty="0">
+              <a:solidFill>
+                <a:schemeClr val="accent4"/>
+              </a:solidFill>
+            </a:endParaRPr>
+          </a:p>
+          <a:p>
+            <a:endParaRPr lang="en-US" altLang="zh-CN" sz="1400" b="1" dirty="0" smtClean="0">
+              <a:solidFill>
+                <a:schemeClr val="accent4"/>
+              </a:solidFill>
+            </a:endParaRPr>
+          </a:p>
+          <a:p>
+            <a:endParaRPr lang="en-US" altLang="zh-CN" sz="1400" b="1" dirty="0">
+              <a:solidFill>
+                <a:schemeClr val="accent4"/>
+              </a:solidFill>
+            </a:endParaRPr>
+          </a:p>
+          <a:p>
+            <a:r>
+              <a:rPr lang="en-US" altLang="zh-CN" sz="1400" b="1" dirty="0" smtClean="0">
+                <a:solidFill>
+                  <a:schemeClr val="accent4"/>
+                </a:solidFill>
+              </a:rPr>
+              <a:t/>
+            </a:r>
+            <a:br>
+              <a:rPr lang="en-US" altLang="zh-CN" sz="1400" b="1" dirty="0" smtClean="0">
+                <a:solidFill>
+                  <a:schemeClr val="accent4"/>
+                </a:solidFill>
+              </a:rPr>
+            </a:br>
+            <a:endParaRPr lang="en-US" altLang="zh-CN" sz="1400" b="1" dirty="0" smtClean="0">
+              <a:solidFill>
+                <a:schemeClr val="accent4"/>
+              </a:solidFill>
+            </a:endParaRPr>
+          </a:p>
+          <a:p>
+            <a:endParaRPr lang="en-US" altLang="zh-CN" sz="1400" dirty="0" smtClean="0">
+              <a:solidFill>
+                <a:schemeClr val="accent4"/>
+              </a:solidFill>
+            </a:endParaRPr>
+          </a:p>
+          <a:p>
+            <a:endParaRPr lang="en-US" altLang="zh-CN" sz="1400" dirty="0">
+              <a:solidFill>
+                <a:schemeClr val="accent4"/>
+              </a:solidFill>
+            </a:endParaRPr>
+          </a:p>
+          <a:p>
+            <a:endParaRPr lang="en-US" altLang="zh-CN" sz="1400" dirty="0">
+              <a:solidFill>
+                <a:schemeClr val="accent4"/>
+              </a:solidFill>
+            </a:endParaRPr>
+          </a:p>
+          <a:p>
+            <a:endParaRPr lang="en-US" altLang="zh-CN" sz="1400" b="1" dirty="0" smtClean="0">
+              <a:solidFill>
+                <a:schemeClr val="accent4"/>
+              </a:solidFill>
+            </a:endParaRPr>
+          </a:p>
+          <a:p>
+            <a:endParaRPr lang="en-US" altLang="zh-CN" sz="1400" b="1" dirty="0" smtClean="0">
+              <a:solidFill>
+                <a:schemeClr val="accent4"/>
+              </a:solidFill>
+            </a:endParaRPr>
+          </a:p>
+          <a:p>
+            <a:endParaRPr lang="en-US" altLang="zh-CN" sz="1400" b="1" dirty="0">
+              <a:solidFill>
+                <a:schemeClr val="accent4"/>
+              </a:solidFill>
+            </a:endParaRPr>
+          </a:p>
+          <a:p>
+            <a:r>
+              <a:rPr lang="en-US" altLang="zh-CN" sz="1400" b="1" dirty="0">
+                <a:solidFill>
+                  <a:schemeClr val="accent4"/>
+                </a:solidFill>
+              </a:rPr>
+              <a:t> </a:t>
+            </a:r>
+            <a:r>
+              <a:rPr lang="en-US" altLang="zh-CN" sz="1400" b="1" dirty="0" smtClean="0">
+                <a:solidFill>
+                  <a:schemeClr val="accent4"/>
+                </a:solidFill>
+              </a:rPr>
+              <a:t>         </a:t>
+            </a:r>
+            <a:endParaRPr lang="en-US" altLang="zh-CN" sz="1400" b="1" dirty="0">
+              <a:solidFill>
+                <a:schemeClr val="accent4"/>
+              </a:solidFill>
+            </a:endParaRPr>
+          </a:p>
+          <a:p>
+            <a:endParaRPr lang="en-US" altLang="zh-CN" sz="1400" b="1" dirty="0" smtClean="0">
+              <a:solidFill>
+                <a:schemeClr val="accent4"/>
+              </a:solidFill>
+            </a:endParaRPr>
+          </a:p>
+          <a:p>
+            <a:endParaRPr lang="en-US" altLang="zh-CN" sz="1400" b="1" dirty="0">
+              <a:solidFill>
+                <a:schemeClr val="accent4"/>
+              </a:solidFill>
+            </a:endParaRPr>
+          </a:p>
+          <a:p>
+            <a:endParaRPr lang="en-US" altLang="zh-CN" sz="1400" b="1" dirty="0" smtClean="0">
+              <a:solidFill>
+                <a:schemeClr val="accent4"/>
+              </a:solidFill>
+            </a:endParaRPr>
+          </a:p>
+          <a:p>
+            <a:endParaRPr lang="en-US" altLang="zh-CN" sz="1400" b="1" dirty="0">
+              <a:solidFill>
+                <a:schemeClr val="accent4"/>
+              </a:solidFill>
+            </a:endParaRPr>
+          </a:p>
+          <a:p>
+            <a:r>
+              <a:rPr lang="en-US" altLang="zh-CN" sz="1400" dirty="0">
+                <a:solidFill>
+                  <a:schemeClr val="accent4"/>
+                </a:solidFill>
+              </a:rPr>
+              <a:t>	    </a:t>
+            </a:r>
+            <a:endParaRPr lang="en-US" altLang="zh-CN" sz="1400" dirty="0" smtClean="0">
+              <a:solidFill>
+                <a:schemeClr val="accent4"/>
+              </a:solidFill>
+            </a:endParaRPr>
+          </a:p>
+          <a:p>
+            <a:endParaRPr lang="en-US" altLang="zh-CN" sz="1400" dirty="0">
+              <a:solidFill>
+                <a:schemeClr val="accent4"/>
+              </a:solidFill>
+            </a:endParaRPr>
+          </a:p>
+        </p:txBody>
+      </p:sp>
+      <p:pic>
+        <p:nvPicPr>
+          <p:cNvPr id="6" name="图片 5"/>
+          <p:cNvPicPr/>
+          <p:nvPr/>
+        </p:nvPicPr>
+        <p:blipFill>
+          <a:blip r:embed="rId2"/>
+          <a:stretch>
+            <a:fillRect/>
+          </a:stretch>
+        </p:blipFill>
+        <p:spPr>
+          <a:xfrm>
+            <a:off x="1385922" y="2132856"/>
+            <a:ext cx="6354430" cy="3456384"/>
+          </a:xfrm>
+          <a:prstGeom prst="rect">
+            <a:avLst/>
+          </a:prstGeom>
+        </p:spPr>
+      </p:pic>
     </p:spTree>
     <p:extLst>
       <p:ext uri="{BB962C8B-B14F-4D97-AF65-F5344CB8AC3E}">
-        <p14:creationId xmlns:p14="http://schemas.microsoft.com/office/powerpoint/2010/main" val="2747582457"/>
+        <p14:creationId xmlns:p14="http://schemas.microsoft.com/office/powerpoint/2010/main" val="1783340589"/>
       </p:ext>
     </p:extLst>
   </p:cSld>
@@ -12192,6 +11746,1425 @@
       </p:grpSpPr>
       <p:sp>
         <p:nvSpPr>
+          <p:cNvPr id="9" name="Rectangle 2"/>
+          <p:cNvSpPr txBox="1">
+            <a:spLocks noChangeArrowheads="1"/>
+          </p:cNvSpPr>
+          <p:nvPr/>
+        </p:nvSpPr>
+        <p:spPr>
+          <a:xfrm>
+            <a:off x="628650" y="44624"/>
+            <a:ext cx="7886700" cy="1119658"/>
+          </a:xfrm>
+          <a:prstGeom prst="rect">
+            <a:avLst/>
+          </a:prstGeom>
+        </p:spPr>
+        <p:txBody>
+          <a:bodyPr vert="horz" lIns="91440" tIns="45720" rIns="91440" bIns="45720" rtlCol="0" anchor="ctr">
+            <a:normAutofit/>
+          </a:bodyPr>
+          <a:lstStyle>
+            <a:lvl1pPr algn="ctr" defTabSz="914400" rtl="0" eaLnBrk="1" latinLnBrk="0" hangingPunct="1">
+              <a:spcBef>
+                <a:spcPct val="0"/>
+              </a:spcBef>
+              <a:buNone/>
+              <a:defRPr sz="4400" kern="1200">
+                <a:solidFill>
+                  <a:schemeClr val="tx1"/>
+                </a:solidFill>
+                <a:latin typeface="+mj-lt"/>
+                <a:ea typeface="+mj-ea"/>
+                <a:cs typeface="+mj-cs"/>
+              </a:defRPr>
+            </a:lvl1pPr>
+          </a:lstStyle>
+          <a:p>
+            <a:r>
+              <a:rPr lang="en-US" altLang="zh-CN" dirty="0" smtClean="0"/>
+              <a:t>Example</a:t>
+            </a:r>
+            <a:endParaRPr lang="zh-CN" altLang="en-US" dirty="0"/>
+          </a:p>
+        </p:txBody>
+      </p:sp>
+      <p:sp>
+        <p:nvSpPr>
+          <p:cNvPr id="5" name="矩形 4"/>
+          <p:cNvSpPr/>
+          <p:nvPr/>
+        </p:nvSpPr>
+        <p:spPr>
+          <a:xfrm>
+            <a:off x="827584" y="1340768"/>
+            <a:ext cx="7632848" cy="5355312"/>
+          </a:xfrm>
+          <a:prstGeom prst="rect">
+            <a:avLst/>
+          </a:prstGeom>
+        </p:spPr>
+        <p:txBody>
+          <a:bodyPr wrap="square">
+            <a:spAutoFit/>
+          </a:bodyPr>
+          <a:lstStyle/>
+          <a:p>
+            <a:r>
+              <a:rPr lang="en-US" altLang="zh-CN" b="1" dirty="0" smtClean="0">
+                <a:solidFill>
+                  <a:schemeClr val="accent4"/>
+                </a:solidFill>
+              </a:rPr>
+              <a:t>RenegeBuilder</a:t>
+            </a:r>
+          </a:p>
+          <a:p>
+            <a:endParaRPr lang="en-US" altLang="zh-CN" b="1" dirty="0">
+              <a:solidFill>
+                <a:schemeClr val="accent4"/>
+              </a:solidFill>
+            </a:endParaRPr>
+          </a:p>
+          <a:p>
+            <a:endParaRPr lang="en-US" altLang="zh-CN" b="1" dirty="0" smtClean="0">
+              <a:solidFill>
+                <a:schemeClr val="accent4"/>
+              </a:solidFill>
+            </a:endParaRPr>
+          </a:p>
+          <a:p>
+            <a:endParaRPr lang="en-US" altLang="zh-CN" b="1" dirty="0">
+              <a:solidFill>
+                <a:schemeClr val="accent4"/>
+              </a:solidFill>
+            </a:endParaRPr>
+          </a:p>
+          <a:p>
+            <a:endParaRPr lang="en-US" altLang="zh-CN" b="1" dirty="0" smtClean="0">
+              <a:solidFill>
+                <a:schemeClr val="accent4"/>
+              </a:solidFill>
+            </a:endParaRPr>
+          </a:p>
+          <a:p>
+            <a:endParaRPr lang="en-US" altLang="zh-CN" sz="1400" b="1" dirty="0">
+              <a:solidFill>
+                <a:schemeClr val="accent4"/>
+              </a:solidFill>
+            </a:endParaRPr>
+          </a:p>
+          <a:p>
+            <a:endParaRPr lang="en-US" altLang="zh-CN" sz="1400" b="1" dirty="0" smtClean="0">
+              <a:solidFill>
+                <a:schemeClr val="accent4"/>
+              </a:solidFill>
+            </a:endParaRPr>
+          </a:p>
+          <a:p>
+            <a:endParaRPr lang="en-US" altLang="zh-CN" sz="1400" b="1" dirty="0">
+              <a:solidFill>
+                <a:schemeClr val="accent4"/>
+              </a:solidFill>
+            </a:endParaRPr>
+          </a:p>
+          <a:p>
+            <a:r>
+              <a:rPr lang="en-US" altLang="zh-CN" sz="1400" b="1" dirty="0" smtClean="0">
+                <a:solidFill>
+                  <a:schemeClr val="accent4"/>
+                </a:solidFill>
+              </a:rPr>
+              <a:t/>
+            </a:r>
+            <a:br>
+              <a:rPr lang="en-US" altLang="zh-CN" sz="1400" b="1" dirty="0" smtClean="0">
+                <a:solidFill>
+                  <a:schemeClr val="accent4"/>
+                </a:solidFill>
+              </a:rPr>
+            </a:br>
+            <a:endParaRPr lang="en-US" altLang="zh-CN" sz="1400" b="1" dirty="0" smtClean="0">
+              <a:solidFill>
+                <a:schemeClr val="accent4"/>
+              </a:solidFill>
+            </a:endParaRPr>
+          </a:p>
+          <a:p>
+            <a:endParaRPr lang="en-US" altLang="zh-CN" sz="1400" dirty="0" smtClean="0">
+              <a:solidFill>
+                <a:schemeClr val="accent4"/>
+              </a:solidFill>
+            </a:endParaRPr>
+          </a:p>
+          <a:p>
+            <a:endParaRPr lang="en-US" altLang="zh-CN" sz="1400" dirty="0">
+              <a:solidFill>
+                <a:schemeClr val="accent4"/>
+              </a:solidFill>
+            </a:endParaRPr>
+          </a:p>
+          <a:p>
+            <a:endParaRPr lang="en-US" altLang="zh-CN" sz="1400" dirty="0">
+              <a:solidFill>
+                <a:schemeClr val="accent4"/>
+              </a:solidFill>
+            </a:endParaRPr>
+          </a:p>
+          <a:p>
+            <a:endParaRPr lang="en-US" altLang="zh-CN" sz="1400" b="1" dirty="0" smtClean="0">
+              <a:solidFill>
+                <a:schemeClr val="accent4"/>
+              </a:solidFill>
+            </a:endParaRPr>
+          </a:p>
+          <a:p>
+            <a:endParaRPr lang="en-US" altLang="zh-CN" sz="1400" b="1" dirty="0" smtClean="0">
+              <a:solidFill>
+                <a:schemeClr val="accent4"/>
+              </a:solidFill>
+            </a:endParaRPr>
+          </a:p>
+          <a:p>
+            <a:endParaRPr lang="en-US" altLang="zh-CN" sz="1400" b="1" dirty="0">
+              <a:solidFill>
+                <a:schemeClr val="accent4"/>
+              </a:solidFill>
+            </a:endParaRPr>
+          </a:p>
+          <a:p>
+            <a:r>
+              <a:rPr lang="en-US" altLang="zh-CN" sz="1400" b="1" dirty="0">
+                <a:solidFill>
+                  <a:schemeClr val="accent4"/>
+                </a:solidFill>
+              </a:rPr>
+              <a:t> </a:t>
+            </a:r>
+            <a:r>
+              <a:rPr lang="en-US" altLang="zh-CN" sz="1400" b="1" dirty="0" smtClean="0">
+                <a:solidFill>
+                  <a:schemeClr val="accent4"/>
+                </a:solidFill>
+              </a:rPr>
+              <a:t>         </a:t>
+            </a:r>
+            <a:endParaRPr lang="en-US" altLang="zh-CN" sz="1400" b="1" dirty="0">
+              <a:solidFill>
+                <a:schemeClr val="accent4"/>
+              </a:solidFill>
+            </a:endParaRPr>
+          </a:p>
+          <a:p>
+            <a:endParaRPr lang="en-US" altLang="zh-CN" sz="1400" b="1" dirty="0" smtClean="0">
+              <a:solidFill>
+                <a:schemeClr val="accent4"/>
+              </a:solidFill>
+            </a:endParaRPr>
+          </a:p>
+          <a:p>
+            <a:endParaRPr lang="en-US" altLang="zh-CN" sz="1400" b="1" dirty="0">
+              <a:solidFill>
+                <a:schemeClr val="accent4"/>
+              </a:solidFill>
+            </a:endParaRPr>
+          </a:p>
+          <a:p>
+            <a:endParaRPr lang="en-US" altLang="zh-CN" sz="1400" b="1" dirty="0" smtClean="0">
+              <a:solidFill>
+                <a:schemeClr val="accent4"/>
+              </a:solidFill>
+            </a:endParaRPr>
+          </a:p>
+          <a:p>
+            <a:endParaRPr lang="en-US" altLang="zh-CN" sz="1400" b="1" dirty="0">
+              <a:solidFill>
+                <a:schemeClr val="accent4"/>
+              </a:solidFill>
+            </a:endParaRPr>
+          </a:p>
+          <a:p>
+            <a:r>
+              <a:rPr lang="en-US" altLang="zh-CN" sz="1400" dirty="0">
+                <a:solidFill>
+                  <a:schemeClr val="accent4"/>
+                </a:solidFill>
+              </a:rPr>
+              <a:t>	    </a:t>
+            </a:r>
+            <a:endParaRPr lang="en-US" altLang="zh-CN" sz="1400" dirty="0" smtClean="0">
+              <a:solidFill>
+                <a:schemeClr val="accent4"/>
+              </a:solidFill>
+            </a:endParaRPr>
+          </a:p>
+          <a:p>
+            <a:endParaRPr lang="en-US" altLang="zh-CN" sz="1400" dirty="0">
+              <a:solidFill>
+                <a:schemeClr val="accent4"/>
+              </a:solidFill>
+            </a:endParaRPr>
+          </a:p>
+        </p:txBody>
+      </p:sp>
+      <p:pic>
+        <p:nvPicPr>
+          <p:cNvPr id="2050" name="Picture 2"/>
+          <p:cNvPicPr>
+            <a:picLocks noChangeAspect="1" noChangeArrowheads="1"/>
+          </p:cNvPicPr>
+          <p:nvPr/>
+        </p:nvPicPr>
+        <p:blipFill>
+          <a:blip r:embed="rId2">
+            <a:extLst>
+              <a:ext uri="{28A0092B-C50C-407E-A947-70E740481C1C}">
+                <a14:useLocalDpi xmlns:a14="http://schemas.microsoft.com/office/drawing/2010/main" val="0"/>
+              </a:ext>
+            </a:extLst>
+          </a:blip>
+          <a:srcRect/>
+          <a:stretch>
+            <a:fillRect/>
+          </a:stretch>
+        </p:blipFill>
+        <p:spPr bwMode="auto">
+          <a:xfrm>
+            <a:off x="899592" y="2036935"/>
+            <a:ext cx="4392488" cy="3840337"/>
+          </a:xfrm>
+          <a:prstGeom prst="rect">
+            <a:avLst/>
+          </a:prstGeom>
+          <a:noFill/>
+          <a:ln>
+            <a:noFill/>
+          </a:ln>
+          <a:effectLst/>
+          <a:extLst>
+            <a:ext uri="{909E8E84-426E-40DD-AFC4-6F175D3DCCD1}">
+              <a14:hiddenFill xmlns:a14="http://schemas.microsoft.com/office/drawing/2010/main">
+                <a:solidFill>
+                  <a:schemeClr val="accent1"/>
+                </a:solidFill>
+              </a14:hiddenFill>
+            </a:ext>
+            <a:ext uri="{91240B29-F687-4F45-9708-019B960494DF}">
+              <a14:hiddenLine xmlns:a14="http://schemas.microsoft.com/office/drawing/2010/main" w="9525">
+                <a:solidFill>
+                  <a:schemeClr val="tx1"/>
+                </a:solidFill>
+                <a:miter lim="800000"/>
+                <a:headEnd/>
+                <a:tailEnd/>
+              </a14:hiddenLine>
+            </a:ext>
+            <a:ext uri="{AF507438-7753-43E0-B8FC-AC1667EBCBE1}">
+              <a14:hiddenEffects xmlns:a14="http://schemas.microsoft.com/office/drawing/2010/main">
+                <a:effectLst>
+                  <a:outerShdw dist="35921" dir="2700000" algn="ctr" rotWithShape="0">
+                    <a:schemeClr val="bg2"/>
+                  </a:outerShdw>
+                </a:effectLst>
+              </a14:hiddenEffects>
+            </a:ext>
+          </a:extLst>
+        </p:spPr>
+      </p:pic>
+      <p:pic>
+        <p:nvPicPr>
+          <p:cNvPr id="10" name="Picture 2"/>
+          <p:cNvPicPr>
+            <a:picLocks noChangeAspect="1" noChangeArrowheads="1"/>
+          </p:cNvPicPr>
+          <p:nvPr/>
+        </p:nvPicPr>
+        <p:blipFill>
+          <a:blip r:embed="rId3">
+            <a:extLst>
+              <a:ext uri="{28A0092B-C50C-407E-A947-70E740481C1C}">
+                <a14:useLocalDpi xmlns:a14="http://schemas.microsoft.com/office/drawing/2010/main" val="0"/>
+              </a:ext>
+            </a:extLst>
+          </a:blip>
+          <a:srcRect/>
+          <a:stretch>
+            <a:fillRect/>
+          </a:stretch>
+        </p:blipFill>
+        <p:spPr bwMode="auto">
+          <a:xfrm>
+            <a:off x="5436097" y="2060848"/>
+            <a:ext cx="3528392" cy="2376264"/>
+          </a:xfrm>
+          <a:prstGeom prst="rect">
+            <a:avLst/>
+          </a:prstGeom>
+          <a:noFill/>
+          <a:ln>
+            <a:noFill/>
+          </a:ln>
+          <a:effectLst/>
+          <a:extLst>
+            <a:ext uri="{909E8E84-426E-40DD-AFC4-6F175D3DCCD1}">
+              <a14:hiddenFill xmlns:a14="http://schemas.microsoft.com/office/drawing/2010/main">
+                <a:solidFill>
+                  <a:schemeClr val="accent1"/>
+                </a:solidFill>
+              </a14:hiddenFill>
+            </a:ext>
+            <a:ext uri="{91240B29-F687-4F45-9708-019B960494DF}">
+              <a14:hiddenLine xmlns:a14="http://schemas.microsoft.com/office/drawing/2010/main" w="9525">
+                <a:solidFill>
+                  <a:schemeClr val="tx1"/>
+                </a:solidFill>
+                <a:miter lim="800000"/>
+                <a:headEnd/>
+                <a:tailEnd/>
+              </a14:hiddenLine>
+            </a:ext>
+            <a:ext uri="{AF507438-7753-43E0-B8FC-AC1667EBCBE1}">
+              <a14:hiddenEffects xmlns:a14="http://schemas.microsoft.com/office/drawing/2010/main">
+                <a:effectLst>
+                  <a:outerShdw dist="35921" dir="2700000" algn="ctr" rotWithShape="0">
+                    <a:schemeClr val="bg2"/>
+                  </a:outerShdw>
+                </a:effectLst>
+              </a14:hiddenEffects>
+            </a:ext>
+          </a:extLst>
+        </p:spPr>
+      </p:pic>
+      <p:sp>
+        <p:nvSpPr>
+          <p:cNvPr id="11" name="矩形 10"/>
+          <p:cNvSpPr/>
+          <p:nvPr/>
+        </p:nvSpPr>
+        <p:spPr>
+          <a:xfrm>
+            <a:off x="5741218" y="4492277"/>
+            <a:ext cx="3079254" cy="1384995"/>
+          </a:xfrm>
+          <a:prstGeom prst="rect">
+            <a:avLst/>
+          </a:prstGeom>
+        </p:spPr>
+        <p:txBody>
+          <a:bodyPr wrap="square">
+            <a:spAutoFit/>
+          </a:bodyPr>
+          <a:lstStyle/>
+          <a:p>
+            <a:r>
+              <a:rPr lang="en-US" altLang="zh-CN" sz="1200" dirty="0" smtClean="0">
+                <a:solidFill>
+                  <a:schemeClr val="accent4"/>
+                </a:solidFill>
+              </a:rPr>
+              <a:t>     </a:t>
+            </a:r>
+            <a:r>
+              <a:rPr lang="en-US" altLang="zh-CN" sz="1200" dirty="0">
+                <a:solidFill>
+                  <a:schemeClr val="accent4"/>
+                </a:solidFill>
+              </a:rPr>
+              <a:t>- </a:t>
+            </a:r>
+            <a:r>
+              <a:rPr lang="en-US" altLang="zh-CN" sz="1200" dirty="0" smtClean="0">
+                <a:solidFill>
+                  <a:schemeClr val="accent4"/>
+                </a:solidFill>
+              </a:rPr>
+              <a:t>Director       RenegeBuilder</a:t>
+            </a:r>
+          </a:p>
+          <a:p>
+            <a:endParaRPr lang="en-US" altLang="zh-CN" sz="1200" dirty="0" smtClean="0">
+              <a:solidFill>
+                <a:schemeClr val="accent4"/>
+              </a:solidFill>
+            </a:endParaRPr>
+          </a:p>
+          <a:p>
+            <a:r>
+              <a:rPr lang="en-US" altLang="zh-CN" sz="1200" dirty="0" smtClean="0">
+                <a:solidFill>
+                  <a:schemeClr val="accent4"/>
+                </a:solidFill>
+              </a:rPr>
+              <a:t>     </a:t>
+            </a:r>
+            <a:r>
+              <a:rPr lang="en-US" altLang="zh-CN" sz="1200" dirty="0" smtClean="0">
+                <a:solidFill>
+                  <a:schemeClr val="accent4"/>
+                </a:solidFill>
+              </a:rPr>
+              <a:t>- Builder </a:t>
+            </a:r>
+            <a:r>
+              <a:rPr lang="en-US" altLang="zh-CN" sz="1200" dirty="0" smtClean="0">
+                <a:solidFill>
+                  <a:schemeClr val="accent4"/>
+                </a:solidFill>
+              </a:rPr>
+              <a:t>        </a:t>
+            </a:r>
+            <a:r>
+              <a:rPr lang="en-US" altLang="zh-CN" sz="1200" dirty="0" smtClean="0">
+                <a:solidFill>
+                  <a:schemeClr val="accent4"/>
+                </a:solidFill>
+              </a:rPr>
+              <a:t>RenegeBuilder</a:t>
+            </a:r>
+          </a:p>
+          <a:p>
+            <a:r>
+              <a:rPr lang="en-US" altLang="zh-CN" sz="1200" dirty="0">
+                <a:solidFill>
+                  <a:schemeClr val="accent4"/>
+                </a:solidFill>
+              </a:rPr>
+              <a:t> </a:t>
+            </a:r>
+            <a:r>
+              <a:rPr lang="en-US" altLang="zh-CN" sz="1200" dirty="0" smtClean="0">
+                <a:solidFill>
+                  <a:schemeClr val="accent4"/>
+                </a:solidFill>
+              </a:rPr>
+              <a:t>                            AgencyRenegeBuilder</a:t>
+            </a:r>
+          </a:p>
+          <a:p>
+            <a:r>
+              <a:rPr lang="en-US" altLang="zh-CN" sz="1200" dirty="0">
+                <a:solidFill>
+                  <a:schemeClr val="accent4"/>
+                </a:solidFill>
+              </a:rPr>
+              <a:t> </a:t>
+            </a:r>
+            <a:r>
+              <a:rPr lang="en-US" altLang="zh-CN" sz="1200" dirty="0" smtClean="0">
+                <a:solidFill>
+                  <a:schemeClr val="accent4"/>
+                </a:solidFill>
+              </a:rPr>
+              <a:t>                            TouristRenegeBuilder</a:t>
+            </a:r>
+          </a:p>
+          <a:p>
+            <a:endParaRPr lang="en-US" altLang="zh-CN" sz="1200" dirty="0" smtClean="0">
+              <a:solidFill>
+                <a:schemeClr val="accent4"/>
+              </a:solidFill>
+            </a:endParaRPr>
+          </a:p>
+          <a:p>
+            <a:r>
+              <a:rPr lang="en-US" altLang="zh-CN" sz="1200" dirty="0" smtClean="0">
+                <a:solidFill>
+                  <a:schemeClr val="accent4"/>
+                </a:solidFill>
+              </a:rPr>
+              <a:t>     </a:t>
+            </a:r>
+            <a:r>
+              <a:rPr lang="en-US" altLang="zh-CN" sz="1200" dirty="0" smtClean="0">
+                <a:solidFill>
+                  <a:schemeClr val="accent4"/>
+                </a:solidFill>
+              </a:rPr>
+              <a:t>- Product </a:t>
+            </a:r>
+            <a:r>
+              <a:rPr lang="en-US" altLang="zh-CN" sz="1200" dirty="0" smtClean="0">
+                <a:solidFill>
+                  <a:schemeClr val="accent4"/>
+                </a:solidFill>
+              </a:rPr>
+              <a:t>       String(Renege)</a:t>
+            </a:r>
+          </a:p>
+        </p:txBody>
+      </p:sp>
+    </p:spTree>
+    <p:extLst>
+      <p:ext uri="{BB962C8B-B14F-4D97-AF65-F5344CB8AC3E}">
+        <p14:creationId xmlns:p14="http://schemas.microsoft.com/office/powerpoint/2010/main" val="90084264"/>
+      </p:ext>
+    </p:extLst>
+  </p:cSld>
+  <p:clrMapOvr>
+    <a:masterClrMapping/>
+  </p:clrMapOvr>
+  <p:timing>
+    <p:tnLst>
+      <p:par>
+        <p:cTn id="1" dur="indefinite" restart="never" nodeType="tmRoot"/>
+      </p:par>
+    </p:tnLst>
+  </p:timing>
+</p:sld>
+</file>
+
+<file path=ppt/slides/slide21.xml><?xml version="1.0" encoding="utf-8"?>
+<p:sld xmlns:a="http://schemas.openxmlformats.org/drawingml/2006/main" xmlns:r="http://schemas.openxmlformats.org/officeDocument/2006/relationships" xmlns:p="http://schemas.openxmlformats.org/presentationml/2006/main">
+  <p:cSld>
+    <p:spTree>
+      <p:nvGrpSpPr>
+        <p:cNvPr id="1" name=""/>
+        <p:cNvGrpSpPr/>
+        <p:nvPr/>
+      </p:nvGrpSpPr>
+      <p:grpSpPr>
+        <a:xfrm>
+          <a:off x="0" y="0"/>
+          <a:ext cx="0" cy="0"/>
+          <a:chOff x="0" y="0"/>
+          <a:chExt cx="0" cy="0"/>
+        </a:xfrm>
+      </p:grpSpPr>
+      <p:sp>
+        <p:nvSpPr>
+          <p:cNvPr id="2" name="矩形 1"/>
+          <p:cNvSpPr/>
+          <p:nvPr/>
+        </p:nvSpPr>
+        <p:spPr>
+          <a:xfrm>
+            <a:off x="827584" y="1412776"/>
+            <a:ext cx="7632848" cy="5170646"/>
+          </a:xfrm>
+          <a:prstGeom prst="rect">
+            <a:avLst/>
+          </a:prstGeom>
+        </p:spPr>
+        <p:txBody>
+          <a:bodyPr wrap="square">
+            <a:spAutoFit/>
+          </a:bodyPr>
+          <a:lstStyle/>
+          <a:p>
+            <a:r>
+              <a:rPr lang="zh-CN" altLang="en-US" b="1" spc="50" dirty="0">
+                <a:ln w="12700">
+                  <a:noFill/>
+                  <a:prstDash val="solid"/>
+                </a:ln>
+                <a:solidFill>
+                  <a:schemeClr val="accent4"/>
+                </a:solidFill>
+                <a:effectLst>
+                  <a:outerShdw blurRad="38100" dist="38100" dir="2700000" algn="tl">
+                    <a:srgbClr val="000000">
+                      <a:alpha val="43137"/>
+                    </a:srgbClr>
+                  </a:outerShdw>
+                </a:effectLst>
+                <a:latin typeface="+mj-lt"/>
+                <a:ea typeface="+mj-ea"/>
+                <a:cs typeface="+mj-cs"/>
+              </a:rPr>
+              <a:t>共性</a:t>
+            </a:r>
+            <a:r>
+              <a:rPr lang="zh-CN" altLang="en-US" b="1" spc="50" dirty="0" smtClean="0">
+                <a:ln w="12700">
+                  <a:noFill/>
+                  <a:prstDash val="solid"/>
+                </a:ln>
+                <a:solidFill>
+                  <a:schemeClr val="accent4"/>
+                </a:solidFill>
+                <a:effectLst>
+                  <a:outerShdw blurRad="38100" dist="38100" dir="2700000" algn="tl">
+                    <a:srgbClr val="000000">
+                      <a:alpha val="43137"/>
+                    </a:srgbClr>
+                  </a:outerShdw>
+                </a:effectLst>
+                <a:latin typeface="+mj-lt"/>
+                <a:ea typeface="+mj-ea"/>
+                <a:cs typeface="+mj-cs"/>
+              </a:rPr>
+              <a:t>：</a:t>
+            </a:r>
+            <a:endParaRPr lang="en-US" altLang="zh-CN" sz="1400" dirty="0" smtClean="0">
+              <a:solidFill>
+                <a:schemeClr val="accent4"/>
+              </a:solidFill>
+            </a:endParaRPr>
+          </a:p>
+          <a:p>
+            <a:r>
+              <a:rPr lang="en-US" altLang="zh-CN" sz="1400" dirty="0">
+                <a:solidFill>
+                  <a:schemeClr val="accent4"/>
+                </a:solidFill>
+              </a:rPr>
+              <a:t>	</a:t>
+            </a:r>
+            <a:r>
+              <a:rPr lang="zh-CN" altLang="en-US" sz="1400" dirty="0" smtClean="0">
+                <a:solidFill>
+                  <a:schemeClr val="accent4"/>
+                </a:solidFill>
+              </a:rPr>
+              <a:t>创建型，封装了对象的创建</a:t>
+            </a:r>
+            <a:endParaRPr lang="en-US" altLang="zh-CN" sz="1400" dirty="0" smtClean="0">
+              <a:solidFill>
+                <a:schemeClr val="accent4"/>
+              </a:solidFill>
+            </a:endParaRPr>
+          </a:p>
+          <a:p>
+            <a:r>
+              <a:rPr lang="en-US" altLang="zh-CN" sz="1400" dirty="0">
+                <a:solidFill>
+                  <a:schemeClr val="accent4"/>
+                </a:solidFill>
+              </a:rPr>
+              <a:t>	</a:t>
+            </a:r>
+            <a:r>
+              <a:rPr lang="zh-CN" altLang="en-US" sz="1400" dirty="0" smtClean="0">
+                <a:solidFill>
+                  <a:schemeClr val="accent4"/>
+                </a:solidFill>
+              </a:rPr>
+              <a:t>支持扩展产品</a:t>
+            </a:r>
+            <a:r>
+              <a:rPr lang="en-US" altLang="zh-CN" sz="1400" dirty="0">
+                <a:solidFill>
+                  <a:schemeClr val="accent4"/>
+                </a:solidFill>
+              </a:rPr>
+              <a:t> </a:t>
+            </a:r>
+            <a:r>
+              <a:rPr lang="en-US" altLang="zh-CN" sz="1400" dirty="0" smtClean="0">
+                <a:solidFill>
+                  <a:schemeClr val="accent4"/>
+                </a:solidFill>
+              </a:rPr>
+              <a:t>/ </a:t>
+            </a:r>
+            <a:r>
+              <a:rPr lang="zh-CN" altLang="en-US" sz="1400" dirty="0" smtClean="0">
+                <a:solidFill>
+                  <a:schemeClr val="accent4"/>
+                </a:solidFill>
+              </a:rPr>
+              <a:t>产品系列</a:t>
+            </a:r>
+            <a:endParaRPr lang="en-US" altLang="zh-CN" sz="1400" dirty="0" smtClean="0">
+              <a:solidFill>
+                <a:schemeClr val="accent4"/>
+              </a:solidFill>
+            </a:endParaRPr>
+          </a:p>
+          <a:p>
+            <a:endParaRPr lang="zh-CN" altLang="en-US" sz="1400" dirty="0">
+              <a:solidFill>
+                <a:schemeClr val="accent4"/>
+              </a:solidFill>
+            </a:endParaRPr>
+          </a:p>
+          <a:p>
+            <a:r>
+              <a:rPr lang="zh-CN" altLang="en-US" b="1" spc="50" dirty="0">
+                <a:ln w="12700">
+                  <a:noFill/>
+                  <a:prstDash val="solid"/>
+                </a:ln>
+                <a:solidFill>
+                  <a:schemeClr val="accent4"/>
+                </a:solidFill>
+                <a:effectLst>
+                  <a:outerShdw blurRad="38100" dist="38100" dir="2700000" algn="tl">
+                    <a:srgbClr val="000000">
+                      <a:alpha val="43137"/>
+                    </a:srgbClr>
+                  </a:outerShdw>
+                </a:effectLst>
+                <a:latin typeface="+mj-lt"/>
+                <a:ea typeface="+mj-ea"/>
+                <a:cs typeface="+mj-cs"/>
+              </a:rPr>
+              <a:t>差异</a:t>
+            </a:r>
+            <a:r>
+              <a:rPr lang="zh-CN" altLang="en-US" b="1" spc="50" dirty="0" smtClean="0">
+                <a:ln w="12700">
+                  <a:noFill/>
+                  <a:prstDash val="solid"/>
+                </a:ln>
+                <a:solidFill>
+                  <a:schemeClr val="accent4"/>
+                </a:solidFill>
+                <a:effectLst>
+                  <a:outerShdw blurRad="38100" dist="38100" dir="2700000" algn="tl">
+                    <a:srgbClr val="000000">
+                      <a:alpha val="43137"/>
+                    </a:srgbClr>
+                  </a:outerShdw>
+                </a:effectLst>
+                <a:latin typeface="+mj-lt"/>
+                <a:ea typeface="+mj-ea"/>
+                <a:cs typeface="+mj-cs"/>
+              </a:rPr>
+              <a:t>：</a:t>
+            </a:r>
+            <a:endParaRPr lang="en-US" altLang="zh-CN" sz="1400" dirty="0" smtClean="0">
+              <a:solidFill>
+                <a:schemeClr val="accent4"/>
+              </a:solidFill>
+            </a:endParaRPr>
+          </a:p>
+          <a:p>
+            <a:r>
+              <a:rPr lang="en-US" altLang="zh-CN" sz="1400" dirty="0">
+                <a:solidFill>
+                  <a:schemeClr val="accent4"/>
+                </a:solidFill>
+              </a:rPr>
+              <a:t>	</a:t>
+            </a:r>
+            <a:r>
+              <a:rPr lang="en-US" altLang="zh-CN" sz="1400" b="1" dirty="0" smtClean="0">
+                <a:solidFill>
+                  <a:schemeClr val="accent4"/>
+                </a:solidFill>
+              </a:rPr>
+              <a:t>Factory Method</a:t>
+            </a:r>
+            <a:br>
+              <a:rPr lang="en-US" altLang="zh-CN" sz="1400" b="1" dirty="0" smtClean="0">
+                <a:solidFill>
+                  <a:schemeClr val="accent4"/>
+                </a:solidFill>
+              </a:rPr>
+            </a:br>
+            <a:endParaRPr lang="en-US" altLang="zh-CN" sz="1400" b="1" dirty="0" smtClean="0">
+              <a:solidFill>
+                <a:schemeClr val="accent4"/>
+              </a:solidFill>
+            </a:endParaRPr>
+          </a:p>
+          <a:p>
+            <a:r>
+              <a:rPr lang="en-US" altLang="zh-CN" sz="1400" dirty="0">
+                <a:solidFill>
+                  <a:schemeClr val="accent4"/>
+                </a:solidFill>
+              </a:rPr>
+              <a:t>	  </a:t>
+            </a:r>
+            <a:r>
+              <a:rPr lang="en-US" altLang="zh-CN" sz="1400" dirty="0" smtClean="0">
+                <a:solidFill>
+                  <a:schemeClr val="accent4"/>
+                </a:solidFill>
+              </a:rPr>
+              <a:t>   - </a:t>
+            </a:r>
+            <a:r>
+              <a:rPr lang="zh-CN" altLang="en-US" sz="1400" dirty="0" smtClean="0">
+                <a:solidFill>
+                  <a:schemeClr val="accent4"/>
+                </a:solidFill>
+              </a:rPr>
+              <a:t>强调</a:t>
+            </a:r>
+            <a:r>
+              <a:rPr lang="zh-CN" altLang="en-US" sz="1400" dirty="0">
+                <a:solidFill>
+                  <a:schemeClr val="accent4"/>
+                </a:solidFill>
+              </a:rPr>
+              <a:t>为</a:t>
+            </a:r>
+            <a:r>
+              <a:rPr lang="zh-CN" altLang="en-US" sz="1400" dirty="0" smtClean="0">
+                <a:solidFill>
+                  <a:schemeClr val="accent4"/>
+                </a:solidFill>
+              </a:rPr>
+              <a:t>创建单个产品提供</a:t>
+            </a:r>
+            <a:r>
+              <a:rPr lang="zh-CN" altLang="en-US" sz="1400" dirty="0">
+                <a:solidFill>
+                  <a:schemeClr val="accent4"/>
+                </a:solidFill>
+              </a:rPr>
+              <a:t>一个统一的</a:t>
+            </a:r>
+            <a:r>
+              <a:rPr lang="zh-CN" altLang="en-US" sz="1400" dirty="0" smtClean="0">
+                <a:solidFill>
+                  <a:schemeClr val="accent4"/>
+                </a:solidFill>
+              </a:rPr>
+              <a:t>接口</a:t>
+            </a:r>
+            <a:r>
+              <a:rPr lang="en-US" altLang="zh-CN" sz="1400" dirty="0" smtClean="0">
+                <a:solidFill>
+                  <a:schemeClr val="accent4"/>
+                </a:solidFill>
+              </a:rPr>
+              <a:t>(Create())</a:t>
+            </a:r>
+          </a:p>
+          <a:p>
+            <a:r>
+              <a:rPr lang="en-US" altLang="zh-CN" sz="1400" dirty="0">
+                <a:solidFill>
+                  <a:schemeClr val="accent4"/>
+                </a:solidFill>
+              </a:rPr>
+              <a:t>	 </a:t>
+            </a:r>
+            <a:r>
+              <a:rPr lang="en-US" altLang="zh-CN" sz="1400" dirty="0" smtClean="0">
+                <a:solidFill>
+                  <a:schemeClr val="accent4"/>
+                </a:solidFill>
+              </a:rPr>
+              <a:t>    - </a:t>
+            </a:r>
+            <a:r>
+              <a:rPr lang="zh-CN" altLang="en-US" sz="1400" dirty="0" smtClean="0">
+                <a:solidFill>
+                  <a:schemeClr val="accent4"/>
+                </a:solidFill>
+              </a:rPr>
+              <a:t>对产品进行了抽象，支持单个产品的扩展</a:t>
+            </a:r>
+            <a:endParaRPr lang="en-US" altLang="zh-CN" sz="1400" dirty="0" smtClean="0">
+              <a:solidFill>
+                <a:schemeClr val="accent4"/>
+              </a:solidFill>
+            </a:endParaRPr>
+          </a:p>
+          <a:p>
+            <a:r>
+              <a:rPr lang="en-US" altLang="zh-CN" sz="1400" dirty="0">
+                <a:solidFill>
+                  <a:schemeClr val="accent4"/>
+                </a:solidFill>
+              </a:rPr>
+              <a:t>	 </a:t>
+            </a:r>
+            <a:r>
+              <a:rPr lang="en-US" altLang="zh-CN" sz="1400" dirty="0" smtClean="0">
+                <a:solidFill>
+                  <a:schemeClr val="accent4"/>
+                </a:solidFill>
+              </a:rPr>
+              <a:t>    - </a:t>
+            </a:r>
+            <a:r>
+              <a:rPr lang="zh-CN" altLang="en-US" sz="1400" dirty="0" smtClean="0">
+                <a:solidFill>
+                  <a:schemeClr val="accent4"/>
+                </a:solidFill>
+              </a:rPr>
+              <a:t>直接</a:t>
+            </a:r>
+            <a:r>
+              <a:rPr lang="zh-CN" altLang="en-US" sz="1400" dirty="0">
+                <a:solidFill>
+                  <a:schemeClr val="accent4"/>
+                </a:solidFill>
+              </a:rPr>
+              <a:t>返回</a:t>
+            </a:r>
+            <a:r>
+              <a:rPr lang="zh-CN" altLang="en-US" sz="1400" dirty="0" smtClean="0">
+                <a:solidFill>
+                  <a:schemeClr val="accent4"/>
+                </a:solidFill>
+              </a:rPr>
+              <a:t>创建的产品</a:t>
+            </a:r>
+            <a:endParaRPr lang="en-US" altLang="zh-CN" sz="1400" dirty="0">
+              <a:solidFill>
+                <a:schemeClr val="accent4"/>
+              </a:solidFill>
+            </a:endParaRPr>
+          </a:p>
+          <a:p>
+            <a:endParaRPr lang="en-US" altLang="zh-CN" sz="1400" dirty="0">
+              <a:solidFill>
+                <a:schemeClr val="accent4"/>
+              </a:solidFill>
+            </a:endParaRPr>
+          </a:p>
+          <a:p>
+            <a:r>
+              <a:rPr lang="en-US" altLang="zh-CN" sz="1400" dirty="0">
+                <a:solidFill>
+                  <a:schemeClr val="accent4"/>
+                </a:solidFill>
+              </a:rPr>
+              <a:t>	</a:t>
+            </a:r>
+            <a:r>
+              <a:rPr lang="en-US" altLang="zh-CN" sz="1400" b="1" dirty="0">
+                <a:solidFill>
+                  <a:schemeClr val="accent4"/>
+                </a:solidFill>
+              </a:rPr>
+              <a:t>Abstract </a:t>
+            </a:r>
+            <a:r>
+              <a:rPr lang="en-US" altLang="zh-CN" sz="1400" b="1" dirty="0" smtClean="0">
+                <a:solidFill>
+                  <a:schemeClr val="accent4"/>
+                </a:solidFill>
+              </a:rPr>
+              <a:t>Factory</a:t>
+            </a:r>
+            <a:br>
+              <a:rPr lang="en-US" altLang="zh-CN" sz="1400" b="1" dirty="0" smtClean="0">
+                <a:solidFill>
+                  <a:schemeClr val="accent4"/>
+                </a:solidFill>
+              </a:rPr>
+            </a:br>
+            <a:endParaRPr lang="en-US" altLang="zh-CN" sz="1400" b="1" dirty="0">
+              <a:solidFill>
+                <a:schemeClr val="accent4"/>
+              </a:solidFill>
+            </a:endParaRPr>
+          </a:p>
+          <a:p>
+            <a:r>
+              <a:rPr lang="en-US" altLang="zh-CN" sz="1400" dirty="0">
+                <a:solidFill>
+                  <a:schemeClr val="accent4"/>
+                </a:solidFill>
+              </a:rPr>
+              <a:t>	     - </a:t>
+            </a:r>
+            <a:r>
+              <a:rPr lang="zh-CN" altLang="en-US" sz="1400" dirty="0">
+                <a:solidFill>
+                  <a:schemeClr val="accent4"/>
+                </a:solidFill>
+              </a:rPr>
+              <a:t>强调创建一系列产品</a:t>
+            </a:r>
+            <a:r>
+              <a:rPr lang="en-US" altLang="zh-CN" sz="1400" dirty="0">
+                <a:solidFill>
+                  <a:schemeClr val="accent4"/>
+                </a:solidFill>
+              </a:rPr>
+              <a:t>(</a:t>
+            </a:r>
+            <a:r>
+              <a:rPr lang="zh-CN" altLang="en-US" sz="1400" dirty="0">
+                <a:solidFill>
+                  <a:schemeClr val="accent4"/>
+                </a:solidFill>
+              </a:rPr>
+              <a:t>简单或复杂</a:t>
+            </a:r>
+            <a:r>
+              <a:rPr lang="en-US" altLang="zh-CN" sz="1400" dirty="0">
+                <a:solidFill>
+                  <a:schemeClr val="accent4"/>
+                </a:solidFill>
+              </a:rPr>
+              <a:t>)</a:t>
+            </a:r>
+          </a:p>
+          <a:p>
+            <a:r>
+              <a:rPr lang="en-US" altLang="zh-CN" sz="1400" dirty="0">
+                <a:solidFill>
+                  <a:schemeClr val="accent4"/>
+                </a:solidFill>
+              </a:rPr>
+              <a:t>	     - </a:t>
+            </a:r>
+            <a:r>
+              <a:rPr lang="zh-CN" altLang="en-US" sz="1400" dirty="0">
+                <a:solidFill>
+                  <a:schemeClr val="accent4"/>
+                </a:solidFill>
+              </a:rPr>
+              <a:t>对一系列产品进行了</a:t>
+            </a:r>
+            <a:r>
+              <a:rPr lang="zh-CN" altLang="en-US" sz="1400" dirty="0" smtClean="0">
+                <a:solidFill>
+                  <a:schemeClr val="accent4"/>
+                </a:solidFill>
+              </a:rPr>
+              <a:t>抽象，支持一些列产品的扩展</a:t>
+            </a:r>
+            <a:endParaRPr lang="en-US" altLang="zh-CN" sz="1400" dirty="0">
+              <a:solidFill>
+                <a:schemeClr val="accent4"/>
+              </a:solidFill>
+            </a:endParaRPr>
+          </a:p>
+          <a:p>
+            <a:r>
+              <a:rPr lang="en-US" altLang="zh-CN" sz="1400" dirty="0">
+                <a:solidFill>
+                  <a:schemeClr val="accent4"/>
+                </a:solidFill>
+              </a:rPr>
+              <a:t>	     - </a:t>
+            </a:r>
+            <a:r>
+              <a:rPr lang="zh-CN" altLang="en-US" sz="1400" dirty="0">
+                <a:solidFill>
+                  <a:schemeClr val="accent4"/>
+                </a:solidFill>
+              </a:rPr>
+              <a:t>直接返回创建的</a:t>
+            </a:r>
+            <a:r>
+              <a:rPr lang="zh-CN" altLang="en-US" sz="1400" dirty="0" smtClean="0">
+                <a:solidFill>
+                  <a:schemeClr val="accent4"/>
+                </a:solidFill>
+              </a:rPr>
+              <a:t>产品</a:t>
+            </a:r>
+            <a:endParaRPr lang="en-US" altLang="zh-CN" sz="1400" dirty="0" smtClean="0">
+              <a:solidFill>
+                <a:schemeClr val="accent4"/>
+              </a:solidFill>
+            </a:endParaRPr>
+          </a:p>
+          <a:p>
+            <a:endParaRPr lang="en-US" altLang="zh-CN" sz="1400" dirty="0">
+              <a:solidFill>
+                <a:schemeClr val="accent4"/>
+              </a:solidFill>
+            </a:endParaRPr>
+          </a:p>
+          <a:p>
+            <a:r>
+              <a:rPr lang="en-US" altLang="zh-CN" sz="1400" dirty="0">
+                <a:solidFill>
+                  <a:schemeClr val="accent4"/>
+                </a:solidFill>
+              </a:rPr>
+              <a:t>	</a:t>
+            </a:r>
+            <a:r>
+              <a:rPr lang="en-US" altLang="zh-CN" sz="1400" b="1" dirty="0" smtClean="0">
+                <a:solidFill>
+                  <a:schemeClr val="accent4"/>
+                </a:solidFill>
+              </a:rPr>
+              <a:t>Builder</a:t>
+            </a:r>
+            <a:br>
+              <a:rPr lang="en-US" altLang="zh-CN" sz="1400" b="1" dirty="0" smtClean="0">
+                <a:solidFill>
+                  <a:schemeClr val="accent4"/>
+                </a:solidFill>
+              </a:rPr>
+            </a:br>
+            <a:endParaRPr lang="en-US" altLang="zh-CN" sz="1400" b="1" dirty="0">
+              <a:solidFill>
+                <a:schemeClr val="accent4"/>
+              </a:solidFill>
+            </a:endParaRPr>
+          </a:p>
+          <a:p>
+            <a:r>
+              <a:rPr lang="en-US" altLang="zh-CN" sz="1400" dirty="0">
+                <a:solidFill>
+                  <a:schemeClr val="accent4"/>
+                </a:solidFill>
+              </a:rPr>
+              <a:t>	     - </a:t>
+            </a:r>
+            <a:r>
+              <a:rPr lang="zh-CN" altLang="en-US" sz="1400" dirty="0" smtClean="0">
+                <a:solidFill>
+                  <a:schemeClr val="accent4"/>
+                </a:solidFill>
+              </a:rPr>
+              <a:t>强调</a:t>
+            </a:r>
+            <a:r>
+              <a:rPr lang="zh-CN" altLang="en-US" sz="1400" dirty="0">
+                <a:solidFill>
+                  <a:schemeClr val="accent4"/>
+                </a:solidFill>
+              </a:rPr>
+              <a:t>一步一</a:t>
+            </a:r>
+            <a:r>
+              <a:rPr lang="zh-CN" altLang="en-US" sz="1400" dirty="0" smtClean="0">
+                <a:solidFill>
+                  <a:schemeClr val="accent4"/>
+                </a:solidFill>
+              </a:rPr>
+              <a:t>步的创建产品</a:t>
+            </a:r>
+            <a:r>
+              <a:rPr lang="zh-CN" altLang="en-US" sz="1400" dirty="0">
+                <a:solidFill>
+                  <a:schemeClr val="accent4"/>
+                </a:solidFill>
+              </a:rPr>
+              <a:t>，以及产品内部</a:t>
+            </a:r>
+            <a:r>
+              <a:rPr lang="zh-CN" altLang="en-US" sz="1400" dirty="0" smtClean="0">
+                <a:solidFill>
+                  <a:schemeClr val="accent4"/>
+                </a:solidFill>
+              </a:rPr>
+              <a:t>复杂性</a:t>
+            </a:r>
+            <a:endParaRPr lang="en-US" altLang="zh-CN" sz="1400" dirty="0" smtClean="0">
+              <a:solidFill>
+                <a:schemeClr val="accent4"/>
+              </a:solidFill>
+            </a:endParaRPr>
+          </a:p>
+          <a:p>
+            <a:r>
+              <a:rPr lang="en-US" altLang="zh-CN" sz="1400" dirty="0">
+                <a:solidFill>
+                  <a:schemeClr val="accent4"/>
+                </a:solidFill>
+              </a:rPr>
+              <a:t>	</a:t>
+            </a:r>
+            <a:r>
+              <a:rPr lang="en-US" altLang="zh-CN" sz="1400" dirty="0" smtClean="0">
+                <a:solidFill>
+                  <a:schemeClr val="accent4"/>
+                </a:solidFill>
+              </a:rPr>
+              <a:t>     - </a:t>
+            </a:r>
+            <a:r>
+              <a:rPr lang="zh-CN" altLang="en-US" sz="1400" dirty="0" smtClean="0">
+                <a:solidFill>
+                  <a:schemeClr val="accent4"/>
+                </a:solidFill>
+              </a:rPr>
+              <a:t>强调分离产品构建过程及其具体表示，相同的构建过程创建不同的表示</a:t>
+            </a:r>
+            <a:endParaRPr lang="en-US" altLang="zh-CN" sz="1400" dirty="0" smtClean="0">
+              <a:solidFill>
+                <a:schemeClr val="accent4"/>
+              </a:solidFill>
+            </a:endParaRPr>
+          </a:p>
+          <a:p>
+            <a:r>
+              <a:rPr lang="en-US" altLang="zh-CN" sz="1400" dirty="0" smtClean="0">
+                <a:solidFill>
+                  <a:schemeClr val="accent4"/>
+                </a:solidFill>
+              </a:rPr>
+              <a:t>	     - </a:t>
+            </a:r>
+            <a:r>
+              <a:rPr lang="zh-CN" altLang="en-US" sz="1400" dirty="0" smtClean="0">
+                <a:solidFill>
+                  <a:schemeClr val="accent4"/>
+                </a:solidFill>
+              </a:rPr>
+              <a:t>不要求对产品进行抽象，通过扩展</a:t>
+            </a:r>
+            <a:r>
+              <a:rPr lang="en-US" altLang="zh-CN" sz="1400" dirty="0" smtClean="0">
+                <a:solidFill>
+                  <a:schemeClr val="accent4"/>
+                </a:solidFill>
+              </a:rPr>
+              <a:t>Builder</a:t>
+            </a:r>
+            <a:r>
+              <a:rPr lang="zh-CN" altLang="en-US" sz="1400" dirty="0" smtClean="0">
+                <a:solidFill>
+                  <a:schemeClr val="accent4"/>
+                </a:solidFill>
+              </a:rPr>
+              <a:t>来改变产品的内部表示</a:t>
+            </a:r>
+            <a:endParaRPr lang="en-US" altLang="zh-CN" sz="1400" dirty="0" smtClean="0">
+              <a:solidFill>
+                <a:schemeClr val="accent4"/>
+              </a:solidFill>
+            </a:endParaRPr>
+          </a:p>
+          <a:p>
+            <a:r>
+              <a:rPr lang="en-US" altLang="zh-CN" sz="1400" dirty="0">
+                <a:solidFill>
+                  <a:schemeClr val="accent4"/>
+                </a:solidFill>
+              </a:rPr>
+              <a:t>	     - </a:t>
+            </a:r>
+            <a:r>
+              <a:rPr lang="zh-CN" altLang="en-US" sz="1400" dirty="0" smtClean="0">
+                <a:solidFill>
+                  <a:schemeClr val="accent4"/>
+                </a:solidFill>
+              </a:rPr>
+              <a:t>不要求统一的接口</a:t>
+            </a:r>
+            <a:r>
+              <a:rPr lang="en-US" altLang="zh-CN" sz="1400" dirty="0" smtClean="0">
+                <a:solidFill>
+                  <a:schemeClr val="accent4"/>
+                </a:solidFill>
+              </a:rPr>
+              <a:t>(GetProduct())</a:t>
+            </a:r>
+            <a:r>
+              <a:rPr lang="zh-CN" altLang="en-US" sz="1400" dirty="0" smtClean="0">
+                <a:solidFill>
+                  <a:schemeClr val="accent4"/>
+                </a:solidFill>
+              </a:rPr>
+              <a:t>，具体</a:t>
+            </a:r>
+            <a:r>
+              <a:rPr lang="en-US" altLang="zh-CN" sz="1400" dirty="0" smtClean="0">
+                <a:solidFill>
+                  <a:schemeClr val="accent4"/>
+                </a:solidFill>
+              </a:rPr>
+              <a:t>Builder</a:t>
+            </a:r>
+            <a:r>
+              <a:rPr lang="zh-CN" altLang="en-US" sz="1400" dirty="0" smtClean="0">
+                <a:solidFill>
+                  <a:schemeClr val="accent4"/>
+                </a:solidFill>
+              </a:rPr>
+              <a:t>返回具体</a:t>
+            </a:r>
+            <a:r>
+              <a:rPr lang="en-US" altLang="zh-CN" sz="1400" dirty="0" smtClean="0">
+                <a:solidFill>
+                  <a:schemeClr val="accent4"/>
+                </a:solidFill>
+              </a:rPr>
+              <a:t>Product</a:t>
+            </a:r>
+            <a:endParaRPr lang="zh-CN" altLang="en-US" sz="1400" dirty="0">
+              <a:solidFill>
+                <a:schemeClr val="accent4"/>
+              </a:solidFill>
+            </a:endParaRPr>
+          </a:p>
+        </p:txBody>
+      </p:sp>
+      <p:sp>
+        <p:nvSpPr>
+          <p:cNvPr id="3" name="Rectangle 2"/>
+          <p:cNvSpPr txBox="1">
+            <a:spLocks noChangeArrowheads="1"/>
+          </p:cNvSpPr>
+          <p:nvPr/>
+        </p:nvSpPr>
+        <p:spPr>
+          <a:xfrm>
+            <a:off x="628650" y="44624"/>
+            <a:ext cx="7886700" cy="1119658"/>
+          </a:xfrm>
+          <a:prstGeom prst="rect">
+            <a:avLst/>
+          </a:prstGeom>
+        </p:spPr>
+        <p:txBody>
+          <a:bodyPr vert="horz" lIns="91440" tIns="45720" rIns="91440" bIns="45720" rtlCol="0" anchor="ctr">
+            <a:normAutofit/>
+          </a:bodyPr>
+          <a:lstStyle>
+            <a:lvl1pPr algn="ctr" defTabSz="914400" rtl="0" eaLnBrk="1" latinLnBrk="0" hangingPunct="1">
+              <a:spcBef>
+                <a:spcPct val="0"/>
+              </a:spcBef>
+              <a:buNone/>
+              <a:defRPr sz="4400" kern="1200">
+                <a:solidFill>
+                  <a:schemeClr val="tx1"/>
+                </a:solidFill>
+                <a:latin typeface="+mj-lt"/>
+                <a:ea typeface="+mj-ea"/>
+                <a:cs typeface="+mj-cs"/>
+              </a:defRPr>
+            </a:lvl1pPr>
+          </a:lstStyle>
+          <a:p>
+            <a:r>
+              <a:rPr lang="en-US" altLang="zh-CN" sz="3200" dirty="0"/>
+              <a:t>Builder &amp; Factory Method &amp; Abstract Factory</a:t>
+            </a:r>
+            <a:endParaRPr lang="zh-CN" altLang="en-US" sz="3200" dirty="0"/>
+          </a:p>
+        </p:txBody>
+      </p:sp>
+    </p:spTree>
+    <p:extLst>
+      <p:ext uri="{BB962C8B-B14F-4D97-AF65-F5344CB8AC3E}">
+        <p14:creationId xmlns:p14="http://schemas.microsoft.com/office/powerpoint/2010/main" val="2747582457"/>
+      </p:ext>
+    </p:extLst>
+  </p:cSld>
+  <p:clrMapOvr>
+    <a:masterClrMapping/>
+  </p:clrMapOvr>
+  <p:timing>
+    <p:tnLst>
+      <p:par>
+        <p:cTn id="1" dur="indefinite" restart="never" nodeType="tmRoot"/>
+      </p:par>
+    </p:tnLst>
+  </p:timing>
+</p:sld>
+</file>
+
+<file path=ppt/slides/slide22.xml><?xml version="1.0" encoding="utf-8"?>
+<p:sld xmlns:a="http://schemas.openxmlformats.org/drawingml/2006/main" xmlns:r="http://schemas.openxmlformats.org/officeDocument/2006/relationships" xmlns:p="http://schemas.openxmlformats.org/presentationml/2006/main">
+  <p:cSld>
+    <p:spTree>
+      <p:nvGrpSpPr>
+        <p:cNvPr id="1" name=""/>
+        <p:cNvGrpSpPr/>
+        <p:nvPr/>
+      </p:nvGrpSpPr>
+      <p:grpSpPr>
+        <a:xfrm>
+          <a:off x="0" y="0"/>
+          <a:ext cx="0" cy="0"/>
+          <a:chOff x="0" y="0"/>
+          <a:chExt cx="0" cy="0"/>
+        </a:xfrm>
+      </p:grpSpPr>
+      <p:sp>
+        <p:nvSpPr>
           <p:cNvPr id="72711" name="Rectangle 7"/>
           <p:cNvSpPr>
             <a:spLocks noGrp="1" noChangeArrowheads="1"/>
@@ -12246,7 +13219,7 @@
 </p:sld>
 </file>
 
-<file path=ppt/slides/slide21.xml><?xml version="1.0" encoding="utf-8"?>
+<file path=ppt/slides/slide23.xml><?xml version="1.0" encoding="utf-8"?>
 <p:sld xmlns:a="http://schemas.openxmlformats.org/drawingml/2006/main" xmlns:r="http://schemas.openxmlformats.org/officeDocument/2006/relationships" xmlns:p="http://schemas.openxmlformats.org/presentationml/2006/main">
   <p:cSld>
     <p:spTree>

--- a/_Doc/DesignPattern.P2.Creational(Builder).pptx
+++ b/_Doc/DesignPattern.P2.Creational(Builder).pptx
@@ -214,7 +214,7 @@
           <a:p>
             <a:fld id="{E18479FA-1253-41AA-8ABD-DCCC0F2E9FAF}" type="datetimeFigureOut">
               <a:rPr lang="en-US" smtClean="0"/>
-              <a:t>8/14/2015</a:t>
+              <a:t>9/17/2015</a:t>
             </a:fld>
             <a:endParaRPr lang="en-US"/>
           </a:p>
@@ -947,6 +947,125 @@
 </p:notes>
 </file>
 
+<file path=ppt/notesSlides/notesSlide6.xml><?xml version="1.0" encoding="utf-8"?>
+<p:notes xmlns:a="http://schemas.openxmlformats.org/drawingml/2006/main" xmlns:r="http://schemas.openxmlformats.org/officeDocument/2006/relationships" xmlns:p="http://schemas.openxmlformats.org/presentationml/2006/main">
+  <p:cSld>
+    <p:spTree>
+      <p:nvGrpSpPr>
+        <p:cNvPr id="1" name=""/>
+        <p:cNvGrpSpPr/>
+        <p:nvPr/>
+      </p:nvGrpSpPr>
+      <p:grpSpPr>
+        <a:xfrm>
+          <a:off x="0" y="0"/>
+          <a:ext cx="0" cy="0"/>
+          <a:chOff x="0" y="0"/>
+          <a:chExt cx="0" cy="0"/>
+        </a:xfrm>
+      </p:grpSpPr>
+      <p:sp>
+        <p:nvSpPr>
+          <p:cNvPr id="2" name="幻灯片图像占位符 1"/>
+          <p:cNvSpPr>
+            <a:spLocks noGrp="1" noRot="1" noChangeAspect="1"/>
+          </p:cNvSpPr>
+          <p:nvPr>
+            <p:ph type="sldImg"/>
+          </p:nvPr>
+        </p:nvSpPr>
+        <p:spPr/>
+      </p:sp>
+      <p:sp>
+        <p:nvSpPr>
+          <p:cNvPr id="3" name="备注占位符 2"/>
+          <p:cNvSpPr>
+            <a:spLocks noGrp="1"/>
+          </p:cNvSpPr>
+          <p:nvPr>
+            <p:ph type="body" idx="1"/>
+          </p:nvPr>
+        </p:nvSpPr>
+        <p:spPr/>
+        <p:txBody>
+          <a:bodyPr/>
+          <a:lstStyle/>
+          <a:p>
+            <a:r>
+              <a:rPr lang="zh-CN" altLang="en-US" dirty="0" smtClean="0"/>
+              <a:t>意图 </a:t>
+            </a:r>
+            <a:r>
+              <a:rPr lang="en-US" altLang="zh-CN" dirty="0" smtClean="0"/>
+              <a:t>-</a:t>
+            </a:r>
+            <a:r>
+              <a:rPr lang="en-US" altLang="zh-CN" baseline="0" dirty="0" smtClean="0"/>
+              <a:t> </a:t>
+            </a:r>
+            <a:r>
+              <a:rPr lang="zh-CN" altLang="en-US" dirty="0" smtClean="0"/>
+              <a:t>是回答下列问题的简单陈述：设计模式是做什么的？它的基本原理和意图是什么？它解决的是什么样的特定设计</a:t>
+            </a:r>
+            <a:r>
+              <a:rPr lang="zh-CN" altLang="en-US" smtClean="0"/>
+              <a:t>问题？</a:t>
+            </a:r>
+            <a:endParaRPr lang="zh-CN" altLang="en-US" dirty="0" smtClean="0"/>
+          </a:p>
+          <a:p>
+            <a:r>
+              <a:rPr lang="zh-CN" altLang="en-US" dirty="0" smtClean="0"/>
+              <a:t>动机 </a:t>
+            </a:r>
+            <a:r>
+              <a:rPr lang="en-US" altLang="zh-CN" dirty="0" smtClean="0"/>
+              <a:t>- </a:t>
+            </a:r>
+            <a:r>
+              <a:rPr lang="zh-CN" altLang="en-US" dirty="0" smtClean="0"/>
+              <a:t>用以说明一个设计问题以及如何用模式中的类、对象来解决该问题的特定情景。该情景会帮助你理解随后对模式更抽象的描述。</a:t>
+            </a:r>
+            <a:endParaRPr lang="en-US" dirty="0"/>
+          </a:p>
+        </p:txBody>
+      </p:sp>
+      <p:sp>
+        <p:nvSpPr>
+          <p:cNvPr id="4" name="灯片编号占位符 3"/>
+          <p:cNvSpPr>
+            <a:spLocks noGrp="1"/>
+          </p:cNvSpPr>
+          <p:nvPr>
+            <p:ph type="sldNum" sz="quarter" idx="10"/>
+          </p:nvPr>
+        </p:nvSpPr>
+        <p:spPr/>
+        <p:txBody>
+          <a:bodyPr/>
+          <a:lstStyle/>
+          <a:p>
+            <a:fld id="{C45A6EF4-A491-4BFF-8620-4D2D0A638522}" type="slidenum">
+              <a:rPr lang="en-US" smtClean="0"/>
+              <a:t>13</a:t>
+            </a:fld>
+            <a:endParaRPr lang="en-US"/>
+          </a:p>
+        </p:txBody>
+      </p:sp>
+    </p:spTree>
+    <p:extLst>
+      <p:ext uri="{BB962C8B-B14F-4D97-AF65-F5344CB8AC3E}">
+        <p14:creationId xmlns:p14="http://schemas.microsoft.com/office/powerpoint/2010/main" val="323624106"/>
+      </p:ext>
+    </p:extLst>
+  </p:cSld>
+  <p:clrMapOvr>
+    <a:masterClrMapping/>
+  </p:clrMapOvr>
+</p:notes>
+</file>
+
 <file path=ppt/slideLayouts/slideLayout1.xml><?xml version="1.0" encoding="utf-8"?>
 <p:sldLayout xmlns:a="http://schemas.openxmlformats.org/drawingml/2006/main" xmlns:r="http://schemas.openxmlformats.org/officeDocument/2006/relationships" xmlns:p="http://schemas.openxmlformats.org/presentationml/2006/main" type="title" preserve="1">
   <p:cSld name="标题幻灯片">
@@ -1128,7 +1247,7 @@
           <a:p>
             <a:fld id="{530820CF-B880-4189-942D-D702A7CBA730}" type="datetimeFigureOut">
               <a:rPr lang="zh-CN" altLang="en-US" smtClean="0"/>
-              <a:t>2015/8/14</a:t>
+              <a:t>2015/9/17</a:t>
             </a:fld>
             <a:endParaRPr lang="zh-CN" altLang="en-US"/>
           </a:p>
@@ -1293,7 +1412,7 @@
           <a:p>
             <a:fld id="{530820CF-B880-4189-942D-D702A7CBA730}" type="datetimeFigureOut">
               <a:rPr lang="zh-CN" altLang="en-US" smtClean="0"/>
-              <a:t>2015/8/14</a:t>
+              <a:t>2015/9/17</a:t>
             </a:fld>
             <a:endParaRPr lang="zh-CN" altLang="en-US"/>
           </a:p>
@@ -1468,7 +1587,7 @@
           <a:p>
             <a:fld id="{530820CF-B880-4189-942D-D702A7CBA730}" type="datetimeFigureOut">
               <a:rPr lang="zh-CN" altLang="en-US" smtClean="0"/>
-              <a:t>2015/8/14</a:t>
+              <a:t>2015/9/17</a:t>
             </a:fld>
             <a:endParaRPr lang="zh-CN" altLang="en-US"/>
           </a:p>
@@ -1633,7 +1752,7 @@
           <a:p>
             <a:fld id="{530820CF-B880-4189-942D-D702A7CBA730}" type="datetimeFigureOut">
               <a:rPr lang="zh-CN" altLang="en-US" smtClean="0"/>
-              <a:t>2015/8/14</a:t>
+              <a:t>2015/9/17</a:t>
             </a:fld>
             <a:endParaRPr lang="zh-CN" altLang="en-US"/>
           </a:p>
@@ -1874,7 +1993,7 @@
           <a:p>
             <a:fld id="{530820CF-B880-4189-942D-D702A7CBA730}" type="datetimeFigureOut">
               <a:rPr lang="zh-CN" altLang="en-US" smtClean="0"/>
-              <a:t>2015/8/14</a:t>
+              <a:t>2015/9/17</a:t>
             </a:fld>
             <a:endParaRPr lang="zh-CN" altLang="en-US"/>
           </a:p>
@@ -2157,7 +2276,7 @@
           <a:p>
             <a:fld id="{530820CF-B880-4189-942D-D702A7CBA730}" type="datetimeFigureOut">
               <a:rPr lang="zh-CN" altLang="en-US" smtClean="0"/>
-              <a:t>2015/8/14</a:t>
+              <a:t>2015/9/17</a:t>
             </a:fld>
             <a:endParaRPr lang="zh-CN" altLang="en-US"/>
           </a:p>
@@ -2574,7 +2693,7 @@
           <a:p>
             <a:fld id="{530820CF-B880-4189-942D-D702A7CBA730}" type="datetimeFigureOut">
               <a:rPr lang="zh-CN" altLang="en-US" smtClean="0"/>
-              <a:t>2015/8/14</a:t>
+              <a:t>2015/9/17</a:t>
             </a:fld>
             <a:endParaRPr lang="zh-CN" altLang="en-US"/>
           </a:p>
@@ -2687,7 +2806,7 @@
           <a:p>
             <a:fld id="{530820CF-B880-4189-942D-D702A7CBA730}" type="datetimeFigureOut">
               <a:rPr lang="zh-CN" altLang="en-US" smtClean="0"/>
-              <a:t>2015/8/14</a:t>
+              <a:t>2015/9/17</a:t>
             </a:fld>
             <a:endParaRPr lang="zh-CN" altLang="en-US"/>
           </a:p>
@@ -2777,7 +2896,7 @@
           <a:p>
             <a:fld id="{530820CF-B880-4189-942D-D702A7CBA730}" type="datetimeFigureOut">
               <a:rPr lang="zh-CN" altLang="en-US" smtClean="0"/>
-              <a:t>2015/8/14</a:t>
+              <a:t>2015/9/17</a:t>
             </a:fld>
             <a:endParaRPr lang="zh-CN" altLang="en-US"/>
           </a:p>
@@ -3049,7 +3168,7 @@
           <a:p>
             <a:fld id="{530820CF-B880-4189-942D-D702A7CBA730}" type="datetimeFigureOut">
               <a:rPr lang="zh-CN" altLang="en-US" smtClean="0"/>
-              <a:t>2015/8/14</a:t>
+              <a:t>2015/9/17</a:t>
             </a:fld>
             <a:endParaRPr lang="zh-CN" altLang="en-US"/>
           </a:p>
@@ -3297,7 +3416,7 @@
           <a:p>
             <a:fld id="{530820CF-B880-4189-942D-D702A7CBA730}" type="datetimeFigureOut">
               <a:rPr lang="zh-CN" altLang="en-US" smtClean="0"/>
-              <a:t>2015/8/14</a:t>
+              <a:t>2015/9/17</a:t>
             </a:fld>
             <a:endParaRPr lang="zh-CN" altLang="en-US"/>
           </a:p>
@@ -3505,7 +3624,7 @@
           <a:p>
             <a:fld id="{530820CF-B880-4189-942D-D702A7CBA730}" type="datetimeFigureOut">
               <a:rPr lang="zh-CN" altLang="en-US" smtClean="0"/>
-              <a:t>2015/8/14</a:t>
+              <a:t>2015/9/17</a:t>
             </a:fld>
             <a:endParaRPr lang="zh-CN" altLang="en-US"/>
           </a:p>
@@ -10859,11 +10978,6 @@
               </a:rPr>
               <a:t>Converter)</a:t>
             </a:r>
-            <a:endParaRPr lang="en-US" altLang="zh-CN" sz="1400" dirty="0">
-              <a:solidFill>
-                <a:schemeClr val="accent4"/>
-              </a:solidFill>
-            </a:endParaRPr>
           </a:p>
           <a:p>
             <a:r>
@@ -12196,31 +12310,7 @@
                   <a:schemeClr val="accent4"/>
                 </a:solidFill>
               </a:rPr>
-              <a:t>     </a:t>
-            </a:r>
-            <a:r>
-              <a:rPr lang="en-US" altLang="zh-CN" sz="1200" dirty="0" smtClean="0">
-                <a:solidFill>
-                  <a:schemeClr val="accent4"/>
-                </a:solidFill>
-              </a:rPr>
-              <a:t>- Builder </a:t>
-            </a:r>
-            <a:r>
-              <a:rPr lang="en-US" altLang="zh-CN" sz="1200" dirty="0" smtClean="0">
-                <a:solidFill>
-                  <a:schemeClr val="accent4"/>
-                </a:solidFill>
-              </a:rPr>
-              <a:t>        </a:t>
-            </a:r>
-            <a:r>
-              <a:rPr lang="en-US" altLang="zh-CN" sz="1200" dirty="0" smtClean="0">
-                <a:solidFill>
-                  <a:schemeClr val="accent4"/>
-                </a:solidFill>
-              </a:rPr>
-              <a:t>RenegeBuilder</a:t>
+              <a:t>     - Builder         RenegeBuilder</a:t>
             </a:r>
           </a:p>
           <a:p>
@@ -12273,23 +12363,7 @@
                   <a:schemeClr val="accent4"/>
                 </a:solidFill>
               </a:rPr>
-              <a:t>     </a:t>
-            </a:r>
-            <a:r>
-              <a:rPr lang="en-US" altLang="zh-CN" sz="1200" dirty="0" smtClean="0">
-                <a:solidFill>
-                  <a:schemeClr val="accent4"/>
-                </a:solidFill>
-              </a:rPr>
-              <a:t>- Product </a:t>
-            </a:r>
-            <a:r>
-              <a:rPr lang="en-US" altLang="zh-CN" sz="1200" dirty="0" smtClean="0">
-                <a:solidFill>
-                  <a:schemeClr val="accent4"/>
-                </a:solidFill>
-              </a:rPr>
-              <a:t>       String(Renege)</a:t>
+              <a:t>     - Product        String(Renege)</a:t>
             </a:r>
           </a:p>
         </p:txBody>
